--- a/Thomas-roess.fr.pptx
+++ b/Thomas-roess.fr.pptx
@@ -26,28 +26,37 @@
   <p:notesSz cx="6858000" cy="9144000"/>
   <p:embeddedFontLst>
     <p:embeddedFont>
-      <p:font typeface="Open Sans Semibold" pitchFamily="34" charset="0"/>
-      <p:bold r:id="rId18"/>
-      <p:boldItalic r:id="rId19"/>
-    </p:embeddedFont>
-    <p:embeddedFont>
-      <p:font typeface="Open Sans Extrabold" pitchFamily="34" charset="0"/>
-      <p:bold r:id="rId20"/>
+      <p:font typeface="Calibri" panose="020F0502020204030204" pitchFamily="34" charset="0"/>
+      <p:regular r:id="rId18"/>
+      <p:bold r:id="rId19"/>
+      <p:italic r:id="rId20"/>
       <p:boldItalic r:id="rId21"/>
     </p:embeddedFont>
     <p:embeddedFont>
-      <p:font typeface="Open Sans" pitchFamily="34" charset="0"/>
+      <p:font typeface="Montserrat" panose="00000500000000000000" pitchFamily="50" charset="0"/>
       <p:regular r:id="rId22"/>
       <p:bold r:id="rId23"/>
-      <p:italic r:id="rId24"/>
-      <p:boldItalic r:id="rId25"/>
     </p:embeddedFont>
     <p:embeddedFont>
-      <p:font typeface="Calibri" pitchFamily="34" charset="0"/>
-      <p:regular r:id="rId26"/>
-      <p:bold r:id="rId27"/>
-      <p:italic r:id="rId28"/>
+      <p:font typeface="Open Sans" pitchFamily="2" charset="0"/>
+      <p:regular r:id="rId24"/>
+      <p:bold r:id="rId25"/>
+      <p:italic r:id="rId26"/>
+      <p:boldItalic r:id="rId27"/>
+    </p:embeddedFont>
+    <p:embeddedFont>
+      <p:font typeface="Open Sans Semibold" pitchFamily="2" charset="0"/>
+      <p:bold r:id="rId28"/>
       <p:boldItalic r:id="rId29"/>
+    </p:embeddedFont>
+    <p:embeddedFont>
+      <p:font typeface="Open Sans Semibold" pitchFamily="2" charset="0"/>
+      <p:bold r:id="rId28"/>
+      <p:boldItalic r:id="rId29"/>
+    </p:embeddedFont>
+    <p:embeddedFont>
+      <p:font typeface="Reactor7" panose="00000400000000000000" pitchFamily="50" charset="0"/>
+      <p:regular r:id="rId30"/>
     </p:embeddedFont>
   </p:embeddedFontLst>
   <p:defaultTextStyle>
@@ -145,6 +154,22 @@
       </a:defRPr>
     </a:lvl9pPr>
   </p:defaultTextStyle>
+  <p:extLst>
+    <p:ext uri="{EFAFB233-063F-42B5-8137-9DF3F51BA10A}">
+      <p15:sldGuideLst xmlns:p15="http://schemas.microsoft.com/office/powerpoint/2012/main">
+        <p15:guide id="1" orient="horz" pos="2160">
+          <p15:clr>
+            <a:srgbClr val="A4A3A4"/>
+          </p15:clr>
+        </p15:guide>
+        <p15:guide id="2" pos="2880">
+          <p15:clr>
+            <a:srgbClr val="A4A3A4"/>
+          </p15:clr>
+        </p15:guide>
+      </p15:sldGuideLst>
+    </p:ext>
+  </p:extLst>
 </p:presentation>
 </file>
 
@@ -186,10 +211,9 @@
           <a:lstStyle/>
           <a:p>
             <a:r>
-              <a:rPr lang="en-US" smtClean="0"/>
+              <a:rPr lang="en-US"/>
               <a:t>Click to edit Master title style</a:t>
             </a:r>
-            <a:endParaRPr lang="en-US"/>
           </a:p>
         </p:txBody>
       </p:sp>
@@ -305,10 +329,9 @@
           </a:lstStyle>
           <a:p>
             <a:r>
-              <a:rPr lang="en-US" smtClean="0"/>
+              <a:rPr lang="en-US"/>
               <a:t>Click to edit Master subtitle style</a:t>
             </a:r>
-            <a:endParaRPr lang="en-US"/>
           </a:p>
         </p:txBody>
       </p:sp>
@@ -373,7 +396,7 @@
             <a:fld id="{B6F15528-21DE-4FAA-801E-634DDDAF4B2B}" type="slidenum">
               <a:rPr lang="en-US" smtClean="0"/>
               <a:pPr/>
-              <a:t>‹N°›</a:t>
+              <a:t>‹#›</a:t>
             </a:fld>
             <a:endParaRPr lang="en-US"/>
           </a:p>
@@ -420,10 +443,9 @@
           <a:lstStyle/>
           <a:p>
             <a:r>
-              <a:rPr lang="en-US" smtClean="0"/>
+              <a:rPr lang="en-US"/>
               <a:t>Click to edit Master title style</a:t>
             </a:r>
-            <a:endParaRPr lang="en-US"/>
           </a:p>
         </p:txBody>
       </p:sp>
@@ -444,38 +466,37 @@
           <a:p>
             <a:pPr lvl="0"/>
             <a:r>
-              <a:rPr lang="en-US" smtClean="0"/>
+              <a:rPr lang="en-US"/>
               <a:t>Click to edit Master text styles</a:t>
             </a:r>
           </a:p>
           <a:p>
             <a:pPr lvl="1"/>
             <a:r>
-              <a:rPr lang="en-US" smtClean="0"/>
+              <a:rPr lang="en-US"/>
               <a:t>Second level</a:t>
             </a:r>
           </a:p>
           <a:p>
             <a:pPr lvl="2"/>
             <a:r>
-              <a:rPr lang="en-US" smtClean="0"/>
+              <a:rPr lang="en-US"/>
               <a:t>Third level</a:t>
             </a:r>
           </a:p>
           <a:p>
             <a:pPr lvl="3"/>
             <a:r>
-              <a:rPr lang="en-US" smtClean="0"/>
+              <a:rPr lang="en-US"/>
               <a:t>Fourth level</a:t>
             </a:r>
           </a:p>
           <a:p>
             <a:pPr lvl="4"/>
             <a:r>
-              <a:rPr lang="en-US" smtClean="0"/>
+              <a:rPr lang="en-US"/>
               <a:t>Fifth level</a:t>
             </a:r>
-            <a:endParaRPr lang="en-US"/>
           </a:p>
         </p:txBody>
       </p:sp>
@@ -540,7 +561,7 @@
             <a:fld id="{B6F15528-21DE-4FAA-801E-634DDDAF4B2B}" type="slidenum">
               <a:rPr lang="en-US" smtClean="0"/>
               <a:pPr/>
-              <a:t>‹N°›</a:t>
+              <a:t>‹#›</a:t>
             </a:fld>
             <a:endParaRPr lang="en-US"/>
           </a:p>
@@ -592,10 +613,9 @@
           <a:lstStyle/>
           <a:p>
             <a:r>
-              <a:rPr lang="en-US" smtClean="0"/>
+              <a:rPr lang="en-US"/>
               <a:t>Click to edit Master title style</a:t>
             </a:r>
-            <a:endParaRPr lang="en-US"/>
           </a:p>
         </p:txBody>
       </p:sp>
@@ -621,38 +641,37 @@
           <a:p>
             <a:pPr lvl="0"/>
             <a:r>
-              <a:rPr lang="en-US" smtClean="0"/>
+              <a:rPr lang="en-US"/>
               <a:t>Click to edit Master text styles</a:t>
             </a:r>
           </a:p>
           <a:p>
             <a:pPr lvl="1"/>
             <a:r>
-              <a:rPr lang="en-US" smtClean="0"/>
+              <a:rPr lang="en-US"/>
               <a:t>Second level</a:t>
             </a:r>
           </a:p>
           <a:p>
             <a:pPr lvl="2"/>
             <a:r>
-              <a:rPr lang="en-US" smtClean="0"/>
+              <a:rPr lang="en-US"/>
               <a:t>Third level</a:t>
             </a:r>
           </a:p>
           <a:p>
             <a:pPr lvl="3"/>
             <a:r>
-              <a:rPr lang="en-US" smtClean="0"/>
+              <a:rPr lang="en-US"/>
               <a:t>Fourth level</a:t>
             </a:r>
           </a:p>
           <a:p>
             <a:pPr lvl="4"/>
             <a:r>
-              <a:rPr lang="en-US" smtClean="0"/>
+              <a:rPr lang="en-US"/>
               <a:t>Fifth level</a:t>
             </a:r>
-            <a:endParaRPr lang="en-US"/>
           </a:p>
         </p:txBody>
       </p:sp>
@@ -717,7 +736,7 @@
             <a:fld id="{B6F15528-21DE-4FAA-801E-634DDDAF4B2B}" type="slidenum">
               <a:rPr lang="en-US" smtClean="0"/>
               <a:pPr/>
-              <a:t>‹N°›</a:t>
+              <a:t>‹#›</a:t>
             </a:fld>
             <a:endParaRPr lang="en-US"/>
           </a:p>
@@ -764,10 +783,9 @@
           <a:lstStyle/>
           <a:p>
             <a:r>
-              <a:rPr lang="en-US" smtClean="0"/>
+              <a:rPr lang="en-US"/>
               <a:t>Click to edit Master title style</a:t>
             </a:r>
-            <a:endParaRPr lang="en-US"/>
           </a:p>
         </p:txBody>
       </p:sp>
@@ -788,38 +806,37 @@
           <a:p>
             <a:pPr lvl="0"/>
             <a:r>
-              <a:rPr lang="en-US" smtClean="0"/>
+              <a:rPr lang="en-US"/>
               <a:t>Click to edit Master text styles</a:t>
             </a:r>
           </a:p>
           <a:p>
             <a:pPr lvl="1"/>
             <a:r>
-              <a:rPr lang="en-US" smtClean="0"/>
+              <a:rPr lang="en-US"/>
               <a:t>Second level</a:t>
             </a:r>
           </a:p>
           <a:p>
             <a:pPr lvl="2"/>
             <a:r>
-              <a:rPr lang="en-US" smtClean="0"/>
+              <a:rPr lang="en-US"/>
               <a:t>Third level</a:t>
             </a:r>
           </a:p>
           <a:p>
             <a:pPr lvl="3"/>
             <a:r>
-              <a:rPr lang="en-US" smtClean="0"/>
+              <a:rPr lang="en-US"/>
               <a:t>Fourth level</a:t>
             </a:r>
           </a:p>
           <a:p>
             <a:pPr lvl="4"/>
             <a:r>
-              <a:rPr lang="en-US" smtClean="0"/>
+              <a:rPr lang="en-US"/>
               <a:t>Fifth level</a:t>
             </a:r>
-            <a:endParaRPr lang="en-US"/>
           </a:p>
         </p:txBody>
       </p:sp>
@@ -884,7 +901,7 @@
             <a:fld id="{B6F15528-21DE-4FAA-801E-634DDDAF4B2B}" type="slidenum">
               <a:rPr lang="en-US" smtClean="0"/>
               <a:pPr/>
-              <a:t>‹N°›</a:t>
+              <a:t>‹#›</a:t>
             </a:fld>
             <a:endParaRPr lang="en-US"/>
           </a:p>
@@ -940,10 +957,9 @@
           </a:lstStyle>
           <a:p>
             <a:r>
-              <a:rPr lang="en-US" smtClean="0"/>
+              <a:rPr lang="en-US"/>
               <a:t>Click to edit Master title style</a:t>
             </a:r>
-            <a:endParaRPr lang="en-US"/>
           </a:p>
         </p:txBody>
       </p:sp>
@@ -1060,7 +1076,7 @@
           <a:p>
             <a:pPr lvl="0"/>
             <a:r>
-              <a:rPr lang="en-US" smtClean="0"/>
+              <a:rPr lang="en-US"/>
               <a:t>Click to edit Master text styles</a:t>
             </a:r>
           </a:p>
@@ -1127,7 +1143,7 @@
             <a:fld id="{B6F15528-21DE-4FAA-801E-634DDDAF4B2B}" type="slidenum">
               <a:rPr lang="en-US" smtClean="0"/>
               <a:pPr/>
-              <a:t>‹N°›</a:t>
+              <a:t>‹#›</a:t>
             </a:fld>
             <a:endParaRPr lang="en-US"/>
           </a:p>
@@ -1174,10 +1190,9 @@
           <a:lstStyle/>
           <a:p>
             <a:r>
-              <a:rPr lang="en-US" smtClean="0"/>
+              <a:rPr lang="en-US"/>
               <a:t>Click to edit Master title style</a:t>
             </a:r>
-            <a:endParaRPr lang="en-US"/>
           </a:p>
         </p:txBody>
       </p:sp>
@@ -1231,38 +1246,37 @@
           <a:p>
             <a:pPr lvl="0"/>
             <a:r>
-              <a:rPr lang="en-US" smtClean="0"/>
+              <a:rPr lang="en-US"/>
               <a:t>Click to edit Master text styles</a:t>
             </a:r>
           </a:p>
           <a:p>
             <a:pPr lvl="1"/>
             <a:r>
-              <a:rPr lang="en-US" smtClean="0"/>
+              <a:rPr lang="en-US"/>
               <a:t>Second level</a:t>
             </a:r>
           </a:p>
           <a:p>
             <a:pPr lvl="2"/>
             <a:r>
-              <a:rPr lang="en-US" smtClean="0"/>
+              <a:rPr lang="en-US"/>
               <a:t>Third level</a:t>
             </a:r>
           </a:p>
           <a:p>
             <a:pPr lvl="3"/>
             <a:r>
-              <a:rPr lang="en-US" smtClean="0"/>
+              <a:rPr lang="en-US"/>
               <a:t>Fourth level</a:t>
             </a:r>
           </a:p>
           <a:p>
             <a:pPr lvl="4"/>
             <a:r>
-              <a:rPr lang="en-US" smtClean="0"/>
+              <a:rPr lang="en-US"/>
               <a:t>Fifth level</a:t>
             </a:r>
-            <a:endParaRPr lang="en-US"/>
           </a:p>
         </p:txBody>
       </p:sp>
@@ -1316,38 +1330,37 @@
           <a:p>
             <a:pPr lvl="0"/>
             <a:r>
-              <a:rPr lang="en-US" smtClean="0"/>
+              <a:rPr lang="en-US"/>
               <a:t>Click to edit Master text styles</a:t>
             </a:r>
           </a:p>
           <a:p>
             <a:pPr lvl="1"/>
             <a:r>
-              <a:rPr lang="en-US" smtClean="0"/>
+              <a:rPr lang="en-US"/>
               <a:t>Second level</a:t>
             </a:r>
           </a:p>
           <a:p>
             <a:pPr lvl="2"/>
             <a:r>
-              <a:rPr lang="en-US" smtClean="0"/>
+              <a:rPr lang="en-US"/>
               <a:t>Third level</a:t>
             </a:r>
           </a:p>
           <a:p>
             <a:pPr lvl="3"/>
             <a:r>
-              <a:rPr lang="en-US" smtClean="0"/>
+              <a:rPr lang="en-US"/>
               <a:t>Fourth level</a:t>
             </a:r>
           </a:p>
           <a:p>
             <a:pPr lvl="4"/>
             <a:r>
-              <a:rPr lang="en-US" smtClean="0"/>
+              <a:rPr lang="en-US"/>
               <a:t>Fifth level</a:t>
             </a:r>
-            <a:endParaRPr lang="en-US"/>
           </a:p>
         </p:txBody>
       </p:sp>
@@ -1412,7 +1425,7 @@
             <a:fld id="{B6F15528-21DE-4FAA-801E-634DDDAF4B2B}" type="slidenum">
               <a:rPr lang="en-US" smtClean="0"/>
               <a:pPr/>
-              <a:t>‹N°›</a:t>
+              <a:t>‹#›</a:t>
             </a:fld>
             <a:endParaRPr lang="en-US"/>
           </a:p>
@@ -1463,10 +1476,9 @@
           </a:lstStyle>
           <a:p>
             <a:r>
-              <a:rPr lang="en-US" smtClean="0"/>
+              <a:rPr lang="en-US"/>
               <a:t>Click to edit Master title style</a:t>
             </a:r>
-            <a:endParaRPr lang="en-US"/>
           </a:p>
         </p:txBody>
       </p:sp>
@@ -1529,7 +1541,7 @@
           <a:p>
             <a:pPr lvl="0"/>
             <a:r>
-              <a:rPr lang="en-US" smtClean="0"/>
+              <a:rPr lang="en-US"/>
               <a:t>Click to edit Master text styles</a:t>
             </a:r>
           </a:p>
@@ -1585,38 +1597,37 @@
           <a:p>
             <a:pPr lvl="0"/>
             <a:r>
-              <a:rPr lang="en-US" smtClean="0"/>
+              <a:rPr lang="en-US"/>
               <a:t>Click to edit Master text styles</a:t>
             </a:r>
           </a:p>
           <a:p>
             <a:pPr lvl="1"/>
             <a:r>
-              <a:rPr lang="en-US" smtClean="0"/>
+              <a:rPr lang="en-US"/>
               <a:t>Second level</a:t>
             </a:r>
           </a:p>
           <a:p>
             <a:pPr lvl="2"/>
             <a:r>
-              <a:rPr lang="en-US" smtClean="0"/>
+              <a:rPr lang="en-US"/>
               <a:t>Third level</a:t>
             </a:r>
           </a:p>
           <a:p>
             <a:pPr lvl="3"/>
             <a:r>
-              <a:rPr lang="en-US" smtClean="0"/>
+              <a:rPr lang="en-US"/>
               <a:t>Fourth level</a:t>
             </a:r>
           </a:p>
           <a:p>
             <a:pPr lvl="4"/>
             <a:r>
-              <a:rPr lang="en-US" smtClean="0"/>
+              <a:rPr lang="en-US"/>
               <a:t>Fifth level</a:t>
             </a:r>
-            <a:endParaRPr lang="en-US"/>
           </a:p>
         </p:txBody>
       </p:sp>
@@ -1679,7 +1690,7 @@
           <a:p>
             <a:pPr lvl="0"/>
             <a:r>
-              <a:rPr lang="en-US" smtClean="0"/>
+              <a:rPr lang="en-US"/>
               <a:t>Click to edit Master text styles</a:t>
             </a:r>
           </a:p>
@@ -1735,38 +1746,37 @@
           <a:p>
             <a:pPr lvl="0"/>
             <a:r>
-              <a:rPr lang="en-US" smtClean="0"/>
+              <a:rPr lang="en-US"/>
               <a:t>Click to edit Master text styles</a:t>
             </a:r>
           </a:p>
           <a:p>
             <a:pPr lvl="1"/>
             <a:r>
-              <a:rPr lang="en-US" smtClean="0"/>
+              <a:rPr lang="en-US"/>
               <a:t>Second level</a:t>
             </a:r>
           </a:p>
           <a:p>
             <a:pPr lvl="2"/>
             <a:r>
-              <a:rPr lang="en-US" smtClean="0"/>
+              <a:rPr lang="en-US"/>
               <a:t>Third level</a:t>
             </a:r>
           </a:p>
           <a:p>
             <a:pPr lvl="3"/>
             <a:r>
-              <a:rPr lang="en-US" smtClean="0"/>
+              <a:rPr lang="en-US"/>
               <a:t>Fourth level</a:t>
             </a:r>
           </a:p>
           <a:p>
             <a:pPr lvl="4"/>
             <a:r>
-              <a:rPr lang="en-US" smtClean="0"/>
+              <a:rPr lang="en-US"/>
               <a:t>Fifth level</a:t>
             </a:r>
-            <a:endParaRPr lang="en-US"/>
           </a:p>
         </p:txBody>
       </p:sp>
@@ -1831,7 +1841,7 @@
             <a:fld id="{B6F15528-21DE-4FAA-801E-634DDDAF4B2B}" type="slidenum">
               <a:rPr lang="en-US" smtClean="0"/>
               <a:pPr/>
-              <a:t>‹N°›</a:t>
+              <a:t>‹#›</a:t>
             </a:fld>
             <a:endParaRPr lang="en-US"/>
           </a:p>
@@ -1878,10 +1888,9 @@
           <a:lstStyle/>
           <a:p>
             <a:r>
-              <a:rPr lang="en-US" smtClean="0"/>
+              <a:rPr lang="en-US"/>
               <a:t>Click to edit Master title style</a:t>
             </a:r>
-            <a:endParaRPr lang="en-US"/>
           </a:p>
         </p:txBody>
       </p:sp>
@@ -1946,7 +1955,7 @@
             <a:fld id="{B6F15528-21DE-4FAA-801E-634DDDAF4B2B}" type="slidenum">
               <a:rPr lang="en-US" smtClean="0"/>
               <a:pPr/>
-              <a:t>‹N°›</a:t>
+              <a:t>‹#›</a:t>
             </a:fld>
             <a:endParaRPr lang="en-US"/>
           </a:p>
@@ -2038,7 +2047,7 @@
             <a:fld id="{B6F15528-21DE-4FAA-801E-634DDDAF4B2B}" type="slidenum">
               <a:rPr lang="en-US" smtClean="0"/>
               <a:pPr/>
-              <a:t>‹N°›</a:t>
+              <a:t>‹#›</a:t>
             </a:fld>
             <a:endParaRPr lang="en-US"/>
           </a:p>
@@ -2094,10 +2103,9 @@
           </a:lstStyle>
           <a:p>
             <a:r>
-              <a:rPr lang="en-US" smtClean="0"/>
+              <a:rPr lang="en-US"/>
               <a:t>Click to edit Master title style</a:t>
             </a:r>
-            <a:endParaRPr lang="en-US"/>
           </a:p>
         </p:txBody>
       </p:sp>
@@ -2151,38 +2159,37 @@
           <a:p>
             <a:pPr lvl="0"/>
             <a:r>
-              <a:rPr lang="en-US" smtClean="0"/>
+              <a:rPr lang="en-US"/>
               <a:t>Click to edit Master text styles</a:t>
             </a:r>
           </a:p>
           <a:p>
             <a:pPr lvl="1"/>
             <a:r>
-              <a:rPr lang="en-US" smtClean="0"/>
+              <a:rPr lang="en-US"/>
               <a:t>Second level</a:t>
             </a:r>
           </a:p>
           <a:p>
             <a:pPr lvl="2"/>
             <a:r>
-              <a:rPr lang="en-US" smtClean="0"/>
+              <a:rPr lang="en-US"/>
               <a:t>Third level</a:t>
             </a:r>
           </a:p>
           <a:p>
             <a:pPr lvl="3"/>
             <a:r>
-              <a:rPr lang="en-US" smtClean="0"/>
+              <a:rPr lang="en-US"/>
               <a:t>Fourth level</a:t>
             </a:r>
           </a:p>
           <a:p>
             <a:pPr lvl="4"/>
             <a:r>
-              <a:rPr lang="en-US" smtClean="0"/>
+              <a:rPr lang="en-US"/>
               <a:t>Fifth level</a:t>
             </a:r>
-            <a:endParaRPr lang="en-US"/>
           </a:p>
         </p:txBody>
       </p:sp>
@@ -2245,7 +2252,7 @@
           <a:p>
             <a:pPr lvl="0"/>
             <a:r>
-              <a:rPr lang="en-US" smtClean="0"/>
+              <a:rPr lang="en-US"/>
               <a:t>Click to edit Master text styles</a:t>
             </a:r>
           </a:p>
@@ -2312,7 +2319,7 @@
             <a:fld id="{B6F15528-21DE-4FAA-801E-634DDDAF4B2B}" type="slidenum">
               <a:rPr lang="en-US" smtClean="0"/>
               <a:pPr/>
-              <a:t>‹N°›</a:t>
+              <a:t>‹#›</a:t>
             </a:fld>
             <a:endParaRPr lang="en-US"/>
           </a:p>
@@ -2368,10 +2375,9 @@
           </a:lstStyle>
           <a:p>
             <a:r>
-              <a:rPr lang="en-US" smtClean="0"/>
+              <a:rPr lang="en-US"/>
               <a:t>Click to edit Master title style</a:t>
             </a:r>
-            <a:endParaRPr lang="en-US"/>
           </a:p>
         </p:txBody>
       </p:sp>
@@ -2495,7 +2501,7 @@
           <a:p>
             <a:pPr lvl="0"/>
             <a:r>
-              <a:rPr lang="en-US" smtClean="0"/>
+              <a:rPr lang="en-US"/>
               <a:t>Click to edit Master text styles</a:t>
             </a:r>
           </a:p>
@@ -2562,7 +2568,7 @@
             <a:fld id="{B6F15528-21DE-4FAA-801E-634DDDAF4B2B}" type="slidenum">
               <a:rPr lang="en-US" smtClean="0"/>
               <a:pPr/>
-              <a:t>‹N°›</a:t>
+              <a:t>‹#›</a:t>
             </a:fld>
             <a:endParaRPr lang="en-US"/>
           </a:p>
@@ -2624,10 +2630,9 @@
           <a:lstStyle/>
           <a:p>
             <a:r>
-              <a:rPr lang="en-US" smtClean="0"/>
+              <a:rPr lang="en-US"/>
               <a:t>Click to edit Master title style</a:t>
             </a:r>
-            <a:endParaRPr lang="en-US"/>
           </a:p>
         </p:txBody>
       </p:sp>
@@ -2658,38 +2663,37 @@
           <a:p>
             <a:pPr lvl="0"/>
             <a:r>
-              <a:rPr lang="en-US" smtClean="0"/>
+              <a:rPr lang="en-US"/>
               <a:t>Click to edit Master text styles</a:t>
             </a:r>
           </a:p>
           <a:p>
             <a:pPr lvl="1"/>
             <a:r>
-              <a:rPr lang="en-US" smtClean="0"/>
+              <a:rPr lang="en-US"/>
               <a:t>Second level</a:t>
             </a:r>
           </a:p>
           <a:p>
             <a:pPr lvl="2"/>
             <a:r>
-              <a:rPr lang="en-US" smtClean="0"/>
+              <a:rPr lang="en-US"/>
               <a:t>Third level</a:t>
             </a:r>
           </a:p>
           <a:p>
             <a:pPr lvl="3"/>
             <a:r>
-              <a:rPr lang="en-US" smtClean="0"/>
+              <a:rPr lang="en-US"/>
               <a:t>Fourth level</a:t>
             </a:r>
           </a:p>
           <a:p>
             <a:pPr lvl="4"/>
             <a:r>
-              <a:rPr lang="en-US" smtClean="0"/>
+              <a:rPr lang="en-US"/>
               <a:t>Fifth level</a:t>
             </a:r>
-            <a:endParaRPr lang="en-US"/>
           </a:p>
         </p:txBody>
       </p:sp>
@@ -2808,7 +2812,7 @@
             <a:fld id="{B6F15528-21DE-4FAA-801E-634DDDAF4B2B}" type="slidenum">
               <a:rPr lang="en-US" smtClean="0"/>
               <a:pPr/>
-              <a:t>‹N°›</a:t>
+              <a:t>‹#›</a:t>
             </a:fld>
             <a:endParaRPr lang="en-US"/>
           </a:p>
@@ -3432,13 +3436,6 @@
   <p:clrMapOvr>
     <a:masterClrMapping/>
   </p:clrMapOvr>
-  <p:timing>
-    <p:tnLst>
-      <p:par>
-        <p:cTn id="1" dur="indefinite" restart="never" nodeType="tmRoot"/>
-      </p:par>
-    </p:tnLst>
-  </p:timing>
 </p:sld>
 </file>
 
@@ -3475,10 +3472,10 @@
         </p:nvGrpSpPr>
         <p:grpSpPr>
           <a:xfrm>
-            <a:off x="925013" y="1028700"/>
-            <a:ext cx="11915611" cy="2719149"/>
-            <a:chOff x="0" y="0"/>
-            <a:chExt cx="15887482" cy="3625532"/>
+            <a:off x="925013" y="1078706"/>
+            <a:ext cx="11915611" cy="2669143"/>
+            <a:chOff x="0" y="66675"/>
+            <a:chExt cx="15887482" cy="3558857"/>
           </a:xfrm>
         </p:grpSpPr>
         <p:sp>
@@ -3490,7 +3487,7 @@
           <p:spPr>
             <a:xfrm>
               <a:off x="24548" y="2259140"/>
-              <a:ext cx="15862934" cy="396240"/>
+              <a:ext cx="15862934" cy="366767"/>
             </a:xfrm>
             <a:prstGeom prst="rect">
               <a:avLst/>
@@ -3515,7 +3512,8 @@
                   <a:solidFill>
                     <a:srgbClr val="FFFFFF"/>
                   </a:solidFill>
-                  <a:latin typeface="Open Sauce Light"/>
+                  <a:latin typeface="Reactor7" panose="00000400000000000000" pitchFamily="50" charset="0"/>
+                  <a:ea typeface="Reactor7" panose="00000400000000000000" pitchFamily="50" charset="0"/>
                 </a:rPr>
                 <a:t>POUR L'INTRO ET LES BULLES DE DIALOGUES</a:t>
               </a:r>
@@ -3549,14 +3547,32 @@
                 </a:lnSpc>
               </a:pPr>
               <a:r>
-                <a:rPr lang="en-US" sz="8000" u="none">
-                  <a:solidFill>
-                    <a:srgbClr val="FFFFFF"/>
-                  </a:solidFill>
-                  <a:latin typeface="Open Sauce SemiBold"/>
-                </a:rPr>
-                <a:t>Police Spéciale</a:t>
-              </a:r>
+                <a:rPr lang="en-US" sz="8000" u="none" dirty="0">
+                  <a:solidFill>
+                    <a:srgbClr val="FFFFFF"/>
+                  </a:solidFill>
+                  <a:latin typeface="Reactor7" panose="00000400000000000000" pitchFamily="50" charset="0"/>
+                  <a:ea typeface="Reactor7" panose="00000400000000000000" pitchFamily="50" charset="0"/>
+                </a:rPr>
+                <a:t>Police </a:t>
+              </a:r>
+              <a:r>
+                <a:rPr lang="en-US" sz="8000" u="none" dirty="0" err="1">
+                  <a:solidFill>
+                    <a:srgbClr val="FFFFFF"/>
+                  </a:solidFill>
+                  <a:latin typeface="Reactor7" panose="00000400000000000000" pitchFamily="50" charset="0"/>
+                  <a:ea typeface="Reactor7" panose="00000400000000000000" pitchFamily="50" charset="0"/>
+                </a:rPr>
+                <a:t>Spéciale</a:t>
+              </a:r>
+              <a:endParaRPr lang="en-US" sz="8000" u="none" dirty="0">
+                <a:solidFill>
+                  <a:srgbClr val="FFFFFF"/>
+                </a:solidFill>
+                <a:latin typeface="Reactor7" panose="00000400000000000000" pitchFamily="50" charset="0"/>
+                <a:ea typeface="Reactor7" panose="00000400000000000000" pitchFamily="50" charset="0"/>
+              </a:endParaRPr>
             </a:p>
           </p:txBody>
         </p:sp>
@@ -3594,7 +3610,8 @@
                   <a:solidFill>
                     <a:srgbClr val="FFFFFF"/>
                   </a:solidFill>
-                  <a:latin typeface="Open Sauce Light"/>
+                  <a:latin typeface="Reactor7" panose="00000400000000000000" pitchFamily="50" charset="0"/>
+                  <a:ea typeface="Reactor7" panose="00000400000000000000" pitchFamily="50" charset="0"/>
                 </a:rPr>
                 <a:t>Cette police est une reproduction de la police utilisée dans le jeu vidéo Final Fantasy 7</a:t>
               </a:r>
@@ -3663,10 +3680,10 @@
         </p:nvGrpSpPr>
         <p:grpSpPr>
           <a:xfrm>
-            <a:off x="6125795" y="6105533"/>
-            <a:ext cx="6696418" cy="3152767"/>
-            <a:chOff x="0" y="0"/>
-            <a:chExt cx="8928558" cy="4203690"/>
+            <a:off x="6125795" y="6141252"/>
+            <a:ext cx="6696418" cy="3088295"/>
+            <a:chOff x="0" y="47625"/>
+            <a:chExt cx="8928558" cy="4117728"/>
           </a:xfrm>
         </p:grpSpPr>
         <p:sp>
@@ -3677,8 +3694,8 @@
           </p:nvSpPr>
           <p:spPr>
             <a:xfrm>
-              <a:off x="3126973" y="47625"/>
-              <a:ext cx="1088119" cy="517102"/>
+              <a:off x="3126974" y="47625"/>
+              <a:ext cx="1088119" cy="478764"/>
             </a:xfrm>
             <a:prstGeom prst="rect">
               <a:avLst/>
@@ -3703,7 +3720,8 @@
                   <a:solidFill>
                     <a:srgbClr val="FFFFFF"/>
                   </a:solidFill>
-                  <a:latin typeface="Open Sauce Light"/>
+                  <a:latin typeface="Reactor7" panose="00000400000000000000" pitchFamily="50" charset="0"/>
+                  <a:ea typeface="Reactor7" panose="00000400000000000000" pitchFamily="50" charset="0"/>
                 </a:rPr>
                 <a:t>CC</a:t>
               </a:r>
@@ -3718,8 +3736,8 @@
           </p:nvSpPr>
           <p:spPr>
             <a:xfrm>
-              <a:off x="3126973" y="775418"/>
-              <a:ext cx="1088119" cy="517102"/>
+              <a:off x="3126974" y="775419"/>
+              <a:ext cx="1088119" cy="478764"/>
             </a:xfrm>
             <a:prstGeom prst="rect">
               <a:avLst/>
@@ -3744,7 +3762,8 @@
                   <a:solidFill>
                     <a:srgbClr val="FFFFFF"/>
                   </a:solidFill>
-                  <a:latin typeface="Open Sauce Light"/>
+                  <a:latin typeface="Reactor7" panose="00000400000000000000" pitchFamily="50" charset="0"/>
+                  <a:ea typeface="Reactor7" panose="00000400000000000000" pitchFamily="50" charset="0"/>
                 </a:rPr>
                 <a:t>II</a:t>
               </a:r>
@@ -3759,8 +3778,8 @@
           </p:nvSpPr>
           <p:spPr>
             <a:xfrm>
-              <a:off x="3126973" y="1503210"/>
-              <a:ext cx="1088119" cy="517102"/>
+              <a:off x="3126974" y="1503209"/>
+              <a:ext cx="1088119" cy="478764"/>
             </a:xfrm>
             <a:prstGeom prst="rect">
               <a:avLst/>
@@ -3785,7 +3804,8 @@
                   <a:solidFill>
                     <a:srgbClr val="FFFFFF"/>
                   </a:solidFill>
-                  <a:latin typeface="Open Sauce Light"/>
+                  <a:latin typeface="Reactor7" panose="00000400000000000000" pitchFamily="50" charset="0"/>
+                  <a:ea typeface="Reactor7" panose="00000400000000000000" pitchFamily="50" charset="0"/>
                 </a:rPr>
                 <a:t>Oo</a:t>
               </a:r>
@@ -3800,8 +3820,8 @@
           </p:nvSpPr>
           <p:spPr>
             <a:xfrm>
-              <a:off x="3126973" y="2231003"/>
-              <a:ext cx="1088119" cy="517102"/>
+              <a:off x="3126974" y="2231003"/>
+              <a:ext cx="1088119" cy="478764"/>
             </a:xfrm>
             <a:prstGeom prst="rect">
               <a:avLst/>
@@ -3826,7 +3846,8 @@
                   <a:solidFill>
                     <a:srgbClr val="FFFFFF"/>
                   </a:solidFill>
-                  <a:latin typeface="Open Sauce Light"/>
+                  <a:latin typeface="Reactor7" panose="00000400000000000000" pitchFamily="50" charset="0"/>
+                  <a:ea typeface="Reactor7" panose="00000400000000000000" pitchFamily="50" charset="0"/>
                 </a:rPr>
                 <a:t>Uu</a:t>
               </a:r>
@@ -3842,7 +3863,7 @@
           <p:spPr>
             <a:xfrm>
               <a:off x="4690460" y="47625"/>
-              <a:ext cx="1111125" cy="517102"/>
+              <a:ext cx="1111125" cy="478764"/>
             </a:xfrm>
             <a:prstGeom prst="rect">
               <a:avLst/>
@@ -3867,7 +3888,8 @@
                   <a:solidFill>
                     <a:srgbClr val="FFFFFF"/>
                   </a:solidFill>
-                  <a:latin typeface="Open Sauce Light"/>
+                  <a:latin typeface="Reactor7" panose="00000400000000000000" pitchFamily="50" charset="0"/>
+                  <a:ea typeface="Reactor7" panose="00000400000000000000" pitchFamily="50" charset="0"/>
                 </a:rPr>
                 <a:t>Dd</a:t>
               </a:r>
@@ -3882,8 +3904,8 @@
           </p:nvSpPr>
           <p:spPr>
             <a:xfrm>
-              <a:off x="4690460" y="775418"/>
-              <a:ext cx="1111125" cy="517102"/>
+              <a:off x="4690460" y="775419"/>
+              <a:ext cx="1111125" cy="478764"/>
             </a:xfrm>
             <a:prstGeom prst="rect">
               <a:avLst/>
@@ -3908,7 +3930,8 @@
                   <a:solidFill>
                     <a:srgbClr val="FFFFFF"/>
                   </a:solidFill>
-                  <a:latin typeface="Open Sauce Light"/>
+                  <a:latin typeface="Reactor7" panose="00000400000000000000" pitchFamily="50" charset="0"/>
+                  <a:ea typeface="Reactor7" panose="00000400000000000000" pitchFamily="50" charset="0"/>
                 </a:rPr>
                 <a:t>jj</a:t>
               </a:r>
@@ -3923,8 +3946,8 @@
           </p:nvSpPr>
           <p:spPr>
             <a:xfrm>
-              <a:off x="4690460" y="1503210"/>
-              <a:ext cx="1111125" cy="517102"/>
+              <a:off x="4690460" y="1503209"/>
+              <a:ext cx="1111125" cy="478764"/>
             </a:xfrm>
             <a:prstGeom prst="rect">
               <a:avLst/>
@@ -3949,7 +3972,8 @@
                   <a:solidFill>
                     <a:srgbClr val="FFFFFF"/>
                   </a:solidFill>
-                  <a:latin typeface="Open Sauce Light"/>
+                  <a:latin typeface="Reactor7" panose="00000400000000000000" pitchFamily="50" charset="0"/>
+                  <a:ea typeface="Reactor7" panose="00000400000000000000" pitchFamily="50" charset="0"/>
                 </a:rPr>
                 <a:t>Pp</a:t>
               </a:r>
@@ -3965,7 +3989,7 @@
           <p:spPr>
             <a:xfrm>
               <a:off x="4690460" y="2231003"/>
-              <a:ext cx="1111125" cy="517102"/>
+              <a:ext cx="1111125" cy="478764"/>
             </a:xfrm>
             <a:prstGeom prst="rect">
               <a:avLst/>
@@ -3990,7 +4014,8 @@
                   <a:solidFill>
                     <a:srgbClr val="FFFFFF"/>
                   </a:solidFill>
-                  <a:latin typeface="Open Sauce Light"/>
+                  <a:latin typeface="Reactor7" panose="00000400000000000000" pitchFamily="50" charset="0"/>
+                  <a:ea typeface="Reactor7" panose="00000400000000000000" pitchFamily="50" charset="0"/>
                 </a:rPr>
                 <a:t>Vv</a:t>
               </a:r>
@@ -4006,7 +4031,7 @@
           <p:spPr>
             <a:xfrm>
               <a:off x="6276952" y="47625"/>
-              <a:ext cx="1088119" cy="517102"/>
+              <a:ext cx="1088119" cy="478764"/>
             </a:xfrm>
             <a:prstGeom prst="rect">
               <a:avLst/>
@@ -4031,7 +4056,8 @@
                   <a:solidFill>
                     <a:srgbClr val="FFFFFF"/>
                   </a:solidFill>
-                  <a:latin typeface="Open Sauce Light"/>
+                  <a:latin typeface="Reactor7" panose="00000400000000000000" pitchFamily="50" charset="0"/>
+                  <a:ea typeface="Reactor7" panose="00000400000000000000" pitchFamily="50" charset="0"/>
                 </a:rPr>
                 <a:t>Ee</a:t>
               </a:r>
@@ -4046,8 +4072,8 @@
           </p:nvSpPr>
           <p:spPr>
             <a:xfrm>
-              <a:off x="6276952" y="775418"/>
-              <a:ext cx="1088119" cy="517102"/>
+              <a:off x="6276952" y="775419"/>
+              <a:ext cx="1088119" cy="478764"/>
             </a:xfrm>
             <a:prstGeom prst="rect">
               <a:avLst/>
@@ -4072,7 +4098,8 @@
                   <a:solidFill>
                     <a:srgbClr val="FFFFFF"/>
                   </a:solidFill>
-                  <a:latin typeface="Open Sauce Light"/>
+                  <a:latin typeface="Reactor7" panose="00000400000000000000" pitchFamily="50" charset="0"/>
+                  <a:ea typeface="Reactor7" panose="00000400000000000000" pitchFamily="50" charset="0"/>
                 </a:rPr>
                 <a:t>Kk</a:t>
               </a:r>
@@ -4087,8 +4114,8 @@
           </p:nvSpPr>
           <p:spPr>
             <a:xfrm>
-              <a:off x="6276952" y="1503210"/>
-              <a:ext cx="1088119" cy="517102"/>
+              <a:off x="6276952" y="1503209"/>
+              <a:ext cx="1088119" cy="478764"/>
             </a:xfrm>
             <a:prstGeom prst="rect">
               <a:avLst/>
@@ -4113,7 +4140,8 @@
                   <a:solidFill>
                     <a:srgbClr val="FFFFFF"/>
                   </a:solidFill>
-                  <a:latin typeface="Open Sauce Light"/>
+                  <a:latin typeface="Reactor7" panose="00000400000000000000" pitchFamily="50" charset="0"/>
+                  <a:ea typeface="Reactor7" panose="00000400000000000000" pitchFamily="50" charset="0"/>
                 </a:rPr>
                 <a:t>Qq</a:t>
               </a:r>
@@ -4129,7 +4157,7 @@
           <p:spPr>
             <a:xfrm>
               <a:off x="6276952" y="2231003"/>
-              <a:ext cx="1088119" cy="517102"/>
+              <a:ext cx="1088119" cy="478764"/>
             </a:xfrm>
             <a:prstGeom prst="rect">
               <a:avLst/>
@@ -4154,7 +4182,8 @@
                   <a:solidFill>
                     <a:srgbClr val="FFFFFF"/>
                   </a:solidFill>
-                  <a:latin typeface="Open Sauce Light"/>
+                  <a:latin typeface="Reactor7" panose="00000400000000000000" pitchFamily="50" charset="0"/>
+                  <a:ea typeface="Reactor7" panose="00000400000000000000" pitchFamily="50" charset="0"/>
                 </a:rPr>
                 <a:t>Ww</a:t>
               </a:r>
@@ -4170,7 +4199,7 @@
           <p:spPr>
             <a:xfrm>
               <a:off x="7840439" y="47625"/>
-              <a:ext cx="1088119" cy="517102"/>
+              <a:ext cx="1088119" cy="478764"/>
             </a:xfrm>
             <a:prstGeom prst="rect">
               <a:avLst/>
@@ -4195,7 +4224,8 @@
                   <a:solidFill>
                     <a:srgbClr val="FFFFFF"/>
                   </a:solidFill>
-                  <a:latin typeface="Open Sauce Light"/>
+                  <a:latin typeface="Reactor7" panose="00000400000000000000" pitchFamily="50" charset="0"/>
+                  <a:ea typeface="Reactor7" panose="00000400000000000000" pitchFamily="50" charset="0"/>
                 </a:rPr>
                 <a:t>Ff</a:t>
               </a:r>
@@ -4210,8 +4240,8 @@
           </p:nvSpPr>
           <p:spPr>
             <a:xfrm>
-              <a:off x="7840439" y="775418"/>
-              <a:ext cx="1088119" cy="517102"/>
+              <a:off x="7840439" y="775419"/>
+              <a:ext cx="1088119" cy="478764"/>
             </a:xfrm>
             <a:prstGeom prst="rect">
               <a:avLst/>
@@ -4236,7 +4266,8 @@
                   <a:solidFill>
                     <a:srgbClr val="FFFFFF"/>
                   </a:solidFill>
-                  <a:latin typeface="Open Sauce Light"/>
+                  <a:latin typeface="Reactor7" panose="00000400000000000000" pitchFamily="50" charset="0"/>
+                  <a:ea typeface="Reactor7" panose="00000400000000000000" pitchFamily="50" charset="0"/>
                 </a:rPr>
                 <a:t>Ll</a:t>
               </a:r>
@@ -4251,8 +4282,8 @@
           </p:nvSpPr>
           <p:spPr>
             <a:xfrm>
-              <a:off x="7840439" y="1503210"/>
-              <a:ext cx="1088119" cy="517102"/>
+              <a:off x="7840439" y="1503209"/>
+              <a:ext cx="1088119" cy="478764"/>
             </a:xfrm>
             <a:prstGeom prst="rect">
               <a:avLst/>
@@ -4277,7 +4308,8 @@
                   <a:solidFill>
                     <a:srgbClr val="FFFFFF"/>
                   </a:solidFill>
-                  <a:latin typeface="Open Sauce Light"/>
+                  <a:latin typeface="Reactor7" panose="00000400000000000000" pitchFamily="50" charset="0"/>
+                  <a:ea typeface="Reactor7" panose="00000400000000000000" pitchFamily="50" charset="0"/>
                 </a:rPr>
                 <a:t>Rr</a:t>
               </a:r>
@@ -4293,7 +4325,7 @@
           <p:spPr>
             <a:xfrm>
               <a:off x="7840439" y="2231003"/>
-              <a:ext cx="1088119" cy="517102"/>
+              <a:ext cx="1088119" cy="478764"/>
             </a:xfrm>
             <a:prstGeom prst="rect">
               <a:avLst/>
@@ -4318,7 +4350,8 @@
                   <a:solidFill>
                     <a:srgbClr val="FFFFFF"/>
                   </a:solidFill>
-                  <a:latin typeface="Open Sauce Light"/>
+                  <a:latin typeface="Reactor7" panose="00000400000000000000" pitchFamily="50" charset="0"/>
+                  <a:ea typeface="Reactor7" panose="00000400000000000000" pitchFamily="50" charset="0"/>
                 </a:rPr>
                 <a:t>XX</a:t>
               </a:r>
@@ -4334,7 +4367,7 @@
           <p:spPr>
             <a:xfrm>
               <a:off x="0" y="47625"/>
-              <a:ext cx="1088119" cy="517102"/>
+              <a:ext cx="1088119" cy="478764"/>
             </a:xfrm>
             <a:prstGeom prst="rect">
               <a:avLst/>
@@ -4359,7 +4392,8 @@
                   <a:solidFill>
                     <a:srgbClr val="FFFFFF"/>
                   </a:solidFill>
-                  <a:latin typeface="Open Sauce Light"/>
+                  <a:latin typeface="Reactor7" panose="00000400000000000000" pitchFamily="50" charset="0"/>
+                  <a:ea typeface="Reactor7" panose="00000400000000000000" pitchFamily="50" charset="0"/>
                 </a:rPr>
                 <a:t>Aa</a:t>
               </a:r>
@@ -4374,8 +4408,8 @@
           </p:nvSpPr>
           <p:spPr>
             <a:xfrm>
-              <a:off x="0" y="775418"/>
-              <a:ext cx="1088119" cy="517102"/>
+              <a:off x="0" y="775419"/>
+              <a:ext cx="1088119" cy="478764"/>
             </a:xfrm>
             <a:prstGeom prst="rect">
               <a:avLst/>
@@ -4400,7 +4434,8 @@
                   <a:solidFill>
                     <a:srgbClr val="FFFFFF"/>
                   </a:solidFill>
-                  <a:latin typeface="Open Sauce Light"/>
+                  <a:latin typeface="Reactor7" panose="00000400000000000000" pitchFamily="50" charset="0"/>
+                  <a:ea typeface="Reactor7" panose="00000400000000000000" pitchFamily="50" charset="0"/>
                 </a:rPr>
                 <a:t>Gg</a:t>
               </a:r>
@@ -4415,8 +4450,8 @@
           </p:nvSpPr>
           <p:spPr>
             <a:xfrm>
-              <a:off x="0" y="1503210"/>
-              <a:ext cx="1088119" cy="517102"/>
+              <a:off x="0" y="1503209"/>
+              <a:ext cx="1088119" cy="478764"/>
             </a:xfrm>
             <a:prstGeom prst="rect">
               <a:avLst/>
@@ -4441,7 +4476,8 @@
                   <a:solidFill>
                     <a:srgbClr val="FFFFFF"/>
                   </a:solidFill>
-                  <a:latin typeface="Open Sauce Light"/>
+                  <a:latin typeface="Reactor7" panose="00000400000000000000" pitchFamily="50" charset="0"/>
+                  <a:ea typeface="Reactor7" panose="00000400000000000000" pitchFamily="50" charset="0"/>
                 </a:rPr>
                 <a:t>MM</a:t>
               </a:r>
@@ -4457,7 +4493,7 @@
           <p:spPr>
             <a:xfrm>
               <a:off x="0" y="2231003"/>
-              <a:ext cx="1088119" cy="517102"/>
+              <a:ext cx="1088119" cy="478764"/>
             </a:xfrm>
             <a:prstGeom prst="rect">
               <a:avLst/>
@@ -4482,7 +4518,8 @@
                   <a:solidFill>
                     <a:srgbClr val="FFFFFF"/>
                   </a:solidFill>
-                  <a:latin typeface="Open Sauce Light"/>
+                  <a:latin typeface="Reactor7" panose="00000400000000000000" pitchFamily="50" charset="0"/>
+                  <a:ea typeface="Reactor7" panose="00000400000000000000" pitchFamily="50" charset="0"/>
                 </a:rPr>
                 <a:t>ss</a:t>
               </a:r>
@@ -4498,7 +4535,7 @@
           <p:spPr>
             <a:xfrm>
               <a:off x="0" y="2958795"/>
-              <a:ext cx="1088119" cy="517102"/>
+              <a:ext cx="1088119" cy="478764"/>
             </a:xfrm>
             <a:prstGeom prst="rect">
               <a:avLst/>
@@ -4523,7 +4560,8 @@
                   <a:solidFill>
                     <a:srgbClr val="FFFFFF"/>
                   </a:solidFill>
-                  <a:latin typeface="Open Sauce Light"/>
+                  <a:latin typeface="Reactor7" panose="00000400000000000000" pitchFamily="50" charset="0"/>
+                  <a:ea typeface="Reactor7" panose="00000400000000000000" pitchFamily="50" charset="0"/>
                 </a:rPr>
                 <a:t>AA</a:t>
               </a:r>
@@ -4539,7 +4577,7 @@
           <p:spPr>
             <a:xfrm>
               <a:off x="1563487" y="47625"/>
-              <a:ext cx="1088119" cy="517102"/>
+              <a:ext cx="1088119" cy="478764"/>
             </a:xfrm>
             <a:prstGeom prst="rect">
               <a:avLst/>
@@ -4564,7 +4602,8 @@
                   <a:solidFill>
                     <a:srgbClr val="FFFFFF"/>
                   </a:solidFill>
-                  <a:latin typeface="Open Sauce Light"/>
+                  <a:latin typeface="Reactor7" panose="00000400000000000000" pitchFamily="50" charset="0"/>
+                  <a:ea typeface="Reactor7" panose="00000400000000000000" pitchFamily="50" charset="0"/>
                 </a:rPr>
                 <a:t>Bb</a:t>
               </a:r>
@@ -4579,8 +4618,8 @@
           </p:nvSpPr>
           <p:spPr>
             <a:xfrm>
-              <a:off x="1563487" y="775418"/>
-              <a:ext cx="1088119" cy="517102"/>
+              <a:off x="1563487" y="775419"/>
+              <a:ext cx="1088119" cy="478764"/>
             </a:xfrm>
             <a:prstGeom prst="rect">
               <a:avLst/>
@@ -4605,7 +4644,8 @@
                   <a:solidFill>
                     <a:srgbClr val="FFFFFF"/>
                   </a:solidFill>
-                  <a:latin typeface="Open Sauce Light"/>
+                  <a:latin typeface="Reactor7" panose="00000400000000000000" pitchFamily="50" charset="0"/>
+                  <a:ea typeface="Reactor7" panose="00000400000000000000" pitchFamily="50" charset="0"/>
                 </a:rPr>
                 <a:t>Hh</a:t>
               </a:r>
@@ -4620,8 +4660,8 @@
           </p:nvSpPr>
           <p:spPr>
             <a:xfrm>
-              <a:off x="1563487" y="1503210"/>
-              <a:ext cx="1088119" cy="517102"/>
+              <a:off x="1563487" y="1503209"/>
+              <a:ext cx="1088119" cy="478764"/>
             </a:xfrm>
             <a:prstGeom prst="rect">
               <a:avLst/>
@@ -4646,7 +4686,8 @@
                   <a:solidFill>
                     <a:srgbClr val="FFFFFF"/>
                   </a:solidFill>
-                  <a:latin typeface="Open Sauce Light"/>
+                  <a:latin typeface="Reactor7" panose="00000400000000000000" pitchFamily="50" charset="0"/>
+                  <a:ea typeface="Reactor7" panose="00000400000000000000" pitchFamily="50" charset="0"/>
                 </a:rPr>
                 <a:t>Nn</a:t>
               </a:r>
@@ -4662,7 +4703,7 @@
           <p:spPr>
             <a:xfrm>
               <a:off x="1563487" y="2231003"/>
-              <a:ext cx="1088119" cy="517102"/>
+              <a:ext cx="1088119" cy="478764"/>
             </a:xfrm>
             <a:prstGeom prst="rect">
               <a:avLst/>
@@ -4687,7 +4728,8 @@
                   <a:solidFill>
                     <a:srgbClr val="FFFFFF"/>
                   </a:solidFill>
-                  <a:latin typeface="Open Sauce Light"/>
+                  <a:latin typeface="Reactor7" panose="00000400000000000000" pitchFamily="50" charset="0"/>
+                  <a:ea typeface="Reactor7" panose="00000400000000000000" pitchFamily="50" charset="0"/>
                 </a:rPr>
                 <a:t>Tt</a:t>
               </a:r>
@@ -4703,7 +4745,7 @@
           <p:spPr>
             <a:xfrm>
               <a:off x="1563487" y="2958795"/>
-              <a:ext cx="1088119" cy="517102"/>
+              <a:ext cx="1088119" cy="478764"/>
             </a:xfrm>
             <a:prstGeom prst="rect">
               <a:avLst/>
@@ -4728,7 +4770,8 @@
                   <a:solidFill>
                     <a:srgbClr val="FFFFFF"/>
                   </a:solidFill>
-                  <a:latin typeface="Open Sauce Light"/>
+                  <a:latin typeface="Reactor7" panose="00000400000000000000" pitchFamily="50" charset="0"/>
+                  <a:ea typeface="Reactor7" panose="00000400000000000000" pitchFamily="50" charset="0"/>
                 </a:rPr>
                 <a:t>Zz</a:t>
               </a:r>
@@ -4744,7 +4787,7 @@
           <p:spPr>
             <a:xfrm>
               <a:off x="3128638" y="2958795"/>
-              <a:ext cx="1088119" cy="517102"/>
+              <a:ext cx="1088119" cy="478764"/>
             </a:xfrm>
             <a:prstGeom prst="rect">
               <a:avLst/>
@@ -4769,7 +4812,8 @@
                   <a:solidFill>
                     <a:srgbClr val="FFFFFF"/>
                   </a:solidFill>
-                  <a:latin typeface="Open Sauce Light"/>
+                  <a:latin typeface="Reactor7" panose="00000400000000000000" pitchFamily="50" charset="0"/>
+                  <a:ea typeface="Reactor7" panose="00000400000000000000" pitchFamily="50" charset="0"/>
                 </a:rPr>
                 <a:t>00</a:t>
               </a:r>
@@ -4785,7 +4829,7 @@
           <p:spPr>
             <a:xfrm>
               <a:off x="4690460" y="2958795"/>
-              <a:ext cx="1111125" cy="517102"/>
+              <a:ext cx="1111125" cy="478764"/>
             </a:xfrm>
             <a:prstGeom prst="rect">
               <a:avLst/>
@@ -4810,7 +4854,8 @@
                   <a:solidFill>
                     <a:srgbClr val="FFFFFF"/>
                   </a:solidFill>
-                  <a:latin typeface="Open Sauce Light"/>
+                  <a:latin typeface="Reactor7" panose="00000400000000000000" pitchFamily="50" charset="0"/>
+                  <a:ea typeface="Reactor7" panose="00000400000000000000" pitchFamily="50" charset="0"/>
                 </a:rPr>
                 <a:t>01</a:t>
               </a:r>
@@ -4826,7 +4871,7 @@
           <p:spPr>
             <a:xfrm>
               <a:off x="6276952" y="2958795"/>
-              <a:ext cx="1088119" cy="517102"/>
+              <a:ext cx="1088119" cy="478764"/>
             </a:xfrm>
             <a:prstGeom prst="rect">
               <a:avLst/>
@@ -4851,7 +4896,8 @@
                   <a:solidFill>
                     <a:srgbClr val="FFFFFF"/>
                   </a:solidFill>
-                  <a:latin typeface="Open Sauce Light"/>
+                  <a:latin typeface="Reactor7" panose="00000400000000000000" pitchFamily="50" charset="0"/>
+                  <a:ea typeface="Reactor7" panose="00000400000000000000" pitchFamily="50" charset="0"/>
                 </a:rPr>
                 <a:t>02</a:t>
               </a:r>
@@ -4867,7 +4913,7 @@
           <p:spPr>
             <a:xfrm>
               <a:off x="7840439" y="2958795"/>
-              <a:ext cx="1088119" cy="517102"/>
+              <a:ext cx="1088119" cy="478764"/>
             </a:xfrm>
             <a:prstGeom prst="rect">
               <a:avLst/>
@@ -4892,7 +4938,8 @@
                   <a:solidFill>
                     <a:srgbClr val="FFFFFF"/>
                   </a:solidFill>
-                  <a:latin typeface="Open Sauce Light"/>
+                  <a:latin typeface="Reactor7" panose="00000400000000000000" pitchFamily="50" charset="0"/>
+                  <a:ea typeface="Reactor7" panose="00000400000000000000" pitchFamily="50" charset="0"/>
                 </a:rPr>
                 <a:t>03</a:t>
               </a:r>
@@ -4907,8 +4954,8 @@
           </p:nvSpPr>
           <p:spPr>
             <a:xfrm>
-              <a:off x="0" y="3686588"/>
-              <a:ext cx="1088119" cy="517102"/>
+              <a:off x="0" y="3686589"/>
+              <a:ext cx="1088119" cy="478764"/>
             </a:xfrm>
             <a:prstGeom prst="rect">
               <a:avLst/>
@@ -4933,7 +4980,8 @@
                   <a:solidFill>
                     <a:srgbClr val="FFFFFF"/>
                   </a:solidFill>
-                  <a:latin typeface="Open Sauce Light"/>
+                  <a:latin typeface="Reactor7" panose="00000400000000000000" pitchFamily="50" charset="0"/>
+                  <a:ea typeface="Reactor7" panose="00000400000000000000" pitchFamily="50" charset="0"/>
                 </a:rPr>
                 <a:t>04</a:t>
               </a:r>
@@ -4948,8 +4996,8 @@
           </p:nvSpPr>
           <p:spPr>
             <a:xfrm>
-              <a:off x="1563487" y="3686588"/>
-              <a:ext cx="1088119" cy="517102"/>
+              <a:off x="1563487" y="3686589"/>
+              <a:ext cx="1088119" cy="478764"/>
             </a:xfrm>
             <a:prstGeom prst="rect">
               <a:avLst/>
@@ -4974,7 +5022,8 @@
                   <a:solidFill>
                     <a:srgbClr val="FFFFFF"/>
                   </a:solidFill>
-                  <a:latin typeface="Open Sauce Light"/>
+                  <a:latin typeface="Reactor7" panose="00000400000000000000" pitchFamily="50" charset="0"/>
+                  <a:ea typeface="Reactor7" panose="00000400000000000000" pitchFamily="50" charset="0"/>
                 </a:rPr>
                 <a:t>05</a:t>
               </a:r>
@@ -4989,8 +5038,8 @@
           </p:nvSpPr>
           <p:spPr>
             <a:xfrm>
-              <a:off x="3128638" y="3686588"/>
-              <a:ext cx="1088119" cy="517102"/>
+              <a:off x="3128638" y="3686589"/>
+              <a:ext cx="1088119" cy="478764"/>
             </a:xfrm>
             <a:prstGeom prst="rect">
               <a:avLst/>
@@ -5015,7 +5064,8 @@
                   <a:solidFill>
                     <a:srgbClr val="FFFFFF"/>
                   </a:solidFill>
-                  <a:latin typeface="Open Sauce Light"/>
+                  <a:latin typeface="Reactor7" panose="00000400000000000000" pitchFamily="50" charset="0"/>
+                  <a:ea typeface="Reactor7" panose="00000400000000000000" pitchFamily="50" charset="0"/>
                 </a:rPr>
                 <a:t>6</a:t>
               </a:r>
@@ -5030,8 +5080,8 @@
           </p:nvSpPr>
           <p:spPr>
             <a:xfrm>
-              <a:off x="4690460" y="3686588"/>
-              <a:ext cx="1111125" cy="517102"/>
+              <a:off x="4690460" y="3686589"/>
+              <a:ext cx="1111125" cy="478764"/>
             </a:xfrm>
             <a:prstGeom prst="rect">
               <a:avLst/>
@@ -5056,7 +5106,8 @@
                   <a:solidFill>
                     <a:srgbClr val="FFFFFF"/>
                   </a:solidFill>
-                  <a:latin typeface="Open Sauce Light"/>
+                  <a:latin typeface="Reactor7" panose="00000400000000000000" pitchFamily="50" charset="0"/>
+                  <a:ea typeface="Reactor7" panose="00000400000000000000" pitchFamily="50" charset="0"/>
                 </a:rPr>
                 <a:t>15</a:t>
               </a:r>
@@ -5071,8 +5122,8 @@
           </p:nvSpPr>
           <p:spPr>
             <a:xfrm>
-              <a:off x="6276952" y="3686588"/>
-              <a:ext cx="1088119" cy="517102"/>
+              <a:off x="6276952" y="3686589"/>
+              <a:ext cx="1088119" cy="478764"/>
             </a:xfrm>
             <a:prstGeom prst="rect">
               <a:avLst/>
@@ -5097,7 +5148,8 @@
                   <a:solidFill>
                     <a:srgbClr val="FFFFFF"/>
                   </a:solidFill>
-                  <a:latin typeface="Open Sauce Light"/>
+                  <a:latin typeface="Reactor7" panose="00000400000000000000" pitchFamily="50" charset="0"/>
+                  <a:ea typeface="Reactor7" panose="00000400000000000000" pitchFamily="50" charset="0"/>
                 </a:rPr>
                 <a:t>08</a:t>
               </a:r>
@@ -5112,8 +5164,8 @@
           </p:nvSpPr>
           <p:spPr>
             <a:xfrm>
-              <a:off x="7840439" y="3686588"/>
-              <a:ext cx="1088119" cy="517102"/>
+              <a:off x="7840439" y="3686589"/>
+              <a:ext cx="1088119" cy="478764"/>
             </a:xfrm>
             <a:prstGeom prst="rect">
               <a:avLst/>
@@ -5138,7 +5190,8 @@
                   <a:solidFill>
                     <a:srgbClr val="FFFFFF"/>
                   </a:solidFill>
-                  <a:latin typeface="Open Sauce Light"/>
+                  <a:latin typeface="Reactor7" panose="00000400000000000000" pitchFamily="50" charset="0"/>
+                  <a:ea typeface="Reactor7" panose="00000400000000000000" pitchFamily="50" charset="0"/>
                 </a:rPr>
                 <a:t>09</a:t>
               </a:r>
@@ -5154,10 +5207,10 @@
         </p:nvGrpSpPr>
         <p:grpSpPr>
           <a:xfrm>
-            <a:off x="1028700" y="5987962"/>
-            <a:ext cx="4224301" cy="3220808"/>
-            <a:chOff x="0" y="0"/>
-            <a:chExt cx="5632402" cy="4294411"/>
+            <a:off x="1028700" y="6245137"/>
+            <a:ext cx="4224301" cy="2941528"/>
+            <a:chOff x="0" y="342900"/>
+            <a:chExt cx="5632402" cy="3922038"/>
           </a:xfrm>
         </p:grpSpPr>
         <p:sp>
@@ -5169,7 +5222,7 @@
           <p:spPr>
             <a:xfrm>
               <a:off x="0" y="342900"/>
-              <a:ext cx="5632402" cy="3309469"/>
+              <a:ext cx="5632402" cy="3077766"/>
             </a:xfrm>
             <a:prstGeom prst="rect">
               <a:avLst/>
@@ -5194,7 +5247,8 @@
                   <a:solidFill>
                     <a:srgbClr val="FFFFFF"/>
                   </a:solidFill>
-                  <a:latin typeface="Open Sauce Light"/>
+                  <a:latin typeface="Reactor7" panose="00000400000000000000" pitchFamily="50" charset="0"/>
+                  <a:ea typeface="Reactor7" panose="00000400000000000000" pitchFamily="50" charset="0"/>
                 </a:rPr>
                 <a:t>Aa</a:t>
               </a:r>
@@ -5210,7 +5264,7 @@
           <p:spPr>
             <a:xfrm>
               <a:off x="0" y="3898171"/>
-              <a:ext cx="5632402" cy="396240"/>
+              <a:ext cx="5632402" cy="366767"/>
             </a:xfrm>
             <a:prstGeom prst="rect">
               <a:avLst/>
@@ -5235,7 +5289,8 @@
                   <a:solidFill>
                     <a:srgbClr val="FFFFFF"/>
                   </a:solidFill>
-                  <a:latin typeface="Open Sauce Light"/>
+                  <a:latin typeface="Reactor7" panose="00000400000000000000" pitchFamily="50" charset="0"/>
+                  <a:ea typeface="Reactor7" panose="00000400000000000000" pitchFamily="50" charset="0"/>
                 </a:rPr>
                 <a:t>REACTOR7</a:t>
               </a:r>
@@ -5292,7 +5347,7 @@
         <p:spPr>
           <a:xfrm>
             <a:off x="14201274" y="8892540"/>
-            <a:ext cx="3058026" cy="365760"/>
+            <a:ext cx="3058026" cy="348429"/>
           </a:xfrm>
           <a:prstGeom prst="rect">
             <a:avLst/>
@@ -5310,11 +5365,13 @@
               </a:lnSpc>
             </a:pPr>
             <a:r>
-              <a:rPr lang="en-US" sz="2100">
+              <a:rPr lang="en-US" sz="2100" dirty="0">
                 <a:solidFill>
                   <a:srgbClr val="FFFFFF"/>
                 </a:solidFill>
-                <a:latin typeface="Open Sauce Bold"/>
+                <a:latin typeface="Open Sans SemiBold" pitchFamily="2" charset="0"/>
+                <a:ea typeface="Open Sans SemiBold" pitchFamily="2" charset="0"/>
+                <a:cs typeface="Open Sans SemiBold" pitchFamily="2" charset="0"/>
               </a:rPr>
               <a:t>PORTFOLIO_</a:t>
             </a:r>
@@ -5326,13 +5383,6 @@
   <p:clrMapOvr>
     <a:masterClrMapping/>
   </p:clrMapOvr>
-  <p:timing>
-    <p:tnLst>
-      <p:par>
-        <p:cTn id="1" dur="indefinite" restart="never" nodeType="tmRoot"/>
-      </p:par>
-    </p:tnLst>
-  </p:timing>
 </p:sld>
 </file>
 
@@ -5388,13 +5438,26 @@
               </a:lnSpc>
             </a:pPr>
             <a:r>
-              <a:rPr lang="en-US" sz="8000" u="none">
+              <a:rPr lang="en-US" sz="8000" u="none" dirty="0" err="1">
                 <a:solidFill>
                   <a:srgbClr val="FFFFFF"/>
                 </a:solidFill>
-                <a:latin typeface="Open Sauce SemiBold"/>
+                <a:latin typeface="Open Sans SemiBold" pitchFamily="2" charset="0"/>
+                <a:ea typeface="Open Sans SemiBold" pitchFamily="2" charset="0"/>
+                <a:cs typeface="Open Sans SemiBold" pitchFamily="2" charset="0"/>
               </a:rPr>
-              <a:t>Combinaisons de Polices</a:t>
+              <a:t>Combinaisons</a:t>
+            </a:r>
+            <a:r>
+              <a:rPr lang="en-US" sz="8000" u="none" dirty="0">
+                <a:solidFill>
+                  <a:srgbClr val="FFFFFF"/>
+                </a:solidFill>
+                <a:latin typeface="Open Sans SemiBold" pitchFamily="2" charset="0"/>
+                <a:ea typeface="Open Sans SemiBold" pitchFamily="2" charset="0"/>
+                <a:cs typeface="Open Sans SemiBold" pitchFamily="2" charset="0"/>
+              </a:rPr>
+              <a:t> de Polices</a:t>
             </a:r>
           </a:p>
         </p:txBody>
@@ -5407,10 +5470,10 @@
         </p:nvGrpSpPr>
         <p:grpSpPr>
           <a:xfrm>
-            <a:off x="6519181" y="3338972"/>
-            <a:ext cx="5249639" cy="2348826"/>
-            <a:chOff x="0" y="0"/>
-            <a:chExt cx="6999518" cy="3131768"/>
+            <a:off x="6519181" y="3310397"/>
+            <a:ext cx="5249639" cy="2219822"/>
+            <a:chOff x="0" y="-38100"/>
+            <a:chExt cx="6999518" cy="2959763"/>
           </a:xfrm>
         </p:grpSpPr>
         <p:sp>
@@ -5422,7 +5485,7 @@
           <p:spPr>
             <a:xfrm>
               <a:off x="0" y="-38100"/>
-              <a:ext cx="6941679" cy="881380"/>
+              <a:ext cx="6941679" cy="890757"/>
             </a:xfrm>
             <a:prstGeom prst="rect">
               <a:avLst/>
@@ -5440,13 +5503,48 @@
                 </a:lnSpc>
               </a:pPr>
               <a:r>
-                <a:rPr lang="en-US" sz="4200">
-                  <a:solidFill>
-                    <a:srgbClr val="FFFFFF"/>
-                  </a:solidFill>
-                  <a:latin typeface="Open Sauce SemiBold"/>
-                </a:rPr>
-                <a:t>Titre en Open Sans</a:t>
+                <a:rPr lang="en-US" sz="4200" dirty="0" err="1">
+                  <a:solidFill>
+                    <a:srgbClr val="FFFFFF"/>
+                  </a:solidFill>
+                  <a:latin typeface="Open Sans SemiBold" pitchFamily="2" charset="0"/>
+                  <a:ea typeface="Open Sans SemiBold" pitchFamily="2" charset="0"/>
+                  <a:cs typeface="Open Sans SemiBold" pitchFamily="2" charset="0"/>
+                </a:rPr>
+                <a:t>Titre</a:t>
+              </a:r>
+              <a:r>
+                <a:rPr lang="en-US" sz="4200" dirty="0">
+                  <a:solidFill>
+                    <a:srgbClr val="FFFFFF"/>
+                  </a:solidFill>
+                  <a:latin typeface="Open Sans SemiBold" pitchFamily="2" charset="0"/>
+                  <a:ea typeface="Open Sans SemiBold" pitchFamily="2" charset="0"/>
+                  <a:cs typeface="Open Sans SemiBold" pitchFamily="2" charset="0"/>
+                </a:rPr>
+                <a:t> </a:t>
+              </a:r>
+              <a:r>
+                <a:rPr lang="en-US" sz="4200" dirty="0" err="1">
+                  <a:solidFill>
+                    <a:srgbClr val="FFFFFF"/>
+                  </a:solidFill>
+                  <a:latin typeface="Open Sans SemiBold" pitchFamily="2" charset="0"/>
+                  <a:ea typeface="Open Sans SemiBold" pitchFamily="2" charset="0"/>
+                  <a:cs typeface="Open Sans SemiBold" pitchFamily="2" charset="0"/>
+                </a:rPr>
+                <a:t>en</a:t>
+              </a:r>
+              <a:r>
+                <a:rPr lang="en-US" sz="4200" dirty="0">
+                  <a:solidFill>
+                    <a:srgbClr val="FFFFFF"/>
+                  </a:solidFill>
+                  <a:latin typeface="Open Sans SemiBold" pitchFamily="2" charset="0"/>
+                  <a:ea typeface="Open Sans SemiBold" pitchFamily="2" charset="0"/>
+                  <a:cs typeface="Open Sans SemiBold" pitchFamily="2" charset="0"/>
+                </a:rPr>
+                <a:t> Open Sans</a:t>
               </a:r>
             </a:p>
           </p:txBody>
@@ -5460,7 +5558,7 @@
           <p:spPr>
             <a:xfrm>
               <a:off x="0" y="1455791"/>
-              <a:ext cx="6999518" cy="1437217"/>
+              <a:ext cx="6999518" cy="1465872"/>
             </a:xfrm>
             <a:prstGeom prst="rect">
               <a:avLst/>
@@ -5481,13 +5579,274 @@
                 </a:spcBef>
               </a:pPr>
               <a:r>
-                <a:rPr lang="en-US" sz="1374">
-                  <a:solidFill>
-                    <a:srgbClr val="FFFFFF"/>
-                  </a:solidFill>
-                  <a:latin typeface="Open Sauce Light"/>
-                </a:rPr>
-                <a:t>ce texte est en Montserrat, et est principalement utilisé pour les paragraphes. Cette combinaison est agréable pour les yeux et la lecture. Elle correspond également au style de mon site.</a:t>
+                <a:rPr lang="en-US" sz="1374" dirty="0" err="1">
+                  <a:solidFill>
+                    <a:srgbClr val="FFFFFF"/>
+                  </a:solidFill>
+                  <a:latin typeface="Montserrat" panose="00000500000000000000" pitchFamily="50" charset="0"/>
+                </a:rPr>
+                <a:t>ce</a:t>
+              </a:r>
+              <a:r>
+                <a:rPr lang="en-US" sz="1374" dirty="0">
+                  <a:solidFill>
+                    <a:srgbClr val="FFFFFF"/>
+                  </a:solidFill>
+                  <a:latin typeface="Montserrat" panose="00000500000000000000" pitchFamily="50" charset="0"/>
+                </a:rPr>
+                <a:t> </a:t>
+              </a:r>
+              <a:r>
+                <a:rPr lang="en-US" sz="1374" dirty="0" err="1">
+                  <a:solidFill>
+                    <a:srgbClr val="FFFFFF"/>
+                  </a:solidFill>
+                  <a:latin typeface="Montserrat" panose="00000500000000000000" pitchFamily="50" charset="0"/>
+                </a:rPr>
+                <a:t>texte</a:t>
+              </a:r>
+              <a:r>
+                <a:rPr lang="en-US" sz="1374" dirty="0">
+                  <a:solidFill>
+                    <a:srgbClr val="FFFFFF"/>
+                  </a:solidFill>
+                  <a:latin typeface="Montserrat" panose="00000500000000000000" pitchFamily="50" charset="0"/>
+                </a:rPr>
+                <a:t> </a:t>
+              </a:r>
+              <a:r>
+                <a:rPr lang="en-US" sz="1374" dirty="0" err="1">
+                  <a:solidFill>
+                    <a:srgbClr val="FFFFFF"/>
+                  </a:solidFill>
+                  <a:latin typeface="Montserrat" panose="00000500000000000000" pitchFamily="50" charset="0"/>
+                </a:rPr>
+                <a:t>est</a:t>
+              </a:r>
+              <a:r>
+                <a:rPr lang="en-US" sz="1374" dirty="0">
+                  <a:solidFill>
+                    <a:srgbClr val="FFFFFF"/>
+                  </a:solidFill>
+                  <a:latin typeface="Montserrat" panose="00000500000000000000" pitchFamily="50" charset="0"/>
+                </a:rPr>
+                <a:t> </a:t>
+              </a:r>
+              <a:r>
+                <a:rPr lang="en-US" sz="1374" dirty="0" err="1">
+                  <a:solidFill>
+                    <a:srgbClr val="FFFFFF"/>
+                  </a:solidFill>
+                  <a:latin typeface="Montserrat" panose="00000500000000000000" pitchFamily="50" charset="0"/>
+                </a:rPr>
+                <a:t>en</a:t>
+              </a:r>
+              <a:r>
+                <a:rPr lang="en-US" sz="1374" dirty="0">
+                  <a:solidFill>
+                    <a:srgbClr val="FFFFFF"/>
+                  </a:solidFill>
+                  <a:latin typeface="Montserrat" panose="00000500000000000000" pitchFamily="50" charset="0"/>
+                </a:rPr>
+                <a:t> Montserrat, et </a:t>
+              </a:r>
+              <a:r>
+                <a:rPr lang="en-US" sz="1374" dirty="0" err="1">
+                  <a:solidFill>
+                    <a:srgbClr val="FFFFFF"/>
+                  </a:solidFill>
+                  <a:latin typeface="Montserrat" panose="00000500000000000000" pitchFamily="50" charset="0"/>
+                </a:rPr>
+                <a:t>est</a:t>
+              </a:r>
+              <a:r>
+                <a:rPr lang="en-US" sz="1374" dirty="0">
+                  <a:solidFill>
+                    <a:srgbClr val="FFFFFF"/>
+                  </a:solidFill>
+                  <a:latin typeface="Montserrat" panose="00000500000000000000" pitchFamily="50" charset="0"/>
+                </a:rPr>
+                <a:t> </a:t>
+              </a:r>
+              <a:r>
+                <a:rPr lang="en-US" sz="1374" dirty="0" err="1">
+                  <a:solidFill>
+                    <a:srgbClr val="FFFFFF"/>
+                  </a:solidFill>
+                  <a:latin typeface="Montserrat" panose="00000500000000000000" pitchFamily="50" charset="0"/>
+                </a:rPr>
+                <a:t>principalement</a:t>
+              </a:r>
+              <a:r>
+                <a:rPr lang="en-US" sz="1374" dirty="0">
+                  <a:solidFill>
+                    <a:srgbClr val="FFFFFF"/>
+                  </a:solidFill>
+                  <a:latin typeface="Montserrat" panose="00000500000000000000" pitchFamily="50" charset="0"/>
+                </a:rPr>
+                <a:t> </a:t>
+              </a:r>
+              <a:r>
+                <a:rPr lang="en-US" sz="1374" dirty="0" err="1">
+                  <a:solidFill>
+                    <a:srgbClr val="FFFFFF"/>
+                  </a:solidFill>
+                  <a:latin typeface="Montserrat" panose="00000500000000000000" pitchFamily="50" charset="0"/>
+                </a:rPr>
+                <a:t>utilisé</a:t>
+              </a:r>
+              <a:r>
+                <a:rPr lang="en-US" sz="1374" dirty="0">
+                  <a:solidFill>
+                    <a:srgbClr val="FFFFFF"/>
+                  </a:solidFill>
+                  <a:latin typeface="Montserrat" panose="00000500000000000000" pitchFamily="50" charset="0"/>
+                </a:rPr>
+                <a:t> pour les </a:t>
+              </a:r>
+              <a:r>
+                <a:rPr lang="en-US" sz="1374" dirty="0" err="1">
+                  <a:solidFill>
+                    <a:srgbClr val="FFFFFF"/>
+                  </a:solidFill>
+                  <a:latin typeface="Montserrat" panose="00000500000000000000" pitchFamily="50" charset="0"/>
+                </a:rPr>
+                <a:t>paragraphes</a:t>
+              </a:r>
+              <a:r>
+                <a:rPr lang="en-US" sz="1374" dirty="0">
+                  <a:solidFill>
+                    <a:srgbClr val="FFFFFF"/>
+                  </a:solidFill>
+                  <a:latin typeface="Montserrat" panose="00000500000000000000" pitchFamily="50" charset="0"/>
+                </a:rPr>
+                <a:t>. </a:t>
+              </a:r>
+              <a:r>
+                <a:rPr lang="en-US" sz="1374" dirty="0" err="1">
+                  <a:solidFill>
+                    <a:srgbClr val="FFFFFF"/>
+                  </a:solidFill>
+                  <a:latin typeface="Montserrat" panose="00000500000000000000" pitchFamily="50" charset="0"/>
+                </a:rPr>
+                <a:t>Cette</a:t>
+              </a:r>
+              <a:r>
+                <a:rPr lang="en-US" sz="1374" dirty="0">
+                  <a:solidFill>
+                    <a:srgbClr val="FFFFFF"/>
+                  </a:solidFill>
+                  <a:latin typeface="Montserrat" panose="00000500000000000000" pitchFamily="50" charset="0"/>
+                </a:rPr>
+                <a:t> </a:t>
+              </a:r>
+              <a:r>
+                <a:rPr lang="en-US" sz="1374" dirty="0" err="1">
+                  <a:solidFill>
+                    <a:srgbClr val="FFFFFF"/>
+                  </a:solidFill>
+                  <a:latin typeface="Montserrat" panose="00000500000000000000" pitchFamily="50" charset="0"/>
+                </a:rPr>
+                <a:t>combinaison</a:t>
+              </a:r>
+              <a:r>
+                <a:rPr lang="en-US" sz="1374" dirty="0">
+                  <a:solidFill>
+                    <a:srgbClr val="FFFFFF"/>
+                  </a:solidFill>
+                  <a:latin typeface="Montserrat" panose="00000500000000000000" pitchFamily="50" charset="0"/>
+                </a:rPr>
+                <a:t> </a:t>
+              </a:r>
+              <a:r>
+                <a:rPr lang="en-US" sz="1374" dirty="0" err="1">
+                  <a:solidFill>
+                    <a:srgbClr val="FFFFFF"/>
+                  </a:solidFill>
+                  <a:latin typeface="Montserrat" panose="00000500000000000000" pitchFamily="50" charset="0"/>
+                </a:rPr>
+                <a:t>est</a:t>
+              </a:r>
+              <a:r>
+                <a:rPr lang="en-US" sz="1374" dirty="0">
+                  <a:solidFill>
+                    <a:srgbClr val="FFFFFF"/>
+                  </a:solidFill>
+                  <a:latin typeface="Montserrat" panose="00000500000000000000" pitchFamily="50" charset="0"/>
+                </a:rPr>
+                <a:t> </a:t>
+              </a:r>
+              <a:r>
+                <a:rPr lang="en-US" sz="1374" dirty="0" err="1">
+                  <a:solidFill>
+                    <a:srgbClr val="FFFFFF"/>
+                  </a:solidFill>
+                  <a:latin typeface="Montserrat" panose="00000500000000000000" pitchFamily="50" charset="0"/>
+                </a:rPr>
+                <a:t>agréable</a:t>
+              </a:r>
+              <a:r>
+                <a:rPr lang="en-US" sz="1374" dirty="0">
+                  <a:solidFill>
+                    <a:srgbClr val="FFFFFF"/>
+                  </a:solidFill>
+                  <a:latin typeface="Montserrat" panose="00000500000000000000" pitchFamily="50" charset="0"/>
+                </a:rPr>
+                <a:t> pour les </a:t>
+              </a:r>
+              <a:r>
+                <a:rPr lang="en-US" sz="1374" dirty="0" err="1">
+                  <a:solidFill>
+                    <a:srgbClr val="FFFFFF"/>
+                  </a:solidFill>
+                  <a:latin typeface="Montserrat" panose="00000500000000000000" pitchFamily="50" charset="0"/>
+                </a:rPr>
+                <a:t>yeux</a:t>
+              </a:r>
+              <a:r>
+                <a:rPr lang="en-US" sz="1374" dirty="0">
+                  <a:solidFill>
+                    <a:srgbClr val="FFFFFF"/>
+                  </a:solidFill>
+                  <a:latin typeface="Montserrat" panose="00000500000000000000" pitchFamily="50" charset="0"/>
+                </a:rPr>
+                <a:t> et la lecture. Elle correspond </a:t>
+              </a:r>
+              <a:r>
+                <a:rPr lang="en-US" sz="1374" dirty="0" err="1">
+                  <a:solidFill>
+                    <a:srgbClr val="FFFFFF"/>
+                  </a:solidFill>
+                  <a:latin typeface="Montserrat" panose="00000500000000000000" pitchFamily="50" charset="0"/>
+                </a:rPr>
+                <a:t>également</a:t>
+              </a:r>
+              <a:r>
+                <a:rPr lang="en-US" sz="1374" dirty="0">
+                  <a:solidFill>
+                    <a:srgbClr val="FFFFFF"/>
+                  </a:solidFill>
+                  <a:latin typeface="Montserrat" panose="00000500000000000000" pitchFamily="50" charset="0"/>
+                </a:rPr>
+                <a:t> au style de </a:t>
+              </a:r>
+              <a:r>
+                <a:rPr lang="en-US" sz="1374" dirty="0" err="1">
+                  <a:solidFill>
+                    <a:srgbClr val="FFFFFF"/>
+                  </a:solidFill>
+                  <a:latin typeface="Montserrat" panose="00000500000000000000" pitchFamily="50" charset="0"/>
+                </a:rPr>
+                <a:t>mon</a:t>
+              </a:r>
+              <a:r>
+                <a:rPr lang="en-US" sz="1374" dirty="0">
+                  <a:solidFill>
+                    <a:srgbClr val="FFFFFF"/>
+                  </a:solidFill>
+                  <a:latin typeface="Montserrat" panose="00000500000000000000" pitchFamily="50" charset="0"/>
+                </a:rPr>
+                <a:t> site.</a:t>
               </a:r>
             </a:p>
           </p:txBody>
@@ -5631,13 +5990,6 @@
   <p:clrMapOvr>
     <a:masterClrMapping/>
   </p:clrMapOvr>
-  <p:timing>
-    <p:tnLst>
-      <p:par>
-        <p:cTn id="1" dur="indefinite" restart="never" nodeType="tmRoot"/>
-      </p:par>
-    </p:tnLst>
-  </p:timing>
 </p:sld>
 </file>
 
@@ -6142,11 +6494,13 @@
               </a:lnSpc>
             </a:pPr>
             <a:r>
-              <a:rPr lang="en-US" sz="7850">
+              <a:rPr lang="en-US" sz="7850" dirty="0">
                 <a:solidFill>
                   <a:srgbClr val="FFFFFF"/>
                 </a:solidFill>
-                <a:latin typeface="Open Sauce SemiBold"/>
+                <a:latin typeface="Open Sans SemiBold" pitchFamily="2" charset="0"/>
+                <a:ea typeface="Open Sans SemiBold" pitchFamily="2" charset="0"/>
+                <a:cs typeface="Open Sans SemiBold" pitchFamily="2" charset="0"/>
               </a:rPr>
               <a:t>Maquettes</a:t>
             </a:r>
@@ -6162,7 +6516,7 @@
         <p:spPr>
           <a:xfrm>
             <a:off x="14201274" y="4914224"/>
-            <a:ext cx="3318605" cy="1809750"/>
+            <a:ext cx="3318605" cy="2131737"/>
           </a:xfrm>
           <a:prstGeom prst="rect">
             <a:avLst/>
@@ -6174,19 +6528,280 @@
           </a:bodyPr>
           <a:lstStyle/>
           <a:p>
-            <a:pPr algn="just">
+            <a:pPr>
               <a:lnSpc>
                 <a:spcPts val="2400"/>
               </a:lnSpc>
             </a:pPr>
             <a:r>
-              <a:rPr lang="en-US" sz="1500">
+              <a:rPr lang="en-US" sz="1500" dirty="0" err="1">
                 <a:solidFill>
                   <a:srgbClr val="FFFFFF"/>
                 </a:solidFill>
-                <a:latin typeface="Open Sauce Light"/>
+                <a:latin typeface="Montserrat" panose="00000500000000000000" pitchFamily="50" charset="0"/>
               </a:rPr>
-              <a:t>Ces maquettes ont été modifiés sur quelques points. Le site est un peu plus aéré, certaines animations ont été ajoutée, le placement des icones à un peu changé </a:t>
+              <a:t>Ces</a:t>
+            </a:r>
+            <a:r>
+              <a:rPr lang="en-US" sz="1500" dirty="0">
+                <a:solidFill>
+                  <a:srgbClr val="FFFFFF"/>
+                </a:solidFill>
+                <a:latin typeface="Montserrat" panose="00000500000000000000" pitchFamily="50" charset="0"/>
+              </a:rPr>
+              <a:t> maquettes </a:t>
+            </a:r>
+            <a:r>
+              <a:rPr lang="en-US" sz="1500" dirty="0" err="1">
+                <a:solidFill>
+                  <a:srgbClr val="FFFFFF"/>
+                </a:solidFill>
+                <a:latin typeface="Montserrat" panose="00000500000000000000" pitchFamily="50" charset="0"/>
+              </a:rPr>
+              <a:t>ont</a:t>
+            </a:r>
+            <a:r>
+              <a:rPr lang="en-US" sz="1500" dirty="0">
+                <a:solidFill>
+                  <a:srgbClr val="FFFFFF"/>
+                </a:solidFill>
+                <a:latin typeface="Montserrat" panose="00000500000000000000" pitchFamily="50" charset="0"/>
+              </a:rPr>
+              <a:t> </a:t>
+            </a:r>
+            <a:r>
+              <a:rPr lang="en-US" sz="1500" dirty="0" err="1">
+                <a:solidFill>
+                  <a:srgbClr val="FFFFFF"/>
+                </a:solidFill>
+                <a:latin typeface="Montserrat" panose="00000500000000000000" pitchFamily="50" charset="0"/>
+              </a:rPr>
+              <a:t>été</a:t>
+            </a:r>
+            <a:r>
+              <a:rPr lang="en-US" sz="1500" dirty="0">
+                <a:solidFill>
+                  <a:srgbClr val="FFFFFF"/>
+                </a:solidFill>
+                <a:latin typeface="Montserrat" panose="00000500000000000000" pitchFamily="50" charset="0"/>
+              </a:rPr>
+              <a:t> </a:t>
+            </a:r>
+            <a:r>
+              <a:rPr lang="en-US" sz="1500" dirty="0" err="1">
+                <a:solidFill>
+                  <a:srgbClr val="FFFFFF"/>
+                </a:solidFill>
+                <a:latin typeface="Montserrat" panose="00000500000000000000" pitchFamily="50" charset="0"/>
+              </a:rPr>
+              <a:t>modifiés</a:t>
+            </a:r>
+            <a:r>
+              <a:rPr lang="en-US" sz="1500" dirty="0">
+                <a:solidFill>
+                  <a:srgbClr val="FFFFFF"/>
+                </a:solidFill>
+                <a:latin typeface="Montserrat" panose="00000500000000000000" pitchFamily="50" charset="0"/>
+              </a:rPr>
+              <a:t> sur </a:t>
+            </a:r>
+            <a:r>
+              <a:rPr lang="en-US" sz="1500" dirty="0" err="1">
+                <a:solidFill>
+                  <a:srgbClr val="FFFFFF"/>
+                </a:solidFill>
+                <a:latin typeface="Montserrat" panose="00000500000000000000" pitchFamily="50" charset="0"/>
+              </a:rPr>
+              <a:t>quelques</a:t>
+            </a:r>
+            <a:r>
+              <a:rPr lang="en-US" sz="1500" dirty="0">
+                <a:solidFill>
+                  <a:srgbClr val="FFFFFF"/>
+                </a:solidFill>
+                <a:latin typeface="Montserrat" panose="00000500000000000000" pitchFamily="50" charset="0"/>
+              </a:rPr>
+              <a:t> points. Le site </a:t>
+            </a:r>
+            <a:r>
+              <a:rPr lang="en-US" sz="1500" dirty="0" err="1">
+                <a:solidFill>
+                  <a:srgbClr val="FFFFFF"/>
+                </a:solidFill>
+                <a:latin typeface="Montserrat" panose="00000500000000000000" pitchFamily="50" charset="0"/>
+              </a:rPr>
+              <a:t>est</a:t>
+            </a:r>
+            <a:r>
+              <a:rPr lang="en-US" sz="1500" dirty="0">
+                <a:solidFill>
+                  <a:srgbClr val="FFFFFF"/>
+                </a:solidFill>
+                <a:latin typeface="Montserrat" panose="00000500000000000000" pitchFamily="50" charset="0"/>
+              </a:rPr>
+              <a:t> un </a:t>
+            </a:r>
+            <a:r>
+              <a:rPr lang="en-US" sz="1500" dirty="0" err="1">
+                <a:solidFill>
+                  <a:srgbClr val="FFFFFF"/>
+                </a:solidFill>
+                <a:latin typeface="Montserrat" panose="00000500000000000000" pitchFamily="50" charset="0"/>
+              </a:rPr>
+              <a:t>peu</a:t>
+            </a:r>
+            <a:r>
+              <a:rPr lang="en-US" sz="1500" dirty="0">
+                <a:solidFill>
+                  <a:srgbClr val="FFFFFF"/>
+                </a:solidFill>
+                <a:latin typeface="Montserrat" panose="00000500000000000000" pitchFamily="50" charset="0"/>
+              </a:rPr>
+              <a:t> plus </a:t>
+            </a:r>
+            <a:r>
+              <a:rPr lang="en-US" sz="1500" dirty="0" err="1">
+                <a:solidFill>
+                  <a:srgbClr val="FFFFFF"/>
+                </a:solidFill>
+                <a:latin typeface="Montserrat" panose="00000500000000000000" pitchFamily="50" charset="0"/>
+              </a:rPr>
+              <a:t>aéré</a:t>
+            </a:r>
+            <a:r>
+              <a:rPr lang="en-US" sz="1500" dirty="0">
+                <a:solidFill>
+                  <a:srgbClr val="FFFFFF"/>
+                </a:solidFill>
+                <a:latin typeface="Montserrat" panose="00000500000000000000" pitchFamily="50" charset="0"/>
+              </a:rPr>
+              <a:t>, </a:t>
+            </a:r>
+            <a:r>
+              <a:rPr lang="en-US" sz="1500" dirty="0" err="1">
+                <a:solidFill>
+                  <a:srgbClr val="FFFFFF"/>
+                </a:solidFill>
+                <a:latin typeface="Montserrat" panose="00000500000000000000" pitchFamily="50" charset="0"/>
+              </a:rPr>
+              <a:t>certaines</a:t>
+            </a:r>
+            <a:r>
+              <a:rPr lang="en-US" sz="1500" dirty="0">
+                <a:solidFill>
+                  <a:srgbClr val="FFFFFF"/>
+                </a:solidFill>
+                <a:latin typeface="Montserrat" panose="00000500000000000000" pitchFamily="50" charset="0"/>
+              </a:rPr>
+              <a:t> animations </a:t>
+            </a:r>
+            <a:r>
+              <a:rPr lang="en-US" sz="1500" dirty="0" err="1">
+                <a:solidFill>
+                  <a:srgbClr val="FFFFFF"/>
+                </a:solidFill>
+                <a:latin typeface="Montserrat" panose="00000500000000000000" pitchFamily="50" charset="0"/>
+              </a:rPr>
+              <a:t>ont</a:t>
+            </a:r>
+            <a:r>
+              <a:rPr lang="en-US" sz="1500" dirty="0">
+                <a:solidFill>
+                  <a:srgbClr val="FFFFFF"/>
+                </a:solidFill>
+                <a:latin typeface="Montserrat" panose="00000500000000000000" pitchFamily="50" charset="0"/>
+              </a:rPr>
+              <a:t> </a:t>
+            </a:r>
+            <a:r>
+              <a:rPr lang="en-US" sz="1500" dirty="0" err="1">
+                <a:solidFill>
+                  <a:srgbClr val="FFFFFF"/>
+                </a:solidFill>
+                <a:latin typeface="Montserrat" panose="00000500000000000000" pitchFamily="50" charset="0"/>
+              </a:rPr>
+              <a:t>été</a:t>
+            </a:r>
+            <a:r>
+              <a:rPr lang="en-US" sz="1500" dirty="0">
+                <a:solidFill>
+                  <a:srgbClr val="FFFFFF"/>
+                </a:solidFill>
+                <a:latin typeface="Montserrat" panose="00000500000000000000" pitchFamily="50" charset="0"/>
+              </a:rPr>
+              <a:t> </a:t>
+            </a:r>
+            <a:r>
+              <a:rPr lang="en-US" sz="1500" dirty="0" err="1">
+                <a:solidFill>
+                  <a:srgbClr val="FFFFFF"/>
+                </a:solidFill>
+                <a:latin typeface="Montserrat" panose="00000500000000000000" pitchFamily="50" charset="0"/>
+              </a:rPr>
+              <a:t>ajoutée</a:t>
+            </a:r>
+            <a:r>
+              <a:rPr lang="en-US" sz="1500" dirty="0">
+                <a:solidFill>
+                  <a:srgbClr val="FFFFFF"/>
+                </a:solidFill>
+                <a:latin typeface="Montserrat" panose="00000500000000000000" pitchFamily="50" charset="0"/>
+              </a:rPr>
+              <a:t>, le placement des </a:t>
+            </a:r>
+            <a:r>
+              <a:rPr lang="en-US" sz="1500" dirty="0" err="1">
+                <a:solidFill>
+                  <a:srgbClr val="FFFFFF"/>
+                </a:solidFill>
+                <a:latin typeface="Montserrat" panose="00000500000000000000" pitchFamily="50" charset="0"/>
+              </a:rPr>
+              <a:t>icones</a:t>
+            </a:r>
+            <a:r>
+              <a:rPr lang="en-US" sz="1500" dirty="0">
+                <a:solidFill>
+                  <a:srgbClr val="FFFFFF"/>
+                </a:solidFill>
+                <a:latin typeface="Montserrat" panose="00000500000000000000" pitchFamily="50" charset="0"/>
+              </a:rPr>
+              <a:t> à un </a:t>
+            </a:r>
+            <a:r>
+              <a:rPr lang="en-US" sz="1500" dirty="0" err="1">
+                <a:solidFill>
+                  <a:srgbClr val="FFFFFF"/>
+                </a:solidFill>
+                <a:latin typeface="Montserrat" panose="00000500000000000000" pitchFamily="50" charset="0"/>
+              </a:rPr>
+              <a:t>peu</a:t>
+            </a:r>
+            <a:r>
+              <a:rPr lang="en-US" sz="1500" dirty="0">
+                <a:solidFill>
+                  <a:srgbClr val="FFFFFF"/>
+                </a:solidFill>
+                <a:latin typeface="Montserrat" panose="00000500000000000000" pitchFamily="50" charset="0"/>
+              </a:rPr>
+              <a:t> </a:t>
+            </a:r>
+            <a:r>
+              <a:rPr lang="en-US" sz="1500" dirty="0" err="1">
+                <a:solidFill>
+                  <a:srgbClr val="FFFFFF"/>
+                </a:solidFill>
+                <a:latin typeface="Montserrat" panose="00000500000000000000" pitchFamily="50" charset="0"/>
+              </a:rPr>
+              <a:t>changé</a:t>
+            </a:r>
+            <a:r>
+              <a:rPr lang="en-US" sz="1500" dirty="0">
+                <a:solidFill>
+                  <a:srgbClr val="FFFFFF"/>
+                </a:solidFill>
+                <a:latin typeface="Montserrat" panose="00000500000000000000" pitchFamily="50" charset="0"/>
+              </a:rPr>
+              <a:t> </a:t>
             </a:r>
           </a:p>
           <a:p>
@@ -6198,7 +6813,9 @@
                 <a:spcPct val="0"/>
               </a:spcBef>
             </a:pPr>
-            <a:endParaRPr/>
+            <a:endParaRPr dirty="0">
+              <a:latin typeface="Montserrat" panose="00000500000000000000" pitchFamily="50" charset="0"/>
+            </a:endParaRPr>
           </a:p>
         </p:txBody>
       </p:sp>
@@ -6251,7 +6868,7 @@
         <p:spPr>
           <a:xfrm>
             <a:off x="14201274" y="982980"/>
-            <a:ext cx="3058026" cy="365760"/>
+            <a:ext cx="3058026" cy="348429"/>
           </a:xfrm>
           <a:prstGeom prst="rect">
             <a:avLst/>
@@ -6269,11 +6886,13 @@
               </a:lnSpc>
             </a:pPr>
             <a:r>
-              <a:rPr lang="en-US" sz="2100">
+              <a:rPr lang="en-US" sz="2100" dirty="0">
                 <a:solidFill>
                   <a:srgbClr val="FFFFFF"/>
                 </a:solidFill>
-                <a:latin typeface="Open Sauce Bold"/>
+                <a:latin typeface="Open Sans SemiBold" pitchFamily="2" charset="0"/>
+                <a:ea typeface="Open Sans SemiBold" pitchFamily="2" charset="0"/>
+                <a:cs typeface="Open Sans SemiBold" pitchFamily="2" charset="0"/>
               </a:rPr>
               <a:t>PORTFOLIO_</a:t>
             </a:r>
@@ -6285,13 +6904,6 @@
   <p:clrMapOvr>
     <a:masterClrMapping/>
   </p:clrMapOvr>
-  <p:timing>
-    <p:tnLst>
-      <p:par>
-        <p:cTn id="1" dur="indefinite" restart="never" nodeType="tmRoot"/>
-      </p:par>
-    </p:tnLst>
-  </p:timing>
 </p:sld>
 </file>
 
@@ -6584,10 +7196,10 @@
             <a:blip r:embed="rId2" cstate="print">
               <a:extLst>
                 <a:ext uri="{28A0092B-C50C-407E-A947-70E740481C1C}">
-                  <a14:useLocalDpi xmlns:a14="http://schemas.microsoft.com/office/drawing/2010/main" xmlns="" val="0"/>
+                  <a14:useLocalDpi xmlns:a14="http://schemas.microsoft.com/office/drawing/2010/main" val="0"/>
                 </a:ext>
                 <a:ext uri="{96DAC541-7B7A-43D3-8B79-37D633B846F1}">
-                  <asvg:svgBlip xmlns:asvg="http://schemas.microsoft.com/office/drawing/2016/SVG/main" xmlns="" r:embed="rId3"/>
+                  <asvg:svgBlip xmlns:asvg="http://schemas.microsoft.com/office/drawing/2016/SVG/main" r:embed="rId3"/>
                 </a:ext>
               </a:extLst>
             </a:blip>
@@ -6810,11 +7422,13 @@
               </a:lnSpc>
             </a:pPr>
             <a:r>
-              <a:rPr lang="en-US" sz="8000">
+              <a:rPr lang="en-US" sz="8000" dirty="0">
                 <a:solidFill>
                   <a:srgbClr val="FFFFFF"/>
                 </a:solidFill>
-                <a:latin typeface="Open Sauce SemiBold"/>
+                <a:latin typeface="Open Sans SemiBold" pitchFamily="2" charset="0"/>
+                <a:ea typeface="Open Sans SemiBold" pitchFamily="2" charset="0"/>
+                <a:cs typeface="Open Sans SemiBold" pitchFamily="2" charset="0"/>
               </a:rPr>
               <a:t>Technologies</a:t>
             </a:r>
@@ -6906,13 +7520,6 @@
   <p:clrMapOvr>
     <a:masterClrMapping/>
   </p:clrMapOvr>
-  <p:timing>
-    <p:tnLst>
-      <p:par>
-        <p:cTn id="1" dur="indefinite" restart="never" nodeType="tmRoot"/>
-      </p:par>
-    </p:tnLst>
-  </p:timing>
 </p:sld>
 </file>
 
@@ -6949,7 +7556,7 @@
         </p:nvSpPr>
         <p:spPr>
           <a:xfrm>
-            <a:off x="4707576" y="2760191"/>
+            <a:off x="4707575" y="2954673"/>
             <a:ext cx="8872847" cy="3393264"/>
           </a:xfrm>
           <a:prstGeom prst="rect">
@@ -6968,14 +7575,24 @@
               </a:lnSpc>
             </a:pPr>
             <a:r>
-              <a:rPr lang="en-US" sz="23827">
+              <a:rPr lang="en-US" sz="23827" dirty="0" err="1">
                 <a:solidFill>
                   <a:srgbClr val="FFFFFF"/>
                 </a:solidFill>
-                <a:latin typeface="Open Sauce SemiBold"/>
+                <a:latin typeface="Open Sans SemiBold" pitchFamily="2" charset="0"/>
+                <a:ea typeface="Open Sans SemiBold" pitchFamily="2" charset="0"/>
+                <a:cs typeface="Open Sans SemiBold" pitchFamily="2" charset="0"/>
               </a:rPr>
               <a:t>Démo</a:t>
             </a:r>
+            <a:endParaRPr lang="en-US" sz="23827" dirty="0">
+              <a:solidFill>
+                <a:srgbClr val="FFFFFF"/>
+              </a:solidFill>
+              <a:latin typeface="Open Sans SemiBold" pitchFamily="2" charset="0"/>
+              <a:ea typeface="Open Sans SemiBold" pitchFamily="2" charset="0"/>
+              <a:cs typeface="Open Sans SemiBold" pitchFamily="2" charset="0"/>
+            </a:endParaRPr>
           </a:p>
         </p:txBody>
       </p:sp>
@@ -7028,7 +7645,7 @@
         <p:spPr>
           <a:xfrm>
             <a:off x="14201274" y="982980"/>
-            <a:ext cx="3058026" cy="365760"/>
+            <a:ext cx="3058026" cy="348429"/>
           </a:xfrm>
           <a:prstGeom prst="rect">
             <a:avLst/>
@@ -7046,11 +7663,13 @@
               </a:lnSpc>
             </a:pPr>
             <a:r>
-              <a:rPr lang="en-US" sz="2100">
+              <a:rPr lang="en-US" sz="2100" dirty="0">
                 <a:solidFill>
                   <a:srgbClr val="FFFFFF"/>
                 </a:solidFill>
-                <a:latin typeface="Open Sauce Bold"/>
+                <a:latin typeface="Open Sans SemiBold" pitchFamily="2" charset="0"/>
+                <a:ea typeface="Open Sans SemiBold" pitchFamily="2" charset="0"/>
+                <a:cs typeface="Open Sans SemiBold" pitchFamily="2" charset="0"/>
               </a:rPr>
               <a:t>PORTFOLIO_</a:t>
             </a:r>
@@ -7065,15 +7684,15 @@
         </p:nvSpPr>
         <p:spPr>
           <a:xfrm>
-            <a:off x="5527058" y="6058205"/>
-            <a:ext cx="7233884" cy="824698"/>
+            <a:off x="6075388" y="5935588"/>
+            <a:ext cx="6137222" cy="824698"/>
           </a:xfrm>
           <a:prstGeom prst="rect">
             <a:avLst/>
           </a:prstGeom>
         </p:spPr>
         <p:txBody>
-          <a:bodyPr lIns="0" tIns="0" rIns="0" bIns="0" rtlCol="0" anchor="t">
+          <a:bodyPr wrap="square" lIns="0" tIns="0" rIns="0" bIns="0" rtlCol="0" anchor="t">
             <a:spAutoFit/>
           </a:bodyPr>
           <a:lstStyle/>
@@ -7084,7 +7703,7 @@
               </a:lnSpc>
             </a:pPr>
             <a:r>
-              <a:rPr lang="en-US" sz="4786" spc="717">
+              <a:rPr lang="en-US" sz="4786" spc="717" dirty="0">
                 <a:solidFill>
                   <a:srgbClr val="FFFFFF"/>
                 </a:solidFill>
@@ -7100,13 +7719,6 @@
   <p:clrMapOvr>
     <a:masterClrMapping/>
   </p:clrMapOvr>
-  <p:timing>
-    <p:tnLst>
-      <p:par>
-        <p:cTn id="1" dur="indefinite" restart="never" nodeType="tmRoot"/>
-      </p:par>
-    </p:tnLst>
-  </p:timing>
 </p:sld>
 </file>
 
@@ -7144,7 +7756,7 @@
         <p:spPr>
           <a:xfrm>
             <a:off x="14201274" y="982980"/>
-            <a:ext cx="3058026" cy="365760"/>
+            <a:ext cx="3058026" cy="348429"/>
           </a:xfrm>
           <a:prstGeom prst="rect">
             <a:avLst/>
@@ -7162,11 +7774,13 @@
               </a:lnSpc>
             </a:pPr>
             <a:r>
-              <a:rPr lang="en-US" sz="2100">
+              <a:rPr lang="en-US" sz="2100" dirty="0">
                 <a:solidFill>
                   <a:srgbClr val="FFFFFF"/>
                 </a:solidFill>
-                <a:latin typeface="Open Sauce Bold"/>
+                <a:latin typeface="Open Sans SemiBold" pitchFamily="2" charset="0"/>
+                <a:ea typeface="Open Sans SemiBold" pitchFamily="2" charset="0"/>
+                <a:cs typeface="Open Sans SemiBold" pitchFamily="2" charset="0"/>
               </a:rPr>
               <a:t>PORTFOLIO_</a:t>
             </a:r>
@@ -7253,14 +7867,57 @@
               </a:lnSpc>
             </a:pPr>
             <a:r>
-              <a:rPr lang="en-US" sz="5500">
+              <a:rPr lang="en-US" sz="5500" dirty="0">
                 <a:solidFill>
                   <a:srgbClr val="FFFFFF"/>
                 </a:solidFill>
-                <a:latin typeface="Open Sauce SemiBold"/>
+                <a:latin typeface="Open Sans SemiBold" pitchFamily="2" charset="0"/>
+                <a:ea typeface="Open Sans SemiBold" pitchFamily="2" charset="0"/>
+                <a:cs typeface="Open Sans SemiBold" pitchFamily="2" charset="0"/>
               </a:rPr>
-              <a:t>Points techniques et problèmes rencontrés</a:t>
-            </a:r>
+              <a:t>Points techniques et </a:t>
+            </a:r>
+            <a:r>
+              <a:rPr lang="en-US" sz="5500" dirty="0" err="1">
+                <a:solidFill>
+                  <a:srgbClr val="FFFFFF"/>
+                </a:solidFill>
+                <a:latin typeface="Open Sans SemiBold" pitchFamily="2" charset="0"/>
+                <a:ea typeface="Open Sans SemiBold" pitchFamily="2" charset="0"/>
+                <a:cs typeface="Open Sans SemiBold" pitchFamily="2" charset="0"/>
+              </a:rPr>
+              <a:t>problèmes</a:t>
+            </a:r>
+            <a:r>
+              <a:rPr lang="en-US" sz="5500" dirty="0">
+                <a:solidFill>
+                  <a:srgbClr val="FFFFFF"/>
+                </a:solidFill>
+                <a:latin typeface="Open Sans SemiBold" pitchFamily="2" charset="0"/>
+                <a:ea typeface="Open Sans SemiBold" pitchFamily="2" charset="0"/>
+                <a:cs typeface="Open Sans SemiBold" pitchFamily="2" charset="0"/>
+              </a:rPr>
+              <a:t> </a:t>
+            </a:r>
+            <a:r>
+              <a:rPr lang="en-US" sz="5500" dirty="0" err="1">
+                <a:solidFill>
+                  <a:srgbClr val="FFFFFF"/>
+                </a:solidFill>
+                <a:latin typeface="Open Sans SemiBold" pitchFamily="2" charset="0"/>
+                <a:ea typeface="Open Sans SemiBold" pitchFamily="2" charset="0"/>
+                <a:cs typeface="Open Sans SemiBold" pitchFamily="2" charset="0"/>
+              </a:rPr>
+              <a:t>rencontrés</a:t>
+            </a:r>
+            <a:endParaRPr lang="en-US" sz="5500" dirty="0">
+              <a:solidFill>
+                <a:srgbClr val="FFFFFF"/>
+              </a:solidFill>
+              <a:latin typeface="Open Sans SemiBold" pitchFamily="2" charset="0"/>
+              <a:ea typeface="Open Sans SemiBold" pitchFamily="2" charset="0"/>
+              <a:cs typeface="Open Sans SemiBold" pitchFamily="2" charset="0"/>
+            </a:endParaRPr>
           </a:p>
         </p:txBody>
       </p:sp>
@@ -7353,7 +8010,7 @@
         <p:spPr>
           <a:xfrm>
             <a:off x="6179141" y="4283066"/>
-            <a:ext cx="5929719" cy="3070225"/>
+            <a:ext cx="5929719" cy="3105978"/>
           </a:xfrm>
           <a:prstGeom prst="rect">
             <a:avLst/>
@@ -7373,11 +8030,11 @@
               <a:buChar char="•"/>
             </a:pPr>
             <a:r>
-              <a:rPr lang="en-US" sz="2000">
+              <a:rPr lang="en-US" sz="2000" dirty="0">
                 <a:solidFill>
                   <a:srgbClr val="FFFFFF"/>
                 </a:solidFill>
-                <a:latin typeface="Open Sauce Bold"/>
+                <a:latin typeface="Montserrat" panose="00000500000000000000" pitchFamily="50" charset="0"/>
               </a:rPr>
               <a:t> LA BIBLIOTHÈQUE SWIPER JS</a:t>
             </a:r>
@@ -7391,11 +8048,11 @@
               <a:buChar char="•"/>
             </a:pPr>
             <a:r>
-              <a:rPr lang="en-US" sz="2000">
+              <a:rPr lang="en-US" sz="2000" dirty="0">
                 <a:solidFill>
                   <a:srgbClr val="FFFFFF"/>
                 </a:solidFill>
-                <a:latin typeface="Open Sauce Bold"/>
+                <a:latin typeface="Montserrat" panose="00000500000000000000" pitchFamily="50" charset="0"/>
               </a:rPr>
               <a:t> LA DUPLICATION DES SLIDERS</a:t>
             </a:r>
@@ -7409,11 +8066,11 @@
               <a:buChar char="•"/>
             </a:pPr>
             <a:r>
-              <a:rPr lang="en-US" sz="2000">
+              <a:rPr lang="en-US" sz="2000" dirty="0">
                 <a:solidFill>
                   <a:srgbClr val="FFFFFF"/>
                 </a:solidFill>
-                <a:latin typeface="Open Sauce Bold"/>
+                <a:latin typeface="Montserrat" panose="00000500000000000000" pitchFamily="50" charset="0"/>
               </a:rPr>
               <a:t> LA SENSIBILITÉ DU SLIDER</a:t>
             </a:r>
@@ -7427,11 +8084,11 @@
               <a:buChar char="•"/>
             </a:pPr>
             <a:r>
-              <a:rPr lang="en-US" sz="2000">
+              <a:rPr lang="en-US" sz="2000" dirty="0">
                 <a:solidFill>
                   <a:srgbClr val="FFFFFF"/>
                 </a:solidFill>
-                <a:latin typeface="Open Sauce Bold"/>
+                <a:latin typeface="Montserrat" panose="00000500000000000000" pitchFamily="50" charset="0"/>
               </a:rPr>
               <a:t> LE CONTROL MOLETTE</a:t>
             </a:r>
@@ -7445,11 +8102,11 @@
               <a:buChar char="•"/>
             </a:pPr>
             <a:r>
-              <a:rPr lang="en-US" sz="2000">
+              <a:rPr lang="en-US" sz="2000" dirty="0">
                 <a:solidFill>
                   <a:srgbClr val="FFFFFF"/>
                 </a:solidFill>
-                <a:latin typeface="Open Sauce Bold"/>
+                <a:latin typeface="Montserrat" panose="00000500000000000000" pitchFamily="50" charset="0"/>
               </a:rPr>
               <a:t> LE DESIGN N'EST PAS MON FORT</a:t>
             </a:r>
@@ -7461,13 +8118,6 @@
   <p:clrMapOvr>
     <a:masterClrMapping/>
   </p:clrMapOvr>
-  <p:timing>
-    <p:tnLst>
-      <p:par>
-        <p:cTn id="1" dur="indefinite" restart="never" nodeType="tmRoot"/>
-      </p:par>
-    </p:tnLst>
-  </p:timing>
 </p:sld>
 </file>
 
@@ -7505,7 +8155,7 @@
         <p:spPr>
           <a:xfrm>
             <a:off x="14201274" y="982980"/>
-            <a:ext cx="3058026" cy="365760"/>
+            <a:ext cx="3058026" cy="348429"/>
           </a:xfrm>
           <a:prstGeom prst="rect">
             <a:avLst/>
@@ -7523,11 +8173,13 @@
               </a:lnSpc>
             </a:pPr>
             <a:r>
-              <a:rPr lang="en-US" sz="2100">
+              <a:rPr lang="en-US" sz="2100" dirty="0">
                 <a:solidFill>
                   <a:srgbClr val="FFFFFF"/>
                 </a:solidFill>
-                <a:latin typeface="Open Sauce Bold"/>
+                <a:latin typeface="Open Sans SemiBold" pitchFamily="2" charset="0"/>
+                <a:ea typeface="Open Sans SemiBold" pitchFamily="2" charset="0"/>
+                <a:cs typeface="Open Sans SemiBold" pitchFamily="2" charset="0"/>
               </a:rPr>
               <a:t>PORTFOLIO_</a:t>
             </a:r>
@@ -7595,8 +8247,67 @@
         </p:nvSpPr>
         <p:spPr>
           <a:xfrm>
-            <a:off x="1028700" y="2816548"/>
-            <a:ext cx="16230600" cy="774700"/>
+            <a:off x="5698106" y="2560937"/>
+            <a:ext cx="6891164" cy="774700"/>
+          </a:xfrm>
+          <a:prstGeom prst="rect">
+            <a:avLst/>
+          </a:prstGeom>
+        </p:spPr>
+        <p:txBody>
+          <a:bodyPr wrap="square" lIns="0" tIns="0" rIns="0" bIns="0" rtlCol="0" anchor="t">
+            <a:spAutoFit/>
+          </a:bodyPr>
+          <a:lstStyle/>
+          <a:p>
+            <a:pPr marL="0" lvl="0" indent="0" algn="ctr">
+              <a:lnSpc>
+                <a:spcPts val="6050"/>
+              </a:lnSpc>
+            </a:pPr>
+            <a:r>
+              <a:rPr lang="en-US" sz="5500" dirty="0">
+                <a:solidFill>
+                  <a:srgbClr val="FFFFFF"/>
+                </a:solidFill>
+                <a:latin typeface="Open Sans SemiBold" pitchFamily="2" charset="0"/>
+                <a:ea typeface="Open Sans SemiBold" pitchFamily="2" charset="0"/>
+                <a:cs typeface="Open Sans SemiBold" pitchFamily="2" charset="0"/>
+              </a:rPr>
+              <a:t>Axes </a:t>
+            </a:r>
+            <a:r>
+              <a:rPr lang="en-US" sz="5500" dirty="0" err="1">
+                <a:solidFill>
+                  <a:srgbClr val="FFFFFF"/>
+                </a:solidFill>
+                <a:latin typeface="Open Sans SemiBold" pitchFamily="2" charset="0"/>
+                <a:ea typeface="Open Sans SemiBold" pitchFamily="2" charset="0"/>
+                <a:cs typeface="Open Sans SemiBold" pitchFamily="2" charset="0"/>
+              </a:rPr>
+              <a:t>d'amélioration</a:t>
+            </a:r>
+            <a:endParaRPr lang="en-US" sz="5500" dirty="0">
+              <a:solidFill>
+                <a:srgbClr val="FFFFFF"/>
+              </a:solidFill>
+              <a:latin typeface="Open Sans SemiBold" pitchFamily="2" charset="0"/>
+              <a:ea typeface="Open Sans SemiBold" pitchFamily="2" charset="0"/>
+              <a:cs typeface="Open Sans SemiBold" pitchFamily="2" charset="0"/>
+            </a:endParaRPr>
+          </a:p>
+        </p:txBody>
+      </p:sp>
+      <p:sp>
+        <p:nvSpPr>
+          <p:cNvPr id="7" name="TextBox 7"/>
+          <p:cNvSpPr txBox="1"/>
+          <p:nvPr/>
+        </p:nvSpPr>
+        <p:spPr>
+          <a:xfrm>
+            <a:off x="13838252" y="8300720"/>
+            <a:ext cx="3420611" cy="712470"/>
           </a:xfrm>
           <a:prstGeom prst="rect">
             <a:avLst/>
@@ -7608,33 +8319,35 @@
           </a:bodyPr>
           <a:lstStyle/>
           <a:p>
-            <a:pPr marL="0" lvl="0" indent="0" algn="ctr">
+            <a:pPr algn="r">
               <a:lnSpc>
-                <a:spcPts val="6050"/>
+                <a:spcPts val="5880"/>
               </a:lnSpc>
             </a:pPr>
             <a:r>
-              <a:rPr lang="en-US" sz="5500">
+              <a:rPr lang="en-US" sz="4200" spc="84" dirty="0">
                 <a:solidFill>
                   <a:srgbClr val="FFFFFF"/>
                 </a:solidFill>
-                <a:latin typeface="Open Sauce SemiBold"/>
+                <a:latin typeface="Open Sans Semibold" pitchFamily="34" charset="0"/>
+                <a:ea typeface="Open Sans Semibold" pitchFamily="34" charset="0"/>
+                <a:cs typeface="Open Sans Semibold" pitchFamily="34" charset="0"/>
               </a:rPr>
-              <a:t>Axes d'amélioration</a:t>
+              <a:t>16</a:t>
             </a:r>
           </a:p>
         </p:txBody>
       </p:sp>
       <p:sp>
         <p:nvSpPr>
-          <p:cNvPr id="7" name="TextBox 7"/>
+          <p:cNvPr id="8" name="TextBox 8"/>
           <p:cNvSpPr txBox="1"/>
           <p:nvPr/>
         </p:nvSpPr>
         <p:spPr>
           <a:xfrm>
-            <a:off x="13838252" y="8300720"/>
-            <a:ext cx="3420611" cy="712470"/>
+            <a:off x="1028700" y="981075"/>
+            <a:ext cx="3173814" cy="348429"/>
           </a:xfrm>
           <a:prstGeom prst="rect">
             <a:avLst/>
@@ -7646,46 +8359,6 @@
           </a:bodyPr>
           <a:lstStyle/>
           <a:p>
-            <a:pPr algn="r">
-              <a:lnSpc>
-                <a:spcPts val="5880"/>
-              </a:lnSpc>
-            </a:pPr>
-            <a:r>
-              <a:rPr lang="en-US" sz="4200" spc="84" dirty="0">
-                <a:solidFill>
-                  <a:srgbClr val="FFFFFF"/>
-                </a:solidFill>
-                <a:latin typeface="Open Sans Semibold" pitchFamily="34" charset="0"/>
-                <a:ea typeface="Open Sans Semibold" pitchFamily="34" charset="0"/>
-                <a:cs typeface="Open Sans Semibold" pitchFamily="34" charset="0"/>
-              </a:rPr>
-              <a:t>16</a:t>
-            </a:r>
-          </a:p>
-        </p:txBody>
-      </p:sp>
-      <p:sp>
-        <p:nvSpPr>
-          <p:cNvPr id="8" name="TextBox 8"/>
-          <p:cNvSpPr txBox="1"/>
-          <p:nvPr/>
-        </p:nvSpPr>
-        <p:spPr>
-          <a:xfrm>
-            <a:off x="1028700" y="981075"/>
-            <a:ext cx="3173814" cy="348429"/>
-          </a:xfrm>
-          <a:prstGeom prst="rect">
-            <a:avLst/>
-          </a:prstGeom>
-        </p:spPr>
-        <p:txBody>
-          <a:bodyPr lIns="0" tIns="0" rIns="0" bIns="0" rtlCol="0" anchor="t">
-            <a:spAutoFit/>
-          </a:bodyPr>
-          <a:lstStyle/>
-          <a:p>
             <a:pPr>
               <a:lnSpc>
                 <a:spcPts val="2940"/>
@@ -7714,14 +8387,14 @@
         <p:spPr>
           <a:xfrm>
             <a:off x="5707978" y="3968741"/>
-            <a:ext cx="8395472" cy="3698875"/>
+            <a:ext cx="8764614" cy="3747180"/>
           </a:xfrm>
           <a:prstGeom prst="rect">
             <a:avLst/>
           </a:prstGeom>
         </p:spPr>
         <p:txBody>
-          <a:bodyPr lIns="0" tIns="0" rIns="0" bIns="0" rtlCol="0" anchor="t">
+          <a:bodyPr wrap="square" lIns="0" tIns="0" rIns="0" bIns="0" rtlCol="0" anchor="t">
             <a:spAutoFit/>
           </a:bodyPr>
           <a:lstStyle/>
@@ -7732,11 +8405,11 @@
               </a:lnSpc>
             </a:pPr>
             <a:r>
-              <a:rPr lang="en-US" sz="2000">
+              <a:rPr lang="en-US" sz="2000" dirty="0">
                 <a:solidFill>
                   <a:srgbClr val="FFFFFF"/>
                 </a:solidFill>
-                <a:latin typeface="Open Sauce Bold"/>
+                <a:latin typeface="Montserrat" panose="00000500000000000000" pitchFamily="50" charset="0"/>
               </a:rPr>
               <a:t>- RESPONSIVE</a:t>
             </a:r>
@@ -7748,11 +8421,11 @@
               </a:lnSpc>
             </a:pPr>
             <a:r>
-              <a:rPr lang="en-US" sz="2000">
+              <a:rPr lang="en-US" sz="2000" dirty="0">
                 <a:solidFill>
                   <a:srgbClr val="FFFFFF"/>
                 </a:solidFill>
-                <a:latin typeface="Open Sauce Bold"/>
+                <a:latin typeface="Montserrat" panose="00000500000000000000" pitchFamily="50" charset="0"/>
               </a:rPr>
               <a:t>- AMÉLIORATION DU CODE D'ANIMATION DE LA CONSOLE</a:t>
             </a:r>
@@ -7764,11 +8437,11 @@
               </a:lnSpc>
             </a:pPr>
             <a:r>
-              <a:rPr lang="en-US" sz="2000">
+              <a:rPr lang="en-US" sz="2000" dirty="0">
                 <a:solidFill>
                   <a:srgbClr val="FFFFFF"/>
                 </a:solidFill>
-                <a:latin typeface="Open Sauce Bold"/>
+                <a:latin typeface="Montserrat" panose="00000500000000000000" pitchFamily="50" charset="0"/>
               </a:rPr>
               <a:t>- AJOUT D'UN INDICATEUR DE SLIDER DANS LA LISTE DE PROJETS</a:t>
             </a:r>
@@ -7780,11 +8453,11 @@
               </a:lnSpc>
             </a:pPr>
             <a:r>
-              <a:rPr lang="en-US" sz="2000">
+              <a:rPr lang="en-US" sz="2000" dirty="0">
                 <a:solidFill>
                   <a:srgbClr val="FFFFFF"/>
                 </a:solidFill>
-                <a:latin typeface="Open Sauce Bold"/>
+                <a:latin typeface="Montserrat" panose="00000500000000000000" pitchFamily="50" charset="0"/>
               </a:rPr>
               <a:t>- OPTIMISATION DU CODE</a:t>
             </a:r>
@@ -7796,11 +8469,11 @@
               </a:lnSpc>
             </a:pPr>
             <a:r>
-              <a:rPr lang="en-US" sz="2000">
+              <a:rPr lang="en-US" sz="2000" dirty="0">
                 <a:solidFill>
                   <a:srgbClr val="FFFFFF"/>
                 </a:solidFill>
-                <a:latin typeface="Open Sauce Bold"/>
+                <a:latin typeface="Montserrat" panose="00000500000000000000" pitchFamily="50" charset="0"/>
               </a:rPr>
               <a:t>- SLIDER SANS BIBLIO</a:t>
             </a:r>
@@ -7812,11 +8485,11 @@
               </a:lnSpc>
             </a:pPr>
             <a:r>
-              <a:rPr lang="en-US" sz="2000">
+              <a:rPr lang="en-US" sz="2000" dirty="0">
                 <a:solidFill>
                   <a:srgbClr val="FFFFFF"/>
                 </a:solidFill>
-                <a:latin typeface="Open Sauce Bold"/>
+                <a:latin typeface="Montserrat" panose="00000500000000000000" pitchFamily="50" charset="0"/>
               </a:rPr>
               <a:t>- RESOLUTIONS DE BUGS DIVERS</a:t>
             </a:r>
@@ -7828,13 +8501,6 @@
   <p:clrMapOvr>
     <a:masterClrMapping/>
   </p:clrMapOvr>
-  <p:timing>
-    <p:tnLst>
-      <p:par>
-        <p:cTn id="1" dur="indefinite" restart="never" nodeType="tmRoot"/>
-      </p:par>
-    </p:tnLst>
-  </p:timing>
 </p:sld>
 </file>
 
@@ -8325,7 +8991,7 @@
         <p:spPr>
           <a:xfrm>
             <a:off x="6599680" y="3482530"/>
-            <a:ext cx="4243133" cy="371897"/>
+            <a:ext cx="4243133" cy="333168"/>
           </a:xfrm>
           <a:prstGeom prst="rect">
             <a:avLst/>
@@ -8343,14 +9009,20 @@
               </a:lnSpc>
             </a:pPr>
             <a:r>
-              <a:rPr lang="en-US" sz="1800" dirty="0">
+              <a:rPr lang="en-US" sz="1800" dirty="0" err="1">
                 <a:solidFill>
                   <a:srgbClr val="FFFFFF"/>
                 </a:solidFill>
                 <a:latin typeface="Montserrat" pitchFamily="50" charset="0"/>
               </a:rPr>
-              <a:t>Demo</a:t>
-            </a:r>
+              <a:t>Démo</a:t>
+            </a:r>
+            <a:endParaRPr lang="en-US" sz="1800" dirty="0">
+              <a:solidFill>
+                <a:srgbClr val="FFFFFF"/>
+              </a:solidFill>
+              <a:latin typeface="Montserrat" pitchFamily="50" charset="0"/>
+            </a:endParaRPr>
           </a:p>
         </p:txBody>
       </p:sp>
@@ -8662,7 +9334,7 @@
               </a:lnSpc>
             </a:pPr>
             <a:r>
-              <a:rPr lang="en-US" sz="2100" spc="315" dirty="0" smtClean="0">
+              <a:rPr lang="en-US" sz="2100" spc="315" dirty="0">
                 <a:solidFill>
                   <a:srgbClr val="FFFFFF"/>
                 </a:solidFill>
@@ -8672,14 +9344,6 @@
               </a:rPr>
               <a:t>THOMAS-ROESS</a:t>
             </a:r>
-            <a:endParaRPr lang="en-US" sz="2100" spc="315" dirty="0">
-              <a:solidFill>
-                <a:srgbClr val="FFFFFF"/>
-              </a:solidFill>
-              <a:latin typeface="Open Sans Semibold" pitchFamily="34" charset="0"/>
-              <a:ea typeface="Open Sans Semibold" pitchFamily="34" charset="0"/>
-              <a:cs typeface="Open Sans Semibold" pitchFamily="34" charset="0"/>
-            </a:endParaRPr>
           </a:p>
         </p:txBody>
       </p:sp>
@@ -8785,13 +9449,6 @@
   <p:clrMapOvr>
     <a:masterClrMapping/>
   </p:clrMapOvr>
-  <p:timing>
-    <p:tnLst>
-      <p:par>
-        <p:cTn id="1" dur="indefinite" restart="never" nodeType="tmRoot"/>
-      </p:par>
-    </p:tnLst>
-  </p:timing>
 </p:sld>
 </file>
 
@@ -9150,7 +9807,7 @@
                 </a:solidFill>
                 <a:latin typeface="Montserrat" pitchFamily="50" charset="0"/>
               </a:rPr>
-              <a:t>MIEUX PRÉSENTER MES COMPÉTENCES</a:t>
+              <a:t>MIEUX PRÉSENTER MES COMPÉTENCES.</a:t>
             </a:r>
           </a:p>
           <a:p>
@@ -9168,7 +9825,7 @@
                 </a:solidFill>
                 <a:latin typeface="Montserrat" pitchFamily="50" charset="0"/>
               </a:rPr>
-              <a:t>PLUS DE VISIBILITÉ</a:t>
+              <a:t>PLUS DE VISIBILITÉ.</a:t>
             </a:r>
           </a:p>
         </p:txBody>
@@ -9178,13 +9835,6 @@
   <p:clrMapOvr>
     <a:masterClrMapping/>
   </p:clrMapOvr>
-  <p:timing>
-    <p:tnLst>
-      <p:par>
-        <p:cTn id="1" dur="indefinite" restart="never" nodeType="tmRoot"/>
-      </p:par>
-    </p:tnLst>
-  </p:timing>
 </p:sld>
 </file>
 
@@ -9222,7 +9872,7 @@
         <p:spPr>
           <a:xfrm>
             <a:off x="14201274" y="982980"/>
-            <a:ext cx="3058026" cy="371897"/>
+            <a:ext cx="3058026" cy="348429"/>
           </a:xfrm>
           <a:prstGeom prst="rect">
             <a:avLst/>
@@ -9244,9 +9894,9 @@
                 <a:solidFill>
                   <a:srgbClr val="FFFFFF"/>
                 </a:solidFill>
-                <a:latin typeface="Open Sans Extrabold" pitchFamily="34" charset="0"/>
-                <a:ea typeface="Open Sans Extrabold" pitchFamily="34" charset="0"/>
-                <a:cs typeface="Open Sans Extrabold" pitchFamily="34" charset="0"/>
+                <a:latin typeface="Open Sans SemiBold" pitchFamily="2" charset="0"/>
+                <a:ea typeface="Open Sans SemiBold" pitchFamily="2" charset="0"/>
+                <a:cs typeface="Open Sans SemiBold" pitchFamily="2" charset="0"/>
               </a:rPr>
               <a:t>PORTFOLIO</a:t>
             </a:r>
@@ -9255,7 +9905,9 @@
                 <a:solidFill>
                   <a:srgbClr val="FFFFFF"/>
                 </a:solidFill>
-                <a:latin typeface="Open Sauce Bold"/>
+                <a:latin typeface="Open Sans SemiBold" pitchFamily="2" charset="0"/>
+                <a:ea typeface="Open Sans SemiBold" pitchFamily="2" charset="0"/>
+                <a:cs typeface="Open Sans SemiBold" pitchFamily="2" charset="0"/>
               </a:rPr>
               <a:t>_</a:t>
             </a:r>
@@ -9346,9 +9998,9 @@
                 <a:solidFill>
                   <a:srgbClr val="FFFFFF"/>
                 </a:solidFill>
-                <a:latin typeface="Open Sans Extrabold" pitchFamily="34" charset="0"/>
-                <a:ea typeface="Open Sans Extrabold" pitchFamily="34" charset="0"/>
-                <a:cs typeface="Open Sans Extrabold" pitchFamily="34" charset="0"/>
+                <a:latin typeface="Open Sans SemiBold" pitchFamily="2" charset="0"/>
+                <a:ea typeface="Open Sans SemiBold" pitchFamily="2" charset="0"/>
+                <a:cs typeface="Open Sans SemiBold" pitchFamily="2" charset="0"/>
               </a:rPr>
               <a:t>Présentation</a:t>
             </a:r>
@@ -9357,9 +10009,9 @@
                 <a:solidFill>
                   <a:srgbClr val="FFFFFF"/>
                 </a:solidFill>
-                <a:latin typeface="Open Sans Extrabold" pitchFamily="34" charset="0"/>
-                <a:ea typeface="Open Sans Extrabold" pitchFamily="34" charset="0"/>
-                <a:cs typeface="Open Sans Extrabold" pitchFamily="34" charset="0"/>
+                <a:latin typeface="Open Sans SemiBold" pitchFamily="2" charset="0"/>
+                <a:ea typeface="Open Sans SemiBold" pitchFamily="2" charset="0"/>
+                <a:cs typeface="Open Sans SemiBold" pitchFamily="2" charset="0"/>
               </a:rPr>
               <a:t> du </a:t>
             </a:r>
@@ -9368,9 +10020,9 @@
                 <a:solidFill>
                   <a:srgbClr val="FFFFFF"/>
                 </a:solidFill>
-                <a:latin typeface="Open Sans Extrabold" pitchFamily="34" charset="0"/>
-                <a:ea typeface="Open Sans Extrabold" pitchFamily="34" charset="0"/>
-                <a:cs typeface="Open Sans Extrabold" pitchFamily="34" charset="0"/>
+                <a:latin typeface="Open Sans SemiBold" pitchFamily="2" charset="0"/>
+                <a:ea typeface="Open Sans SemiBold" pitchFamily="2" charset="0"/>
+                <a:cs typeface="Open Sans SemiBold" pitchFamily="2" charset="0"/>
               </a:rPr>
               <a:t>projet</a:t>
             </a:r>
@@ -9378,9 +10030,9 @@
               <a:solidFill>
                 <a:srgbClr val="FFFFFF"/>
               </a:solidFill>
-              <a:latin typeface="Open Sans Extrabold" pitchFamily="34" charset="0"/>
-              <a:ea typeface="Open Sans Extrabold" pitchFamily="34" charset="0"/>
-              <a:cs typeface="Open Sans Extrabold" pitchFamily="34" charset="0"/>
+              <a:latin typeface="Open Sans SemiBold" pitchFamily="2" charset="0"/>
+              <a:ea typeface="Open Sans SemiBold" pitchFamily="2" charset="0"/>
+              <a:cs typeface="Open Sans SemiBold" pitchFamily="2" charset="0"/>
             </a:endParaRPr>
           </a:p>
         </p:txBody>
@@ -9498,7 +10150,7 @@
                 <a:solidFill>
                   <a:srgbClr val="FFFFFF"/>
                 </a:solidFill>
-                <a:latin typeface="Montserrat SemiBold" pitchFamily="50" charset="0"/>
+                <a:latin typeface="Montserrat" panose="00000500000000000000" pitchFamily="50" charset="0"/>
               </a:rPr>
               <a:t>MES COMPÉTENCES</a:t>
             </a:r>
@@ -9516,7 +10168,7 @@
                 <a:solidFill>
                   <a:srgbClr val="FFFFFF"/>
                 </a:solidFill>
-                <a:latin typeface="Montserrat SemiBold" pitchFamily="50" charset="0"/>
+                <a:latin typeface="Montserrat" panose="00000500000000000000" pitchFamily="50" charset="0"/>
               </a:rPr>
               <a:t>PORTFOLIO DE PROJETS</a:t>
             </a:r>
@@ -9534,7 +10186,7 @@
                 <a:solidFill>
                   <a:srgbClr val="FFFFFF"/>
                 </a:solidFill>
-                <a:latin typeface="Montserrat SemiBold" pitchFamily="50" charset="0"/>
+                <a:latin typeface="Montserrat" panose="00000500000000000000" pitchFamily="50" charset="0"/>
               </a:rPr>
               <a:t>FORMULAIRE DE CONTACT</a:t>
             </a:r>
@@ -9546,13 +10198,6 @@
   <p:clrMapOvr>
     <a:masterClrMapping/>
   </p:clrMapOvr>
-  <p:timing>
-    <p:tnLst>
-      <p:par>
-        <p:cTn id="1" dur="indefinite" restart="never" nodeType="tmRoot"/>
-      </p:par>
-    </p:tnLst>
-  </p:timing>
 </p:sld>
 </file>
 
@@ -9834,11 +10479,13 @@
                 </a:lnSpc>
               </a:pPr>
               <a:r>
-                <a:rPr lang="en-US" sz="2100">
-                  <a:solidFill>
-                    <a:srgbClr val="FFFFFF"/>
-                  </a:solidFill>
-                  <a:latin typeface="Open Sauce Bold"/>
+                <a:rPr lang="en-US" sz="2100" dirty="0">
+                  <a:solidFill>
+                    <a:srgbClr val="FFFFFF"/>
+                  </a:solidFill>
+                  <a:latin typeface="Open Sans SemiBold" pitchFamily="2" charset="0"/>
+                  <a:ea typeface="Open Sans SemiBold" pitchFamily="2" charset="0"/>
+                  <a:cs typeface="Open Sans SemiBold" pitchFamily="2" charset="0"/>
                 </a:rPr>
                 <a:t>COULEURS</a:t>
               </a:r>
@@ -9872,13 +10519,94 @@
                 </a:lnSpc>
               </a:pPr>
               <a:r>
-                <a:rPr lang="en-US" sz="1800">
-                  <a:solidFill>
-                    <a:srgbClr val="FFFFFF"/>
-                  </a:solidFill>
-                  <a:latin typeface="Open Sauce Light"/>
-                </a:rPr>
-                <a:t>Présentation de la liste des couleurs utilisées sur le site et explication de mes choix.</a:t>
+                <a:rPr lang="en-US" sz="1800" dirty="0" err="1">
+                  <a:solidFill>
+                    <a:srgbClr val="FFFFFF"/>
+                  </a:solidFill>
+                  <a:latin typeface="Montserrat" panose="00000500000000000000" pitchFamily="50" charset="0"/>
+                </a:rPr>
+                <a:t>Présentation</a:t>
+              </a:r>
+              <a:r>
+                <a:rPr lang="en-US" sz="1800" dirty="0">
+                  <a:solidFill>
+                    <a:srgbClr val="FFFFFF"/>
+                  </a:solidFill>
+                  <a:latin typeface="Montserrat" panose="00000500000000000000" pitchFamily="50" charset="0"/>
+                </a:rPr>
+                <a:t> de la </a:t>
+              </a:r>
+              <a:r>
+                <a:rPr lang="en-US" sz="1800" dirty="0" err="1">
+                  <a:solidFill>
+                    <a:srgbClr val="FFFFFF"/>
+                  </a:solidFill>
+                  <a:latin typeface="Montserrat" panose="00000500000000000000" pitchFamily="50" charset="0"/>
+                </a:rPr>
+                <a:t>liste</a:t>
+              </a:r>
+              <a:r>
+                <a:rPr lang="en-US" sz="1800" dirty="0">
+                  <a:solidFill>
+                    <a:srgbClr val="FFFFFF"/>
+                  </a:solidFill>
+                  <a:latin typeface="Montserrat" panose="00000500000000000000" pitchFamily="50" charset="0"/>
+                </a:rPr>
+                <a:t> des couleurs </a:t>
+              </a:r>
+              <a:r>
+                <a:rPr lang="en-US" sz="1800" dirty="0" err="1">
+                  <a:solidFill>
+                    <a:srgbClr val="FFFFFF"/>
+                  </a:solidFill>
+                  <a:latin typeface="Montserrat" panose="00000500000000000000" pitchFamily="50" charset="0"/>
+                </a:rPr>
+                <a:t>utilisées</a:t>
+              </a:r>
+              <a:r>
+                <a:rPr lang="en-US" sz="1800" dirty="0">
+                  <a:solidFill>
+                    <a:srgbClr val="FFFFFF"/>
+                  </a:solidFill>
+                  <a:latin typeface="Montserrat" panose="00000500000000000000" pitchFamily="50" charset="0"/>
+                </a:rPr>
+                <a:t> sur le site et explication de </a:t>
+              </a:r>
+              <a:r>
+                <a:rPr lang="en-US" sz="1800" dirty="0" err="1">
+                  <a:solidFill>
+                    <a:srgbClr val="FFFFFF"/>
+                  </a:solidFill>
+                  <a:latin typeface="Montserrat" panose="00000500000000000000" pitchFamily="50" charset="0"/>
+                </a:rPr>
+                <a:t>mes</a:t>
+              </a:r>
+              <a:r>
+                <a:rPr lang="en-US" sz="1800" dirty="0">
+                  <a:solidFill>
+                    <a:srgbClr val="FFFFFF"/>
+                  </a:solidFill>
+                  <a:latin typeface="Montserrat" panose="00000500000000000000" pitchFamily="50" charset="0"/>
+                </a:rPr>
+                <a:t> </a:t>
+              </a:r>
+              <a:r>
+                <a:rPr lang="en-US" sz="1800" dirty="0" err="1">
+                  <a:solidFill>
+                    <a:srgbClr val="FFFFFF"/>
+                  </a:solidFill>
+                  <a:latin typeface="Montserrat" panose="00000500000000000000" pitchFamily="50" charset="0"/>
+                </a:rPr>
+                <a:t>choix</a:t>
+              </a:r>
+              <a:r>
+                <a:rPr lang="en-US" sz="1800" dirty="0">
+                  <a:solidFill>
+                    <a:srgbClr val="FFFFFF"/>
+                  </a:solidFill>
+                  <a:latin typeface="Montserrat" panose="00000500000000000000" pitchFamily="50" charset="0"/>
+                </a:rPr>
+                <a:t>.</a:t>
               </a:r>
             </a:p>
           </p:txBody>
@@ -9925,11 +10653,13 @@
                 </a:lnSpc>
               </a:pPr>
               <a:r>
-                <a:rPr lang="en-US" sz="2100">
-                  <a:solidFill>
-                    <a:srgbClr val="FFFFFF"/>
-                  </a:solidFill>
-                  <a:latin typeface="Open Sauce Bold"/>
+                <a:rPr lang="en-US" sz="2100" dirty="0">
+                  <a:solidFill>
+                    <a:srgbClr val="FFFFFF"/>
+                  </a:solidFill>
+                  <a:latin typeface="Open Sans SemiBold" pitchFamily="2" charset="0"/>
+                  <a:ea typeface="Open Sans SemiBold" pitchFamily="2" charset="0"/>
+                  <a:cs typeface="Open Sans SemiBold" pitchFamily="2" charset="0"/>
                 </a:rPr>
                 <a:t>LOGO</a:t>
               </a:r>
@@ -9963,13 +10693,22 @@
                 </a:lnSpc>
               </a:pPr>
               <a:r>
-                <a:rPr lang="en-US" sz="1800">
-                  <a:solidFill>
-                    <a:srgbClr val="FFFFFF"/>
-                  </a:solidFill>
-                  <a:latin typeface="Open Sauce Light"/>
-                </a:rPr>
-                <a:t>Présentation des logos et explications des designs.</a:t>
+                <a:rPr lang="en-US" sz="1800" dirty="0" err="1">
+                  <a:solidFill>
+                    <a:srgbClr val="FFFFFF"/>
+                  </a:solidFill>
+                  <a:latin typeface="Montserrat" panose="00000500000000000000" pitchFamily="50" charset="0"/>
+                </a:rPr>
+                <a:t>Présentation</a:t>
+              </a:r>
+              <a:r>
+                <a:rPr lang="en-US" sz="1800" dirty="0">
+                  <a:solidFill>
+                    <a:srgbClr val="FFFFFF"/>
+                  </a:solidFill>
+                  <a:latin typeface="Montserrat" panose="00000500000000000000" pitchFamily="50" charset="0"/>
+                </a:rPr>
+                <a:t> des logos et explications des designs.</a:t>
               </a:r>
             </a:p>
           </p:txBody>
@@ -10016,11 +10755,13 @@
                 </a:lnSpc>
               </a:pPr>
               <a:r>
-                <a:rPr lang="en-US" sz="2100">
-                  <a:solidFill>
-                    <a:srgbClr val="FFFFFF"/>
-                  </a:solidFill>
-                  <a:latin typeface="Open Sauce Bold"/>
+                <a:rPr lang="en-US" sz="2100" dirty="0">
+                  <a:solidFill>
+                    <a:srgbClr val="FFFFFF"/>
+                  </a:solidFill>
+                  <a:latin typeface="Open Sans SemiBold" pitchFamily="2" charset="0"/>
+                  <a:ea typeface="Open Sans SemiBold" pitchFamily="2" charset="0"/>
+                  <a:cs typeface="Open Sans SemiBold" pitchFamily="2" charset="0"/>
                 </a:rPr>
                 <a:t>POLICES</a:t>
               </a:r>
@@ -10054,13 +10795,76 @@
                 </a:lnSpc>
               </a:pPr>
               <a:r>
-                <a:rPr lang="en-US" sz="1800">
-                  <a:solidFill>
-                    <a:srgbClr val="FFFFFF"/>
-                  </a:solidFill>
-                  <a:latin typeface="Open Sauce Light"/>
-                </a:rPr>
-                <a:t>Présentation de la liste des polices et explications des choix de combinaisons.</a:t>
+                <a:rPr lang="en-US" sz="1800" dirty="0" err="1">
+                  <a:solidFill>
+                    <a:srgbClr val="FFFFFF"/>
+                  </a:solidFill>
+                  <a:latin typeface="Montserrat" panose="00000500000000000000" pitchFamily="50" charset="0"/>
+                </a:rPr>
+                <a:t>Présentation</a:t>
+              </a:r>
+              <a:r>
+                <a:rPr lang="en-US" sz="1800" dirty="0">
+                  <a:solidFill>
+                    <a:srgbClr val="FFFFFF"/>
+                  </a:solidFill>
+                  <a:latin typeface="Montserrat" panose="00000500000000000000" pitchFamily="50" charset="0"/>
+                </a:rPr>
+                <a:t> de la </a:t>
+              </a:r>
+              <a:r>
+                <a:rPr lang="en-US" sz="1800" dirty="0" err="1">
+                  <a:solidFill>
+                    <a:srgbClr val="FFFFFF"/>
+                  </a:solidFill>
+                  <a:latin typeface="Montserrat" panose="00000500000000000000" pitchFamily="50" charset="0"/>
+                </a:rPr>
+                <a:t>liste</a:t>
+              </a:r>
+              <a:r>
+                <a:rPr lang="en-US" sz="1800" dirty="0">
+                  <a:solidFill>
+                    <a:srgbClr val="FFFFFF"/>
+                  </a:solidFill>
+                  <a:latin typeface="Montserrat" panose="00000500000000000000" pitchFamily="50" charset="0"/>
+                </a:rPr>
+                <a:t> des polices et explications des </a:t>
+              </a:r>
+              <a:r>
+                <a:rPr lang="en-US" sz="1800" dirty="0" err="1">
+                  <a:solidFill>
+                    <a:srgbClr val="FFFFFF"/>
+                  </a:solidFill>
+                  <a:latin typeface="Montserrat" panose="00000500000000000000" pitchFamily="50" charset="0"/>
+                </a:rPr>
+                <a:t>choix</a:t>
+              </a:r>
+              <a:r>
+                <a:rPr lang="en-US" sz="1800" dirty="0">
+                  <a:solidFill>
+                    <a:srgbClr val="FFFFFF"/>
+                  </a:solidFill>
+                  <a:latin typeface="Montserrat" panose="00000500000000000000" pitchFamily="50" charset="0"/>
+                </a:rPr>
+                <a:t> de </a:t>
+              </a:r>
+              <a:r>
+                <a:rPr lang="en-US" sz="1800" dirty="0" err="1">
+                  <a:solidFill>
+                    <a:srgbClr val="FFFFFF"/>
+                  </a:solidFill>
+                  <a:latin typeface="Montserrat" panose="00000500000000000000" pitchFamily="50" charset="0"/>
+                </a:rPr>
+                <a:t>combinaisons</a:t>
+              </a:r>
+              <a:r>
+                <a:rPr lang="en-US" sz="1800" dirty="0">
+                  <a:solidFill>
+                    <a:srgbClr val="FFFFFF"/>
+                  </a:solidFill>
+                  <a:latin typeface="Montserrat" panose="00000500000000000000" pitchFamily="50" charset="0"/>
+                </a:rPr>
+                <a:t>.</a:t>
               </a:r>
             </a:p>
           </p:txBody>
@@ -10074,10 +10878,10 @@
         </p:nvGrpSpPr>
         <p:grpSpPr>
           <a:xfrm>
-            <a:off x="14066843" y="3984625"/>
-            <a:ext cx="3192457" cy="2073275"/>
-            <a:chOff x="0" y="0"/>
-            <a:chExt cx="4256610" cy="2764367"/>
+            <a:off x="14066843" y="3948906"/>
+            <a:ext cx="3192457" cy="2324017"/>
+            <a:chOff x="0" y="-47625"/>
+            <a:chExt cx="4256610" cy="3098690"/>
           </a:xfrm>
         </p:grpSpPr>
         <p:sp>
@@ -10107,11 +10911,13 @@
                 </a:lnSpc>
               </a:pPr>
               <a:r>
-                <a:rPr lang="en-US" sz="2100">
-                  <a:solidFill>
-                    <a:srgbClr val="FFFFFF"/>
-                  </a:solidFill>
-                  <a:latin typeface="Open Sauce Bold"/>
+                <a:rPr lang="en-US" sz="2100" dirty="0">
+                  <a:solidFill>
+                    <a:srgbClr val="FFFFFF"/>
+                  </a:solidFill>
+                  <a:latin typeface="Open Sans SemiBold" pitchFamily="2" charset="0"/>
+                  <a:ea typeface="Open Sans SemiBold" pitchFamily="2" charset="0"/>
+                  <a:cs typeface="Open Sans SemiBold" pitchFamily="2" charset="0"/>
                 </a:rPr>
                 <a:t>MAQUETTES</a:t>
               </a:r>
@@ -10127,7 +10933,7 @@
           <p:spPr>
             <a:xfrm>
               <a:off x="0" y="948267"/>
-              <a:ext cx="4256610" cy="1684020"/>
+              <a:ext cx="4256610" cy="2102798"/>
             </a:xfrm>
             <a:prstGeom prst="rect">
               <a:avLst/>
@@ -10145,14 +10951,74 @@
                 </a:lnSpc>
               </a:pPr>
               <a:r>
-                <a:rPr lang="en-US" sz="1800">
-                  <a:solidFill>
-                    <a:srgbClr val="FFFFFF"/>
-                  </a:solidFill>
-                  <a:latin typeface="Open Sauce Light"/>
-                </a:rPr>
-                <a:t>Présentations des maquettes et explications sur les modifications apportées durant le développement</a:t>
-              </a:r>
+                <a:rPr lang="en-US" sz="1800" dirty="0" err="1">
+                  <a:solidFill>
+                    <a:srgbClr val="FFFFFF"/>
+                  </a:solidFill>
+                  <a:latin typeface="Montserrat" panose="00000500000000000000" pitchFamily="50" charset="0"/>
+                </a:rPr>
+                <a:t>Présentations</a:t>
+              </a:r>
+              <a:r>
+                <a:rPr lang="en-US" sz="1800" dirty="0">
+                  <a:solidFill>
+                    <a:srgbClr val="FFFFFF"/>
+                  </a:solidFill>
+                  <a:latin typeface="Montserrat" panose="00000500000000000000" pitchFamily="50" charset="0"/>
+                </a:rPr>
+                <a:t> des maquettes et explications sur les modifications </a:t>
+              </a:r>
+              <a:r>
+                <a:rPr lang="en-US" sz="1800" dirty="0" err="1">
+                  <a:solidFill>
+                    <a:srgbClr val="FFFFFF"/>
+                  </a:solidFill>
+                  <a:latin typeface="Montserrat" panose="00000500000000000000" pitchFamily="50" charset="0"/>
+                </a:rPr>
+                <a:t>apportées</a:t>
+              </a:r>
+              <a:r>
+                <a:rPr lang="en-US" sz="1800" dirty="0">
+                  <a:solidFill>
+                    <a:srgbClr val="FFFFFF"/>
+                  </a:solidFill>
+                  <a:latin typeface="Montserrat" panose="00000500000000000000" pitchFamily="50" charset="0"/>
+                </a:rPr>
+                <a:t> </a:t>
+              </a:r>
+              <a:r>
+                <a:rPr lang="en-US" sz="1800" dirty="0" err="1">
+                  <a:solidFill>
+                    <a:srgbClr val="FFFFFF"/>
+                  </a:solidFill>
+                  <a:latin typeface="Montserrat" panose="00000500000000000000" pitchFamily="50" charset="0"/>
+                </a:rPr>
+                <a:t>durant</a:t>
+              </a:r>
+              <a:r>
+                <a:rPr lang="en-US" sz="1800" dirty="0">
+                  <a:solidFill>
+                    <a:srgbClr val="FFFFFF"/>
+                  </a:solidFill>
+                  <a:latin typeface="Montserrat" panose="00000500000000000000" pitchFamily="50" charset="0"/>
+                </a:rPr>
+                <a:t> le </a:t>
+              </a:r>
+              <a:r>
+                <a:rPr lang="en-US" sz="1800" dirty="0" err="1">
+                  <a:solidFill>
+                    <a:srgbClr val="FFFFFF"/>
+                  </a:solidFill>
+                  <a:latin typeface="Montserrat" panose="00000500000000000000" pitchFamily="50" charset="0"/>
+                </a:rPr>
+                <a:t>développement</a:t>
+              </a:r>
+              <a:endParaRPr lang="en-US" sz="1800" dirty="0">
+                <a:solidFill>
+                  <a:srgbClr val="FFFFFF"/>
+                </a:solidFill>
+                <a:latin typeface="Montserrat" panose="00000500000000000000" pitchFamily="50" charset="0"/>
+              </a:endParaRPr>
             </a:p>
           </p:txBody>
         </p:sp>
@@ -10206,7 +11072,7 @@
         <p:spPr>
           <a:xfrm>
             <a:off x="14201274" y="982980"/>
-            <a:ext cx="3058026" cy="365760"/>
+            <a:ext cx="3058026" cy="349711"/>
           </a:xfrm>
           <a:prstGeom prst="rect">
             <a:avLst/>
@@ -10224,13 +11090,24 @@
               </a:lnSpc>
             </a:pPr>
             <a:r>
-              <a:rPr lang="en-US" sz="2100">
+              <a:rPr lang="en-US" sz="2100" dirty="0">
+                <a:solidFill>
+                  <a:srgbClr val="FFFFFF"/>
+                </a:solidFill>
+                <a:latin typeface="Open Sans SemiBold" pitchFamily="2" charset="0"/>
+                <a:ea typeface="Open Sans SemiBold" pitchFamily="2" charset="0"/>
+                <a:cs typeface="Open Sans SemiBold" pitchFamily="2" charset="0"/>
+              </a:rPr>
+              <a:t>PORTFOLIO</a:t>
+            </a:r>
+            <a:r>
+              <a:rPr lang="en-US" sz="2100" dirty="0">
                 <a:solidFill>
                   <a:srgbClr val="FFFFFF"/>
                 </a:solidFill>
                 <a:latin typeface="Open Sauce Bold"/>
               </a:rPr>
-              <a:t>PORTFOLIO_</a:t>
+              <a:t>_</a:t>
             </a:r>
           </a:p>
         </p:txBody>
@@ -10240,13 +11117,6 @@
   <p:clrMapOvr>
     <a:masterClrMapping/>
   </p:clrMapOvr>
-  <p:timing>
-    <p:tnLst>
-      <p:par>
-        <p:cTn id="1" dur="indefinite" restart="never" nodeType="tmRoot"/>
-      </p:par>
-    </p:tnLst>
-  </p:timing>
 </p:sld>
 </file>
 
@@ -10453,7 +11323,7 @@
         <p:spPr>
           <a:xfrm>
             <a:off x="12599323" y="3878425"/>
-            <a:ext cx="4224301" cy="312420"/>
+            <a:ext cx="4224301" cy="300082"/>
           </a:xfrm>
           <a:prstGeom prst="rect">
             <a:avLst/>
@@ -10474,11 +11344,13 @@
               </a:spcBef>
             </a:pPr>
             <a:r>
-              <a:rPr lang="en-US" sz="1800" spc="270">
+              <a:rPr lang="en-US" sz="1800" spc="270" dirty="0">
                 <a:solidFill>
                   <a:srgbClr val="FFFFFF"/>
                 </a:solidFill>
-                <a:latin typeface="Open Sauce Light"/>
+                <a:latin typeface="Open Sans SemiBold" pitchFamily="2" charset="0"/>
+                <a:ea typeface="Open Sans SemiBold" pitchFamily="2" charset="0"/>
+                <a:cs typeface="Open Sans SemiBold" pitchFamily="2" charset="0"/>
               </a:rPr>
               <a:t>CODE HEXA #131313</a:t>
             </a:r>
@@ -10571,10 +11443,10 @@
           <a:blip r:embed="rId2">
             <a:extLst>
               <a:ext uri="{28A0092B-C50C-407E-A947-70E740481C1C}">
-                <a14:useLocalDpi xmlns:a14="http://schemas.microsoft.com/office/drawing/2010/main" xmlns="" val="0"/>
+                <a14:useLocalDpi xmlns:a14="http://schemas.microsoft.com/office/drawing/2010/main" val="0"/>
               </a:ext>
               <a:ext uri="{96DAC541-7B7A-43D3-8B79-37D633B846F1}">
-                <asvg:svgBlip xmlns:asvg="http://schemas.microsoft.com/office/drawing/2016/SVG/main" xmlns="" r:embed="rId3"/>
+                <asvg:svgBlip xmlns:asvg="http://schemas.microsoft.com/office/drawing/2016/SVG/main" r:embed="rId3"/>
               </a:ext>
             </a:extLst>
           </a:blip>
@@ -10620,13 +11492,26 @@
               </a:lnSpc>
             </a:pPr>
             <a:r>
-              <a:rPr lang="en-US" sz="8000" u="none">
+              <a:rPr lang="en-US" sz="8000" u="none" dirty="0" err="1">
                 <a:solidFill>
                   <a:srgbClr val="FFFFFF"/>
                 </a:solidFill>
-                <a:latin typeface="Open Sauce SemiBold"/>
+                <a:latin typeface="Open Sans SemiBold" pitchFamily="2" charset="0"/>
+                <a:ea typeface="Open Sans SemiBold" pitchFamily="2" charset="0"/>
+                <a:cs typeface="Open Sans SemiBold" pitchFamily="2" charset="0"/>
               </a:rPr>
-              <a:t>Famille de Couleurs</a:t>
+              <a:t>Famille</a:t>
+            </a:r>
+            <a:r>
+              <a:rPr lang="en-US" sz="8000" u="none" dirty="0">
+                <a:solidFill>
+                  <a:srgbClr val="FFFFFF"/>
+                </a:solidFill>
+                <a:latin typeface="Open Sans SemiBold" pitchFamily="2" charset="0"/>
+                <a:ea typeface="Open Sans SemiBold" pitchFamily="2" charset="0"/>
+                <a:cs typeface="Open Sans SemiBold" pitchFamily="2" charset="0"/>
+              </a:rPr>
+              <a:t> de Couleurs</a:t>
             </a:r>
           </a:p>
         </p:txBody>
@@ -10679,8 +11564,94 @@
         </p:nvSpPr>
         <p:spPr>
           <a:xfrm>
-            <a:off x="877627" y="5570547"/>
-            <a:ext cx="2349685" cy="300990"/>
+            <a:off x="1239893" y="5568608"/>
+            <a:ext cx="1653415" cy="300990"/>
+          </a:xfrm>
+          <a:prstGeom prst="rect">
+            <a:avLst/>
+          </a:prstGeom>
+        </p:spPr>
+        <p:txBody>
+          <a:bodyPr wrap="square" lIns="0" tIns="0" rIns="0" bIns="0" rtlCol="0" anchor="t">
+            <a:spAutoFit/>
+          </a:bodyPr>
+          <a:lstStyle/>
+          <a:p>
+            <a:pPr marL="0" lvl="0" indent="0">
+              <a:lnSpc>
+                <a:spcPts val="2560"/>
+              </a:lnSpc>
+              <a:spcBef>
+                <a:spcPct val="0"/>
+              </a:spcBef>
+            </a:pPr>
+            <a:r>
+              <a:rPr lang="en-US" sz="1600" dirty="0">
+                <a:solidFill>
+                  <a:srgbClr val="FFFFFF"/>
+                </a:solidFill>
+                <a:latin typeface="Open Sans SemiBold" pitchFamily="2" charset="0"/>
+                <a:ea typeface="Open Sans SemiBold" pitchFamily="2" charset="0"/>
+                <a:cs typeface="Open Sans SemiBold" pitchFamily="2" charset="0"/>
+              </a:rPr>
+              <a:t>CMYK 0, 0, 0, 100</a:t>
+            </a:r>
+          </a:p>
+        </p:txBody>
+      </p:sp>
+      <p:sp>
+        <p:nvSpPr>
+          <p:cNvPr id="16" name="TextBox 16"/>
+          <p:cNvSpPr txBox="1"/>
+          <p:nvPr/>
+        </p:nvSpPr>
+        <p:spPr>
+          <a:xfrm>
+            <a:off x="4797711" y="5575677"/>
+            <a:ext cx="1097729" cy="300990"/>
+          </a:xfrm>
+          <a:prstGeom prst="rect">
+            <a:avLst/>
+          </a:prstGeom>
+        </p:spPr>
+        <p:txBody>
+          <a:bodyPr wrap="square" lIns="0" tIns="0" rIns="0" bIns="0" rtlCol="0" anchor="t">
+            <a:spAutoFit/>
+          </a:bodyPr>
+          <a:lstStyle/>
+          <a:p>
+            <a:pPr marL="0" lvl="0" indent="0">
+              <a:lnSpc>
+                <a:spcPts val="2560"/>
+              </a:lnSpc>
+              <a:spcBef>
+                <a:spcPct val="0"/>
+              </a:spcBef>
+            </a:pPr>
+            <a:r>
+              <a:rPr lang="en-US" sz="1600" dirty="0">
+                <a:solidFill>
+                  <a:srgbClr val="FFFFFF"/>
+                </a:solidFill>
+                <a:latin typeface="Open Sans SemiBold" pitchFamily="2" charset="0"/>
+                <a:ea typeface="Open Sans SemiBold" pitchFamily="2" charset="0"/>
+                <a:cs typeface="Open Sans SemiBold" pitchFamily="2" charset="0"/>
+              </a:rPr>
+              <a:t>RGB 0, 0, 0</a:t>
+            </a:r>
+          </a:p>
+        </p:txBody>
+      </p:sp>
+      <p:sp>
+        <p:nvSpPr>
+          <p:cNvPr id="17" name="TextBox 17"/>
+          <p:cNvSpPr txBox="1"/>
+          <p:nvPr/>
+        </p:nvSpPr>
+        <p:spPr>
+          <a:xfrm>
+            <a:off x="1321958" y="3878425"/>
+            <a:ext cx="4224301" cy="300082"/>
           </a:xfrm>
           <a:prstGeom prst="rect">
             <a:avLst/>
@@ -10692,6 +11663,49 @@
           </a:bodyPr>
           <a:lstStyle/>
           <a:p>
+            <a:pPr marL="0" lvl="0" indent="0" algn="ctr">
+              <a:lnSpc>
+                <a:spcPts val="2520"/>
+              </a:lnSpc>
+              <a:spcBef>
+                <a:spcPct val="0"/>
+              </a:spcBef>
+            </a:pPr>
+            <a:r>
+              <a:rPr lang="en-US" sz="1800" spc="270" dirty="0">
+                <a:solidFill>
+                  <a:srgbClr val="FFFFFF"/>
+                </a:solidFill>
+                <a:latin typeface="Open Sans SemiBold" pitchFamily="2" charset="0"/>
+                <a:ea typeface="Open Sans SemiBold" pitchFamily="2" charset="0"/>
+                <a:cs typeface="Open Sans SemiBold" pitchFamily="2" charset="0"/>
+              </a:rPr>
+              <a:t>CODE HEXA #000000</a:t>
+            </a:r>
+          </a:p>
+        </p:txBody>
+      </p:sp>
+      <p:sp>
+        <p:nvSpPr>
+          <p:cNvPr id="18" name="TextBox 18"/>
+          <p:cNvSpPr txBox="1"/>
+          <p:nvPr/>
+        </p:nvSpPr>
+        <p:spPr>
+          <a:xfrm>
+            <a:off x="6637477" y="5572928"/>
+            <a:ext cx="1485017" cy="303096"/>
+          </a:xfrm>
+          <a:prstGeom prst="rect">
+            <a:avLst/>
+          </a:prstGeom>
+        </p:spPr>
+        <p:txBody>
+          <a:bodyPr wrap="square" lIns="0" tIns="0" rIns="0" bIns="0" rtlCol="0" anchor="t">
+            <a:spAutoFit/>
+          </a:bodyPr>
+          <a:lstStyle/>
+          <a:p>
             <a:pPr marL="0" lvl="0" indent="0">
               <a:lnSpc>
                 <a:spcPts val="2560"/>
@@ -10701,27 +11715,72 @@
               </a:spcBef>
             </a:pPr>
             <a:r>
-              <a:rPr lang="en-US" sz="1600">
+              <a:rPr lang="en-US" sz="1600" dirty="0">
                 <a:solidFill>
                   <a:srgbClr val="FFFFFF"/>
                 </a:solidFill>
-                <a:latin typeface="Open Sauce Light"/>
+                <a:latin typeface="Open Sans SemiBold" pitchFamily="2" charset="0"/>
+                <a:ea typeface="Open Sans SemiBold" pitchFamily="2" charset="0"/>
+                <a:cs typeface="Open Sans SemiBold" pitchFamily="2" charset="0"/>
               </a:rPr>
-              <a:t>CMYK 0, 0, 0, 100</a:t>
+              <a:t>CMYK 0, 0, 0, 0</a:t>
             </a:r>
           </a:p>
         </p:txBody>
       </p:sp>
       <p:sp>
         <p:nvSpPr>
-          <p:cNvPr id="16" name="TextBox 16"/>
+          <p:cNvPr id="19" name="TextBox 19"/>
           <p:cNvSpPr txBox="1"/>
           <p:nvPr/>
         </p:nvSpPr>
         <p:spPr>
           <a:xfrm>
-            <a:off x="3640906" y="5570547"/>
-            <a:ext cx="2349685" cy="300990"/>
+            <a:off x="9792072" y="5574624"/>
+            <a:ext cx="1762936" cy="303096"/>
+          </a:xfrm>
+          <a:prstGeom prst="rect">
+            <a:avLst/>
+          </a:prstGeom>
+        </p:spPr>
+        <p:txBody>
+          <a:bodyPr wrap="square" lIns="0" tIns="0" rIns="0" bIns="0" rtlCol="0" anchor="t">
+            <a:spAutoFit/>
+          </a:bodyPr>
+          <a:lstStyle/>
+          <a:p>
+            <a:pPr marL="0" lvl="0" indent="0">
+              <a:lnSpc>
+                <a:spcPts val="2560"/>
+              </a:lnSpc>
+              <a:spcBef>
+                <a:spcPct val="0"/>
+              </a:spcBef>
+            </a:pPr>
+            <a:r>
+              <a:rPr lang="en-US" sz="1600" dirty="0">
+                <a:solidFill>
+                  <a:srgbClr val="FFFFFF"/>
+                </a:solidFill>
+                <a:latin typeface="Open Sans SemiBold" pitchFamily="2" charset="0"/>
+                <a:ea typeface="Open Sans SemiBold" pitchFamily="2" charset="0"/>
+                <a:cs typeface="Open Sans SemiBold" pitchFamily="2" charset="0"/>
+              </a:rPr>
+              <a:t>RGB 255, 255, 255</a:t>
+            </a:r>
+          </a:p>
+        </p:txBody>
+      </p:sp>
+      <p:sp>
+        <p:nvSpPr>
+          <p:cNvPr id="20" name="TextBox 20"/>
+          <p:cNvSpPr txBox="1"/>
+          <p:nvPr/>
+        </p:nvSpPr>
+        <p:spPr>
+          <a:xfrm>
+            <a:off x="6880776" y="3881282"/>
+            <a:ext cx="4224301" cy="306705"/>
           </a:xfrm>
           <a:prstGeom prst="rect">
             <a:avLst/>
@@ -10733,6 +11792,49 @@
           </a:bodyPr>
           <a:lstStyle/>
           <a:p>
+            <a:pPr marL="0" lvl="0" indent="0" algn="ctr">
+              <a:lnSpc>
+                <a:spcPts val="2520"/>
+              </a:lnSpc>
+              <a:spcBef>
+                <a:spcPct val="0"/>
+              </a:spcBef>
+            </a:pPr>
+            <a:r>
+              <a:rPr lang="en-US" sz="1800" spc="270" dirty="0">
+                <a:solidFill>
+                  <a:srgbClr val="1B1B1B"/>
+                </a:solidFill>
+                <a:latin typeface="Open Sans SemiBold" pitchFamily="2" charset="0"/>
+                <a:ea typeface="Open Sans SemiBold" pitchFamily="2" charset="0"/>
+                <a:cs typeface="Open Sans SemiBold" pitchFamily="2" charset="0"/>
+              </a:rPr>
+              <a:t>CODE HEXA #FFFFFF</a:t>
+            </a:r>
+          </a:p>
+        </p:txBody>
+      </p:sp>
+      <p:sp>
+        <p:nvSpPr>
+          <p:cNvPr id="21" name="TextBox 21"/>
+          <p:cNvSpPr txBox="1"/>
+          <p:nvPr/>
+        </p:nvSpPr>
+        <p:spPr>
+          <a:xfrm>
+            <a:off x="12297409" y="5570547"/>
+            <a:ext cx="1599119" cy="300990"/>
+          </a:xfrm>
+          <a:prstGeom prst="rect">
+            <a:avLst/>
+          </a:prstGeom>
+        </p:spPr>
+        <p:txBody>
+          <a:bodyPr wrap="square" lIns="0" tIns="0" rIns="0" bIns="0" rtlCol="0" anchor="t">
+            <a:spAutoFit/>
+          </a:bodyPr>
+          <a:lstStyle/>
+          <a:p>
             <a:pPr marL="0" lvl="0" indent="0">
               <a:lnSpc>
                 <a:spcPts val="2560"/>
@@ -10742,27 +11844,72 @@
               </a:spcBef>
             </a:pPr>
             <a:r>
-              <a:rPr lang="en-US" sz="1600">
+              <a:rPr lang="en-US" sz="1600" dirty="0">
                 <a:solidFill>
                   <a:srgbClr val="FFFFFF"/>
                 </a:solidFill>
-                <a:latin typeface="Open Sauce Light"/>
+                <a:latin typeface="Open Sans SemiBold" pitchFamily="2" charset="0"/>
+                <a:ea typeface="Open Sans SemiBold" pitchFamily="2" charset="0"/>
+                <a:cs typeface="Open Sans SemiBold" pitchFamily="2" charset="0"/>
               </a:rPr>
-              <a:t>RGB 0, 0, 0</a:t>
+              <a:t>CMYK 0, 0, 0, 93</a:t>
             </a:r>
           </a:p>
         </p:txBody>
       </p:sp>
       <p:sp>
         <p:nvSpPr>
-          <p:cNvPr id="17" name="TextBox 17"/>
+          <p:cNvPr id="22" name="TextBox 22"/>
           <p:cNvSpPr txBox="1"/>
           <p:nvPr/>
         </p:nvSpPr>
         <p:spPr>
           <a:xfrm>
-            <a:off x="1321958" y="3878425"/>
-            <a:ext cx="4224301" cy="312420"/>
+            <a:off x="15730287" y="5568608"/>
+            <a:ext cx="1428128" cy="300990"/>
+          </a:xfrm>
+          <a:prstGeom prst="rect">
+            <a:avLst/>
+          </a:prstGeom>
+        </p:spPr>
+        <p:txBody>
+          <a:bodyPr wrap="square" lIns="0" tIns="0" rIns="0" bIns="0" rtlCol="0" anchor="t">
+            <a:spAutoFit/>
+          </a:bodyPr>
+          <a:lstStyle/>
+          <a:p>
+            <a:pPr marL="0" lvl="0" indent="0">
+              <a:lnSpc>
+                <a:spcPts val="2560"/>
+              </a:lnSpc>
+              <a:spcBef>
+                <a:spcPct val="0"/>
+              </a:spcBef>
+            </a:pPr>
+            <a:r>
+              <a:rPr lang="en-US" sz="1600" dirty="0">
+                <a:solidFill>
+                  <a:srgbClr val="FFFFFF"/>
+                </a:solidFill>
+                <a:latin typeface="Open Sans SemiBold" pitchFamily="2" charset="0"/>
+                <a:ea typeface="Open Sans SemiBold" pitchFamily="2" charset="0"/>
+                <a:cs typeface="Open Sans SemiBold" pitchFamily="2" charset="0"/>
+              </a:rPr>
+              <a:t>RGB 19, 19, 19</a:t>
+            </a:r>
+          </a:p>
+        </p:txBody>
+      </p:sp>
+      <p:sp>
+        <p:nvSpPr>
+          <p:cNvPr id="23" name="TextBox 23"/>
+          <p:cNvSpPr txBox="1"/>
+          <p:nvPr/>
+        </p:nvSpPr>
+        <p:spPr>
+          <a:xfrm>
+            <a:off x="14201274" y="982980"/>
+            <a:ext cx="3058026" cy="365760"/>
           </a:xfrm>
           <a:prstGeom prst="rect">
             <a:avLst/>
@@ -10774,36 +11921,33 @@
           </a:bodyPr>
           <a:lstStyle/>
           <a:p>
-            <a:pPr marL="0" lvl="0" indent="0" algn="ctr">
+            <a:pPr algn="r">
               <a:lnSpc>
-                <a:spcPts val="2520"/>
+                <a:spcPts val="2940"/>
               </a:lnSpc>
-              <a:spcBef>
-                <a:spcPct val="0"/>
-              </a:spcBef>
             </a:pPr>
             <a:r>
-              <a:rPr lang="en-US" sz="1800" spc="270">
+              <a:rPr lang="en-US" sz="2100">
                 <a:solidFill>
                   <a:srgbClr val="FFFFFF"/>
                 </a:solidFill>
-                <a:latin typeface="Open Sauce Light"/>
+                <a:latin typeface="Open Sauce Bold"/>
               </a:rPr>
-              <a:t>CODE HEXA #000000</a:t>
+              <a:t>PORTFOLIO_</a:t>
             </a:r>
           </a:p>
         </p:txBody>
       </p:sp>
       <p:sp>
         <p:nvSpPr>
-          <p:cNvPr id="18" name="TextBox 18"/>
+          <p:cNvPr id="24" name="TextBox 24"/>
           <p:cNvSpPr txBox="1"/>
           <p:nvPr/>
         </p:nvSpPr>
         <p:spPr>
           <a:xfrm>
-            <a:off x="6578863" y="5571817"/>
-            <a:ext cx="2349685" cy="299720"/>
+            <a:off x="2354561" y="7326722"/>
+            <a:ext cx="4224301" cy="300082"/>
           </a:xfrm>
           <a:prstGeom prst="rect">
             <a:avLst/>
@@ -10815,36 +11959,38 @@
           </a:bodyPr>
           <a:lstStyle/>
           <a:p>
-            <a:pPr marL="0" lvl="0" indent="0">
+            <a:pPr marL="0" lvl="0" indent="0" algn="ctr">
               <a:lnSpc>
-                <a:spcPts val="2560"/>
+                <a:spcPts val="2520"/>
               </a:lnSpc>
               <a:spcBef>
                 <a:spcPct val="0"/>
               </a:spcBef>
             </a:pPr>
             <a:r>
-              <a:rPr lang="en-US" sz="1600">
+              <a:rPr lang="en-US" sz="1800" spc="270" dirty="0">
                 <a:solidFill>
                   <a:srgbClr val="FFFFFF"/>
                 </a:solidFill>
-                <a:latin typeface="Open Sauce Light"/>
+                <a:latin typeface="Open Sans SemiBold" pitchFamily="2" charset="0"/>
+                <a:ea typeface="Open Sans SemiBold" pitchFamily="2" charset="0"/>
+                <a:cs typeface="Open Sans SemiBold" pitchFamily="2" charset="0"/>
               </a:rPr>
-              <a:t>CMYK 0, 0, 0, 0</a:t>
+              <a:t>CODE HEXA #04009D</a:t>
             </a:r>
           </a:p>
         </p:txBody>
       </p:sp>
       <p:sp>
         <p:nvSpPr>
-          <p:cNvPr id="19" name="TextBox 19"/>
+          <p:cNvPr id="25" name="TextBox 25"/>
           <p:cNvSpPr txBox="1"/>
           <p:nvPr/>
         </p:nvSpPr>
         <p:spPr>
           <a:xfrm>
-            <a:off x="9342141" y="5571817"/>
-            <a:ext cx="2349685" cy="299720"/>
+            <a:off x="11691826" y="7326722"/>
+            <a:ext cx="4224301" cy="300082"/>
           </a:xfrm>
           <a:prstGeom prst="rect">
             <a:avLst/>
@@ -10856,36 +12002,38 @@
           </a:bodyPr>
           <a:lstStyle/>
           <a:p>
-            <a:pPr marL="0" lvl="0" indent="0">
+            <a:pPr marL="0" lvl="0" indent="0" algn="ctr">
               <a:lnSpc>
-                <a:spcPts val="2560"/>
+                <a:spcPts val="2520"/>
               </a:lnSpc>
               <a:spcBef>
                 <a:spcPct val="0"/>
               </a:spcBef>
             </a:pPr>
             <a:r>
-              <a:rPr lang="en-US" sz="1600">
+              <a:rPr lang="en-US" sz="1800" spc="270" dirty="0">
                 <a:solidFill>
                   <a:srgbClr val="FFFFFF"/>
                 </a:solidFill>
-                <a:latin typeface="Open Sauce Light"/>
+                <a:latin typeface="Open Sans SemiBold" pitchFamily="2" charset="0"/>
+                <a:ea typeface="Open Sans SemiBold" pitchFamily="2" charset="0"/>
+                <a:cs typeface="Open Sans SemiBold" pitchFamily="2" charset="0"/>
               </a:rPr>
-              <a:t>RGB 255, 255, 255</a:t>
+              <a:t>CODE HEXA #06004D</a:t>
             </a:r>
           </a:p>
         </p:txBody>
       </p:sp>
       <p:sp>
         <p:nvSpPr>
-          <p:cNvPr id="20" name="TextBox 20"/>
+          <p:cNvPr id="26" name="TextBox 26"/>
           <p:cNvSpPr txBox="1"/>
           <p:nvPr/>
         </p:nvSpPr>
         <p:spPr>
           <a:xfrm>
-            <a:off x="6880776" y="3881282"/>
-            <a:ext cx="4224301" cy="306705"/>
+            <a:off x="3020058" y="7722634"/>
+            <a:ext cx="2349685" cy="300990"/>
           </a:xfrm>
           <a:prstGeom prst="rect">
             <a:avLst/>
@@ -10897,35 +12045,37 @@
           </a:bodyPr>
           <a:lstStyle/>
           <a:p>
-            <a:pPr marL="0" lvl="0" indent="0" algn="ctr">
+            <a:pPr marL="0" lvl="0" indent="0">
               <a:lnSpc>
-                <a:spcPts val="2520"/>
+                <a:spcPts val="2560"/>
               </a:lnSpc>
               <a:spcBef>
                 <a:spcPct val="0"/>
               </a:spcBef>
             </a:pPr>
             <a:r>
-              <a:rPr lang="en-US" sz="1800" spc="270">
-                <a:solidFill>
-                  <a:srgbClr val="1B1B1B"/>
-                </a:solidFill>
-                <a:latin typeface="Open Sauce Light"/>
+              <a:rPr lang="en-US" sz="1600" dirty="0">
+                <a:solidFill>
+                  <a:srgbClr val="FFFFFF"/>
+                </a:solidFill>
+                <a:latin typeface="Open Sans SemiBold" pitchFamily="2" charset="0"/>
+                <a:ea typeface="Open Sans SemiBold" pitchFamily="2" charset="0"/>
+                <a:cs typeface="Open Sans SemiBold" pitchFamily="2" charset="0"/>
               </a:rPr>
-              <a:t>CODE HEXA #FFFFFF</a:t>
+              <a:t>CMYK 97,100, 0, 38</a:t>
             </a:r>
           </a:p>
         </p:txBody>
       </p:sp>
       <p:sp>
         <p:nvSpPr>
-          <p:cNvPr id="21" name="TextBox 21"/>
+          <p:cNvPr id="27" name="TextBox 27"/>
           <p:cNvSpPr txBox="1"/>
           <p:nvPr/>
         </p:nvSpPr>
         <p:spPr>
           <a:xfrm>
-            <a:off x="12297409" y="5570547"/>
+            <a:off x="3020058" y="8085313"/>
             <a:ext cx="2349685" cy="300990"/>
           </a:xfrm>
           <a:prstGeom prst="rect">
@@ -10947,26 +12097,28 @@
               </a:spcBef>
             </a:pPr>
             <a:r>
-              <a:rPr lang="en-US" sz="1600">
+              <a:rPr lang="en-US" sz="1600" dirty="0">
                 <a:solidFill>
                   <a:srgbClr val="FFFFFF"/>
                 </a:solidFill>
-                <a:latin typeface="Open Sauce Light"/>
+                <a:latin typeface="Open Sans SemiBold" pitchFamily="2" charset="0"/>
+                <a:ea typeface="Open Sans SemiBold" pitchFamily="2" charset="0"/>
+                <a:cs typeface="Open Sans SemiBold" pitchFamily="2" charset="0"/>
               </a:rPr>
-              <a:t>CMYK 0, 0, 0, 93</a:t>
+              <a:t>RGB 04, 00, 157</a:t>
             </a:r>
           </a:p>
         </p:txBody>
       </p:sp>
       <p:sp>
         <p:nvSpPr>
-          <p:cNvPr id="22" name="TextBox 22"/>
+          <p:cNvPr id="28" name="TextBox 28"/>
           <p:cNvSpPr txBox="1"/>
           <p:nvPr/>
         </p:nvSpPr>
         <p:spPr>
           <a:xfrm>
-            <a:off x="15060688" y="5570547"/>
+            <a:off x="12384360" y="7722634"/>
             <a:ext cx="2349685" cy="300990"/>
           </a:xfrm>
           <a:prstGeom prst="rect">
@@ -10988,27 +12140,29 @@
               </a:spcBef>
             </a:pPr>
             <a:r>
-              <a:rPr lang="en-US" sz="1600">
+              <a:rPr lang="en-US" sz="1600" dirty="0">
                 <a:solidFill>
                   <a:srgbClr val="FFFFFF"/>
                 </a:solidFill>
-                <a:latin typeface="Open Sauce Light"/>
+                <a:latin typeface="Open Sans SemiBold" pitchFamily="2" charset="0"/>
+                <a:ea typeface="Open Sans SemiBold" pitchFamily="2" charset="0"/>
+                <a:cs typeface="Open Sans SemiBold" pitchFamily="2" charset="0"/>
               </a:rPr>
-              <a:t>RGB 19, 19, 19</a:t>
+              <a:t>CMYK 92,100, 0, 70</a:t>
             </a:r>
           </a:p>
         </p:txBody>
       </p:sp>
       <p:sp>
         <p:nvSpPr>
-          <p:cNvPr id="23" name="TextBox 23"/>
+          <p:cNvPr id="29" name="TextBox 29"/>
           <p:cNvSpPr txBox="1"/>
           <p:nvPr/>
         </p:nvSpPr>
         <p:spPr>
           <a:xfrm>
-            <a:off x="14201274" y="982980"/>
-            <a:ext cx="3058026" cy="365760"/>
+            <a:off x="12384360" y="8085313"/>
+            <a:ext cx="2349685" cy="300990"/>
           </a:xfrm>
           <a:prstGeom prst="rect">
             <a:avLst/>
@@ -11020,126 +12174,6 @@
           </a:bodyPr>
           <a:lstStyle/>
           <a:p>
-            <a:pPr algn="r">
-              <a:lnSpc>
-                <a:spcPts val="2940"/>
-              </a:lnSpc>
-            </a:pPr>
-            <a:r>
-              <a:rPr lang="en-US" sz="2100">
-                <a:solidFill>
-                  <a:srgbClr val="FFFFFF"/>
-                </a:solidFill>
-                <a:latin typeface="Open Sauce Bold"/>
-              </a:rPr>
-              <a:t>PORTFOLIO_</a:t>
-            </a:r>
-          </a:p>
-        </p:txBody>
-      </p:sp>
-      <p:sp>
-        <p:nvSpPr>
-          <p:cNvPr id="24" name="TextBox 24"/>
-          <p:cNvSpPr txBox="1"/>
-          <p:nvPr/>
-        </p:nvSpPr>
-        <p:spPr>
-          <a:xfrm>
-            <a:off x="2354561" y="7326722"/>
-            <a:ext cx="4224301" cy="312420"/>
-          </a:xfrm>
-          <a:prstGeom prst="rect">
-            <a:avLst/>
-          </a:prstGeom>
-        </p:spPr>
-        <p:txBody>
-          <a:bodyPr lIns="0" tIns="0" rIns="0" bIns="0" rtlCol="0" anchor="t">
-            <a:spAutoFit/>
-          </a:bodyPr>
-          <a:lstStyle/>
-          <a:p>
-            <a:pPr marL="0" lvl="0" indent="0" algn="ctr">
-              <a:lnSpc>
-                <a:spcPts val="2520"/>
-              </a:lnSpc>
-              <a:spcBef>
-                <a:spcPct val="0"/>
-              </a:spcBef>
-            </a:pPr>
-            <a:r>
-              <a:rPr lang="en-US" sz="1800" spc="270">
-                <a:solidFill>
-                  <a:srgbClr val="FFFFFF"/>
-                </a:solidFill>
-                <a:latin typeface="Open Sauce Light"/>
-              </a:rPr>
-              <a:t>CODE HEXA #04009D</a:t>
-            </a:r>
-          </a:p>
-        </p:txBody>
-      </p:sp>
-      <p:sp>
-        <p:nvSpPr>
-          <p:cNvPr id="25" name="TextBox 25"/>
-          <p:cNvSpPr txBox="1"/>
-          <p:nvPr/>
-        </p:nvSpPr>
-        <p:spPr>
-          <a:xfrm>
-            <a:off x="11691826" y="7326722"/>
-            <a:ext cx="4224301" cy="312420"/>
-          </a:xfrm>
-          <a:prstGeom prst="rect">
-            <a:avLst/>
-          </a:prstGeom>
-        </p:spPr>
-        <p:txBody>
-          <a:bodyPr lIns="0" tIns="0" rIns="0" bIns="0" rtlCol="0" anchor="t">
-            <a:spAutoFit/>
-          </a:bodyPr>
-          <a:lstStyle/>
-          <a:p>
-            <a:pPr marL="0" lvl="0" indent="0" algn="ctr">
-              <a:lnSpc>
-                <a:spcPts val="2520"/>
-              </a:lnSpc>
-              <a:spcBef>
-                <a:spcPct val="0"/>
-              </a:spcBef>
-            </a:pPr>
-            <a:r>
-              <a:rPr lang="en-US" sz="1800" spc="270">
-                <a:solidFill>
-                  <a:srgbClr val="FFFFFF"/>
-                </a:solidFill>
-                <a:latin typeface="Open Sauce Light"/>
-              </a:rPr>
-              <a:t>CODE HEXA #06004D</a:t>
-            </a:r>
-          </a:p>
-        </p:txBody>
-      </p:sp>
-      <p:sp>
-        <p:nvSpPr>
-          <p:cNvPr id="26" name="TextBox 26"/>
-          <p:cNvSpPr txBox="1"/>
-          <p:nvPr/>
-        </p:nvSpPr>
-        <p:spPr>
-          <a:xfrm>
-            <a:off x="2950021" y="7844554"/>
-            <a:ext cx="2349685" cy="300990"/>
-          </a:xfrm>
-          <a:prstGeom prst="rect">
-            <a:avLst/>
-          </a:prstGeom>
-        </p:spPr>
-        <p:txBody>
-          <a:bodyPr lIns="0" tIns="0" rIns="0" bIns="0" rtlCol="0" anchor="t">
-            <a:spAutoFit/>
-          </a:bodyPr>
-          <a:lstStyle/>
-          <a:p>
             <a:pPr marL="0" lvl="0" indent="0">
               <a:lnSpc>
                 <a:spcPts val="2560"/>
@@ -11153,130 +12187,9 @@
                 <a:solidFill>
                   <a:srgbClr val="FFFFFF"/>
                 </a:solidFill>
-                <a:latin typeface="Open Sauce Light"/>
-              </a:rPr>
-              <a:t>CMYK 97,100, 0, 38</a:t>
-            </a:r>
-          </a:p>
-        </p:txBody>
-      </p:sp>
-      <p:sp>
-        <p:nvSpPr>
-          <p:cNvPr id="27" name="TextBox 27"/>
-          <p:cNvSpPr txBox="1"/>
-          <p:nvPr/>
-        </p:nvSpPr>
-        <p:spPr>
-          <a:xfrm>
-            <a:off x="2950021" y="8207233"/>
-            <a:ext cx="2349685" cy="300990"/>
-          </a:xfrm>
-          <a:prstGeom prst="rect">
-            <a:avLst/>
-          </a:prstGeom>
-        </p:spPr>
-        <p:txBody>
-          <a:bodyPr lIns="0" tIns="0" rIns="0" bIns="0" rtlCol="0" anchor="t">
-            <a:spAutoFit/>
-          </a:bodyPr>
-          <a:lstStyle/>
-          <a:p>
-            <a:pPr marL="0" lvl="0" indent="0">
-              <a:lnSpc>
-                <a:spcPts val="2560"/>
-              </a:lnSpc>
-              <a:spcBef>
-                <a:spcPct val="0"/>
-              </a:spcBef>
-            </a:pPr>
-            <a:r>
-              <a:rPr lang="en-US" sz="1600">
-                <a:solidFill>
-                  <a:srgbClr val="FFFFFF"/>
-                </a:solidFill>
-                <a:latin typeface="Open Sauce Light"/>
-              </a:rPr>
-              <a:t>RGB 04, 00, 157</a:t>
-            </a:r>
-          </a:p>
-        </p:txBody>
-      </p:sp>
-      <p:sp>
-        <p:nvSpPr>
-          <p:cNvPr id="28" name="TextBox 28"/>
-          <p:cNvSpPr txBox="1"/>
-          <p:nvPr/>
-        </p:nvSpPr>
-        <p:spPr>
-          <a:xfrm>
-            <a:off x="12297409" y="7722634"/>
-            <a:ext cx="2349685" cy="300990"/>
-          </a:xfrm>
-          <a:prstGeom prst="rect">
-            <a:avLst/>
-          </a:prstGeom>
-        </p:spPr>
-        <p:txBody>
-          <a:bodyPr lIns="0" tIns="0" rIns="0" bIns="0" rtlCol="0" anchor="t">
-            <a:spAutoFit/>
-          </a:bodyPr>
-          <a:lstStyle/>
-          <a:p>
-            <a:pPr marL="0" lvl="0" indent="0">
-              <a:lnSpc>
-                <a:spcPts val="2560"/>
-              </a:lnSpc>
-              <a:spcBef>
-                <a:spcPct val="0"/>
-              </a:spcBef>
-            </a:pPr>
-            <a:r>
-              <a:rPr lang="en-US" sz="1600">
-                <a:solidFill>
-                  <a:srgbClr val="FFFFFF"/>
-                </a:solidFill>
-                <a:latin typeface="Open Sauce Light"/>
-              </a:rPr>
-              <a:t>CMYK 92,100, 0, 70</a:t>
-            </a:r>
-          </a:p>
-        </p:txBody>
-      </p:sp>
-      <p:sp>
-        <p:nvSpPr>
-          <p:cNvPr id="29" name="TextBox 29"/>
-          <p:cNvSpPr txBox="1"/>
-          <p:nvPr/>
-        </p:nvSpPr>
-        <p:spPr>
-          <a:xfrm>
-            <a:off x="12297409" y="8085313"/>
-            <a:ext cx="2349685" cy="300990"/>
-          </a:xfrm>
-          <a:prstGeom prst="rect">
-            <a:avLst/>
-          </a:prstGeom>
-        </p:spPr>
-        <p:txBody>
-          <a:bodyPr lIns="0" tIns="0" rIns="0" bIns="0" rtlCol="0" anchor="t">
-            <a:spAutoFit/>
-          </a:bodyPr>
-          <a:lstStyle/>
-          <a:p>
-            <a:pPr marL="0" lvl="0" indent="0">
-              <a:lnSpc>
-                <a:spcPts val="2560"/>
-              </a:lnSpc>
-              <a:spcBef>
-                <a:spcPct val="0"/>
-              </a:spcBef>
-            </a:pPr>
-            <a:r>
-              <a:rPr lang="en-US" sz="1600">
-                <a:solidFill>
-                  <a:srgbClr val="FFFFFF"/>
-                </a:solidFill>
-                <a:latin typeface="Open Sauce Light"/>
+                <a:latin typeface="Open Sans SemiBold" pitchFamily="2" charset="0"/>
+                <a:ea typeface="Open Sans SemiBold" pitchFamily="2" charset="0"/>
+                <a:cs typeface="Open Sans SemiBold" pitchFamily="2" charset="0"/>
               </a:rPr>
               <a:t>RGB 06, 00, 77</a:t>
             </a:r>
@@ -11288,13 +12201,6 @@
   <p:clrMapOvr>
     <a:masterClrMapping/>
   </p:clrMapOvr>
-  <p:timing>
-    <p:tnLst>
-      <p:par>
-        <p:cTn id="1" dur="indefinite" restart="never" nodeType="tmRoot"/>
-      </p:par>
-    </p:tnLst>
-  </p:timing>
 </p:sld>
 </file>
 
@@ -11639,11 +12545,13 @@
               </a:lnSpc>
             </a:pPr>
             <a:r>
-              <a:rPr lang="en-US" sz="8000">
+              <a:rPr lang="en-US" sz="8000" dirty="0">
                 <a:solidFill>
                   <a:srgbClr val="FFFFFF"/>
                 </a:solidFill>
-                <a:latin typeface="Open Sauce SemiBold"/>
+                <a:latin typeface="Open Sans SemiBold" pitchFamily="2" charset="0"/>
+                <a:ea typeface="Open Sans SemiBold" pitchFamily="2" charset="0"/>
+                <a:cs typeface="Open Sans SemiBold" pitchFamily="2" charset="0"/>
               </a:rPr>
               <a:t>Logo</a:t>
             </a:r>
@@ -11677,11 +12585,13 @@
               </a:lnSpc>
             </a:pPr>
             <a:r>
-              <a:rPr lang="en-US" sz="4200">
+              <a:rPr lang="en-US" sz="4200" dirty="0">
                 <a:solidFill>
                   <a:srgbClr val="FFFFFF"/>
                 </a:solidFill>
-                <a:latin typeface="Open Sauce Light"/>
+                <a:latin typeface="Open Sans SemiBold" pitchFamily="2" charset="0"/>
+                <a:ea typeface="Open Sans SemiBold" pitchFamily="2" charset="0"/>
+                <a:cs typeface="Open Sans SemiBold" pitchFamily="2" charset="0"/>
               </a:rPr>
               <a:t> logo</a:t>
             </a:r>
@@ -11719,7 +12629,9 @@
                 <a:solidFill>
                   <a:srgbClr val="FFFFFF"/>
                 </a:solidFill>
-                <a:latin typeface="Open Sauce Light"/>
+                <a:latin typeface="Open Sans SemiBold" pitchFamily="2" charset="0"/>
+                <a:ea typeface="Open Sans SemiBold" pitchFamily="2" charset="0"/>
+                <a:cs typeface="Open Sans SemiBold" pitchFamily="2" charset="0"/>
               </a:rPr>
               <a:t> Favicon</a:t>
             </a:r>
@@ -11775,7 +12687,7 @@
         <p:spPr>
           <a:xfrm>
             <a:off x="14201274" y="982980"/>
-            <a:ext cx="3058026" cy="365760"/>
+            <a:ext cx="3058026" cy="349711"/>
           </a:xfrm>
           <a:prstGeom prst="rect">
             <a:avLst/>
@@ -11793,13 +12705,24 @@
               </a:lnSpc>
             </a:pPr>
             <a:r>
-              <a:rPr lang="en-US" sz="2100">
+              <a:rPr lang="en-US" sz="2100" dirty="0">
+                <a:solidFill>
+                  <a:srgbClr val="FFFFFF"/>
+                </a:solidFill>
+                <a:latin typeface="Open Sans SemiBold" pitchFamily="2" charset="0"/>
+                <a:ea typeface="Open Sans SemiBold" pitchFamily="2" charset="0"/>
+                <a:cs typeface="Open Sans SemiBold" pitchFamily="2" charset="0"/>
+              </a:rPr>
+              <a:t>PORTFOLIO</a:t>
+            </a:r>
+            <a:r>
+              <a:rPr lang="en-US" sz="2100" dirty="0">
                 <a:solidFill>
                   <a:srgbClr val="FFFFFF"/>
                 </a:solidFill>
                 <a:latin typeface="Open Sauce Bold"/>
               </a:rPr>
-              <a:t>PORTFOLIO_</a:t>
+              <a:t>_</a:t>
             </a:r>
           </a:p>
         </p:txBody>
@@ -11813,7 +12736,7 @@
         <p:spPr>
           <a:xfrm>
             <a:off x="11240772" y="4658672"/>
-            <a:ext cx="2193561" cy="186712"/>
+            <a:ext cx="2193561" cy="191078"/>
           </a:xfrm>
           <a:prstGeom prst="rect">
             <a:avLst/>
@@ -11834,11 +12757,13 @@
               </a:spcBef>
             </a:pPr>
             <a:r>
-              <a:rPr lang="en-US" sz="1123" spc="168">
+              <a:rPr lang="en-US" sz="1123" spc="168" dirty="0">
                 <a:solidFill>
                   <a:srgbClr val="FFFFFF"/>
                 </a:solidFill>
-                <a:latin typeface="Open Sauce Light"/>
+                <a:latin typeface="Open Sans SemiBold" pitchFamily="2" charset="0"/>
+                <a:ea typeface="Open Sans SemiBold" pitchFamily="2" charset="0"/>
+                <a:cs typeface="Open Sans SemiBold" pitchFamily="2" charset="0"/>
               </a:rPr>
               <a:t>#000000</a:t>
             </a:r>
@@ -11854,7 +12779,7 @@
         <p:spPr>
           <a:xfrm>
             <a:off x="11242800" y="6541351"/>
-            <a:ext cx="2193561" cy="181012"/>
+            <a:ext cx="2193561" cy="191078"/>
           </a:xfrm>
           <a:prstGeom prst="rect">
             <a:avLst/>
@@ -11879,7 +12804,9 @@
                 <a:solidFill>
                   <a:srgbClr val="000000"/>
                 </a:solidFill>
-                <a:latin typeface="Open Sauce Light"/>
+                <a:latin typeface="Open Sans SemiBold" pitchFamily="2" charset="0"/>
+                <a:ea typeface="Open Sans SemiBold" pitchFamily="2" charset="0"/>
+                <a:cs typeface="Open Sans SemiBold" pitchFamily="2" charset="0"/>
               </a:rPr>
               <a:t>#E3E3E3</a:t>
             </a:r>
@@ -11950,14 +12877,14 @@
         <p:spPr>
           <a:xfrm>
             <a:off x="11242800" y="8397824"/>
-            <a:ext cx="2193561" cy="181012"/>
+            <a:ext cx="2193561" cy="191912"/>
           </a:xfrm>
           <a:prstGeom prst="rect">
             <a:avLst/>
           </a:prstGeom>
         </p:spPr>
         <p:txBody>
-          <a:bodyPr lIns="0" tIns="0" rIns="0" bIns="0" rtlCol="0" anchor="t">
+          <a:bodyPr wrap="square" lIns="0" tIns="0" rIns="0" bIns="0" rtlCol="0" anchor="t">
             <a:spAutoFit/>
           </a:bodyPr>
           <a:lstStyle/>
@@ -11975,7 +12902,9 @@
                 <a:solidFill>
                   <a:srgbClr val="000000"/>
                 </a:solidFill>
-                <a:latin typeface="Open Sauce Light"/>
+                <a:latin typeface="Open Sans SemiBold" pitchFamily="2" charset="0"/>
+                <a:ea typeface="Open Sans SemiBold" pitchFamily="2" charset="0"/>
+                <a:cs typeface="Open Sans SemiBold" pitchFamily="2" charset="0"/>
               </a:rPr>
               <a:t>#FFFFFF</a:t>
             </a:r>
@@ -12046,13 +12975,6 @@
   <p:clrMapOvr>
     <a:masterClrMapping/>
   </p:clrMapOvr>
-  <p:timing>
-    <p:tnLst>
-      <p:par>
-        <p:cTn id="1" dur="indefinite" restart="never" nodeType="tmRoot"/>
-      </p:par>
-    </p:tnLst>
-  </p:timing>
 </p:sld>
 </file>
 
@@ -12089,10 +13011,10 @@
         </p:nvGrpSpPr>
         <p:grpSpPr>
           <a:xfrm>
-            <a:off x="925013" y="1028700"/>
-            <a:ext cx="11915611" cy="3081099"/>
-            <a:chOff x="0" y="0"/>
-            <a:chExt cx="15887482" cy="4108132"/>
+            <a:off x="925013" y="1078706"/>
+            <a:ext cx="11915611" cy="3059078"/>
+            <a:chOff x="0" y="66675"/>
+            <a:chExt cx="15887482" cy="4078770"/>
           </a:xfrm>
         </p:grpSpPr>
         <p:sp>
@@ -12125,11 +13047,13 @@
                 </a:spcBef>
               </a:pPr>
               <a:r>
-                <a:rPr lang="en-US" sz="1800" u="none" spc="270">
-                  <a:solidFill>
-                    <a:srgbClr val="FFFFFF"/>
-                  </a:solidFill>
-                  <a:latin typeface="Open Sauce Light"/>
+                <a:rPr lang="en-US" sz="1800" u="none" spc="270" dirty="0">
+                  <a:solidFill>
+                    <a:srgbClr val="FFFFFF"/>
+                  </a:solidFill>
+                  <a:latin typeface="Open Sans SemiBold" pitchFamily="2" charset="0"/>
+                  <a:ea typeface="Open Sans SemiBold" pitchFamily="2" charset="0"/>
+                  <a:cs typeface="Open Sans SemiBold" pitchFamily="2" charset="0"/>
                 </a:rPr>
                 <a:t>POUR LES TITRES</a:t>
               </a:r>
@@ -12204,7 +13128,7 @@
           <p:spPr>
             <a:xfrm>
               <a:off x="0" y="3198177"/>
-              <a:ext cx="15862934" cy="909955"/>
+              <a:ext cx="15862934" cy="947268"/>
             </a:xfrm>
             <a:prstGeom prst="rect">
               <a:avLst/>
@@ -12225,284 +13149,277 @@
                 </a:spcBef>
               </a:pPr>
               <a:r>
-                <a:rPr lang="en-US" sz="1800" u="none" dirty="0">
-                  <a:solidFill>
-                    <a:srgbClr val="FFFFFF"/>
-                  </a:solidFill>
-                  <a:latin typeface="Open Sauce Light"/>
-                </a:rPr>
-                <a:t>Les </a:t>
-              </a:r>
-              <a:r>
-                <a:rPr lang="en-US" sz="1800" u="none" dirty="0" err="1">
-                  <a:solidFill>
-                    <a:srgbClr val="FFFFFF"/>
-                  </a:solidFill>
-                  <a:latin typeface="Open Sauce Light"/>
-                </a:rPr>
-                <a:t>présentations</a:t>
-              </a:r>
-              <a:r>
-                <a:rPr lang="en-US" sz="1800" u="none" dirty="0">
-                  <a:solidFill>
-                    <a:srgbClr val="FFFFFF"/>
-                  </a:solidFill>
-                  <a:latin typeface="Open Sauce Light"/>
+                <a:rPr lang="en-US" dirty="0" err="1">
+                  <a:solidFill>
+                    <a:srgbClr val="FFFFFF"/>
+                  </a:solidFill>
+                  <a:latin typeface="Open Sans" pitchFamily="2" charset="0"/>
+                  <a:ea typeface="Open Sans" pitchFamily="2" charset="0"/>
+                  <a:cs typeface="Open Sans" pitchFamily="2" charset="0"/>
+                </a:rPr>
+                <a:t>J’ai</a:t>
+              </a:r>
+              <a:r>
+                <a:rPr lang="en-US" dirty="0">
+                  <a:solidFill>
+                    <a:srgbClr val="FFFFFF"/>
+                  </a:solidFill>
+                  <a:latin typeface="Open Sans" pitchFamily="2" charset="0"/>
+                  <a:ea typeface="Open Sans" pitchFamily="2" charset="0"/>
+                  <a:cs typeface="Open Sans" pitchFamily="2" charset="0"/>
                 </a:rPr>
                 <a:t> </a:t>
               </a:r>
               <a:r>
-                <a:rPr lang="en-US" sz="1800" u="none" dirty="0" err="1">
-                  <a:solidFill>
-                    <a:srgbClr val="FFFFFF"/>
-                  </a:solidFill>
-                  <a:latin typeface="Open Sauce Light"/>
-                </a:rPr>
-                <a:t>sont</a:t>
-              </a:r>
-              <a:r>
-                <a:rPr lang="en-US" sz="1800" u="none" dirty="0">
-                  <a:solidFill>
-                    <a:srgbClr val="FFFFFF"/>
-                  </a:solidFill>
-                  <a:latin typeface="Open Sauce Light"/>
-                </a:rPr>
-                <a:t> des </a:t>
-              </a:r>
-              <a:r>
-                <a:rPr lang="en-US" sz="1800" u="none" dirty="0" err="1">
-                  <a:solidFill>
-                    <a:srgbClr val="FFFFFF"/>
-                  </a:solidFill>
-                  <a:latin typeface="Open Sauce Light"/>
-                </a:rPr>
-                <a:t>outils</a:t>
-              </a:r>
-              <a:r>
-                <a:rPr lang="en-US" sz="1800" u="none" dirty="0">
-                  <a:solidFill>
-                    <a:srgbClr val="FFFFFF"/>
-                  </a:solidFill>
-                  <a:latin typeface="Open Sauce Light"/>
-                </a:rPr>
-                <a:t> de communication </a:t>
-              </a:r>
-              <a:r>
-                <a:rPr lang="en-US" sz="1800" u="none" dirty="0" err="1">
-                  <a:solidFill>
-                    <a:srgbClr val="FFFFFF"/>
-                  </a:solidFill>
-                  <a:latin typeface="Open Sauce Light"/>
-                </a:rPr>
-                <a:t>pouvant</a:t>
-              </a:r>
-              <a:r>
-                <a:rPr lang="en-US" sz="1800" u="none" dirty="0">
-                  <a:solidFill>
-                    <a:srgbClr val="FFFFFF"/>
-                  </a:solidFill>
-                  <a:latin typeface="Open Sauce Light"/>
+                <a:rPr lang="en-US" dirty="0" err="1">
+                  <a:solidFill>
+                    <a:srgbClr val="FFFFFF"/>
+                  </a:solidFill>
+                  <a:latin typeface="Open Sans" pitchFamily="2" charset="0"/>
+                  <a:ea typeface="Open Sans" pitchFamily="2" charset="0"/>
+                  <a:cs typeface="Open Sans" pitchFamily="2" charset="0"/>
+                </a:rPr>
+                <a:t>choisis</a:t>
+              </a:r>
+              <a:r>
+                <a:rPr lang="en-US" dirty="0">
+                  <a:solidFill>
+                    <a:srgbClr val="FFFFFF"/>
+                  </a:solidFill>
+                  <a:latin typeface="Open Sans" pitchFamily="2" charset="0"/>
+                  <a:ea typeface="Open Sans" pitchFamily="2" charset="0"/>
+                  <a:cs typeface="Open Sans" pitchFamily="2" charset="0"/>
                 </a:rPr>
                 <a:t> </a:t>
               </a:r>
               <a:r>
-                <a:rPr lang="en-US" sz="1800" u="none" dirty="0" err="1">
-                  <a:solidFill>
-                    <a:srgbClr val="FFFFFF"/>
-                  </a:solidFill>
-                  <a:latin typeface="Open Sauce Light"/>
-                </a:rPr>
-                <a:t>être</a:t>
-              </a:r>
-              <a:r>
-                <a:rPr lang="en-US" sz="1800" u="none" dirty="0">
-                  <a:solidFill>
-                    <a:srgbClr val="FFFFFF"/>
-                  </a:solidFill>
-                  <a:latin typeface="Open Sauce Light"/>
+                <a:rPr lang="en-US" dirty="0" err="1">
+                  <a:solidFill>
+                    <a:srgbClr val="FFFFFF"/>
+                  </a:solidFill>
+                  <a:latin typeface="Open Sans" pitchFamily="2" charset="0"/>
+                  <a:ea typeface="Open Sans" pitchFamily="2" charset="0"/>
+                  <a:cs typeface="Open Sans" pitchFamily="2" charset="0"/>
+                </a:rPr>
+                <a:t>cette</a:t>
+              </a:r>
+              <a:r>
+                <a:rPr lang="en-US" dirty="0">
+                  <a:solidFill>
+                    <a:srgbClr val="FFFFFF"/>
+                  </a:solidFill>
+                  <a:latin typeface="Open Sans" pitchFamily="2" charset="0"/>
+                  <a:ea typeface="Open Sans" pitchFamily="2" charset="0"/>
+                  <a:cs typeface="Open Sans" pitchFamily="2" charset="0"/>
+                </a:rPr>
+                <a:t> police pour </a:t>
+              </a:r>
+              <a:r>
+                <a:rPr lang="en-US" dirty="0" err="1">
+                  <a:solidFill>
+                    <a:srgbClr val="FFFFFF"/>
+                  </a:solidFill>
+                  <a:latin typeface="Open Sans" pitchFamily="2" charset="0"/>
+                  <a:ea typeface="Open Sans" pitchFamily="2" charset="0"/>
+                  <a:cs typeface="Open Sans" pitchFamily="2" charset="0"/>
+                </a:rPr>
+                <a:t>sa</a:t>
+              </a:r>
+              <a:r>
+                <a:rPr lang="en-US" dirty="0">
+                  <a:solidFill>
+                    <a:srgbClr val="FFFFFF"/>
+                  </a:solidFill>
+                  <a:latin typeface="Open Sans" pitchFamily="2" charset="0"/>
+                  <a:ea typeface="Open Sans" pitchFamily="2" charset="0"/>
+                  <a:cs typeface="Open Sans" pitchFamily="2" charset="0"/>
                 </a:rPr>
                 <a:t> </a:t>
               </a:r>
               <a:r>
-                <a:rPr lang="en-US" sz="1800" u="none" dirty="0" err="1">
-                  <a:solidFill>
-                    <a:srgbClr val="FFFFFF"/>
-                  </a:solidFill>
-                  <a:latin typeface="Open Sauce Light"/>
-                </a:rPr>
-                <a:t>utilisés</a:t>
-              </a:r>
-              <a:r>
-                <a:rPr lang="en-US" sz="1800" u="none" dirty="0">
-                  <a:solidFill>
-                    <a:srgbClr val="FFFFFF"/>
-                  </a:solidFill>
-                  <a:latin typeface="Open Sauce Light"/>
+                <a:rPr lang="en-US" dirty="0" err="1">
+                  <a:solidFill>
+                    <a:srgbClr val="FFFFFF"/>
+                  </a:solidFill>
+                  <a:latin typeface="Open Sans" pitchFamily="2" charset="0"/>
+                  <a:ea typeface="Open Sans" pitchFamily="2" charset="0"/>
+                  <a:cs typeface="Open Sans" pitchFamily="2" charset="0"/>
+                </a:rPr>
+                <a:t>lisibilité</a:t>
+              </a:r>
+              <a:r>
+                <a:rPr lang="en-US" dirty="0">
+                  <a:solidFill>
+                    <a:srgbClr val="FFFFFF"/>
+                  </a:solidFill>
+                  <a:latin typeface="Open Sans" pitchFamily="2" charset="0"/>
+                  <a:ea typeface="Open Sans" pitchFamily="2" charset="0"/>
+                  <a:cs typeface="Open Sans" pitchFamily="2" charset="0"/>
+                </a:rPr>
+                <a:t>, </a:t>
+              </a:r>
+              <a:r>
+                <a:rPr lang="en-US" dirty="0" err="1">
+                  <a:solidFill>
+                    <a:srgbClr val="FFFFFF"/>
+                  </a:solidFill>
+                  <a:latin typeface="Open Sans" pitchFamily="2" charset="0"/>
+                  <a:ea typeface="Open Sans" pitchFamily="2" charset="0"/>
+                  <a:cs typeface="Open Sans" pitchFamily="2" charset="0"/>
+                </a:rPr>
+                <a:t>sa</a:t>
+              </a:r>
+              <a:r>
+                <a:rPr lang="en-US" dirty="0">
+                  <a:solidFill>
+                    <a:srgbClr val="FFFFFF"/>
+                  </a:solidFill>
+                  <a:latin typeface="Open Sans" pitchFamily="2" charset="0"/>
+                  <a:ea typeface="Open Sans" pitchFamily="2" charset="0"/>
+                  <a:cs typeface="Open Sans" pitchFamily="2" charset="0"/>
                 </a:rPr>
                 <a:t> </a:t>
               </a:r>
               <a:r>
-                <a:rPr lang="en-US" sz="1800" u="none" dirty="0" err="1">
-                  <a:solidFill>
-                    <a:srgbClr val="FFFFFF"/>
-                  </a:solidFill>
-                  <a:latin typeface="Open Sauce Light"/>
-                </a:rPr>
-                <a:t>comme</a:t>
-              </a:r>
-              <a:r>
-                <a:rPr lang="en-US" sz="1800" u="none" dirty="0">
-                  <a:solidFill>
-                    <a:srgbClr val="FFFFFF"/>
-                  </a:solidFill>
-                  <a:latin typeface="Open Sauce Light"/>
-                </a:rPr>
-                <a:t> des </a:t>
-              </a:r>
-              <a:r>
-                <a:rPr lang="en-US" sz="1800" u="none" dirty="0" err="1">
-                  <a:solidFill>
-                    <a:srgbClr val="FFFFFF"/>
-                  </a:solidFill>
-                  <a:latin typeface="Open Sauce Light"/>
-                </a:rPr>
-                <a:t>démonstrations</a:t>
-              </a:r>
-              <a:r>
-                <a:rPr lang="en-US" sz="1800" u="none" dirty="0">
-                  <a:solidFill>
-                    <a:srgbClr val="FFFFFF"/>
-                  </a:solidFill>
-                  <a:latin typeface="Open Sauce Light"/>
-                </a:rPr>
-                <a:t>, des </a:t>
-              </a:r>
-              <a:r>
-                <a:rPr lang="en-US" sz="1800" u="none" dirty="0" err="1">
-                  <a:solidFill>
-                    <a:srgbClr val="FFFFFF"/>
-                  </a:solidFill>
-                  <a:latin typeface="Open Sauce Light"/>
-                </a:rPr>
-                <a:t>conférences</a:t>
-              </a:r>
-              <a:r>
-                <a:rPr lang="en-US" sz="1800" u="none" dirty="0">
-                  <a:solidFill>
-                    <a:srgbClr val="FFFFFF"/>
-                  </a:solidFill>
-                  <a:latin typeface="Open Sauce Light"/>
-                </a:rPr>
-                <a:t>, des </a:t>
-              </a:r>
-              <a:r>
-                <a:rPr lang="en-US" sz="1800" u="none" dirty="0" err="1">
-                  <a:solidFill>
-                    <a:srgbClr val="FFFFFF"/>
-                  </a:solidFill>
-                  <a:latin typeface="Open Sauce Light"/>
-                </a:rPr>
-                <a:t>discours</a:t>
-              </a:r>
-              <a:r>
-                <a:rPr lang="en-US" sz="1800" u="none" dirty="0">
-                  <a:solidFill>
-                    <a:srgbClr val="FFFFFF"/>
-                  </a:solidFill>
-                  <a:latin typeface="Open Sauce Light"/>
-                </a:rPr>
-                <a:t>, des rapports et </a:t>
-              </a:r>
-              <a:r>
-                <a:rPr lang="en-US" sz="1800" u="none" dirty="0" err="1">
-                  <a:solidFill>
-                    <a:srgbClr val="FFFFFF"/>
-                  </a:solidFill>
-                  <a:latin typeface="Open Sauce Light"/>
-                </a:rPr>
-                <a:t>bien</a:t>
-              </a:r>
-              <a:r>
-                <a:rPr lang="en-US" sz="1800" u="none" dirty="0">
-                  <a:solidFill>
-                    <a:srgbClr val="FFFFFF"/>
-                  </a:solidFill>
-                  <a:latin typeface="Open Sauce Light"/>
-                </a:rPr>
-                <a:t> plus encore. La </a:t>
-              </a:r>
-              <a:r>
-                <a:rPr lang="en-US" sz="1800" u="none" dirty="0" err="1">
-                  <a:solidFill>
-                    <a:srgbClr val="FFFFFF"/>
-                  </a:solidFill>
-                  <a:latin typeface="Open Sauce Light"/>
-                </a:rPr>
-                <a:t>plupart</a:t>
-              </a:r>
-              <a:r>
-                <a:rPr lang="en-US" sz="1800" u="none" dirty="0">
-                  <a:solidFill>
-                    <a:srgbClr val="FFFFFF"/>
-                  </a:solidFill>
-                  <a:latin typeface="Open Sauce Light"/>
-                </a:rPr>
-                <a:t> du temps, </a:t>
-              </a:r>
-              <a:r>
-                <a:rPr lang="en-US" sz="1800" u="none" dirty="0" err="1">
-                  <a:solidFill>
-                    <a:srgbClr val="FFFFFF"/>
-                  </a:solidFill>
-                  <a:latin typeface="Open Sauce Light"/>
-                </a:rPr>
-                <a:t>elles</a:t>
-              </a:r>
-              <a:r>
-                <a:rPr lang="en-US" sz="1800" u="none" dirty="0">
-                  <a:solidFill>
-                    <a:srgbClr val="FFFFFF"/>
-                  </a:solidFill>
-                  <a:latin typeface="Open Sauce Light"/>
+                <a:rPr lang="en-US" dirty="0" err="1">
+                  <a:solidFill>
+                    <a:srgbClr val="FFFFFF"/>
+                  </a:solidFill>
+                  <a:latin typeface="Open Sans" pitchFamily="2" charset="0"/>
+                  <a:ea typeface="Open Sans" pitchFamily="2" charset="0"/>
+                  <a:cs typeface="Open Sans" pitchFamily="2" charset="0"/>
+                </a:rPr>
+                <a:t>compatibilité</a:t>
+              </a:r>
+              <a:r>
+                <a:rPr lang="en-US" dirty="0">
+                  <a:solidFill>
+                    <a:srgbClr val="FFFFFF"/>
+                  </a:solidFill>
+                  <a:latin typeface="Open Sans" pitchFamily="2" charset="0"/>
+                  <a:ea typeface="Open Sans" pitchFamily="2" charset="0"/>
+                  <a:cs typeface="Open Sans" pitchFamily="2" charset="0"/>
+                </a:rPr>
+                <a:t> avec ma police </a:t>
+              </a:r>
+              <a:r>
+                <a:rPr lang="en-US" dirty="0" err="1">
+                  <a:solidFill>
+                    <a:srgbClr val="FFFFFF"/>
+                  </a:solidFill>
+                  <a:latin typeface="Open Sans" pitchFamily="2" charset="0"/>
+                  <a:ea typeface="Open Sans" pitchFamily="2" charset="0"/>
+                  <a:cs typeface="Open Sans" pitchFamily="2" charset="0"/>
+                </a:rPr>
+                <a:t>secondaire</a:t>
+              </a:r>
+              <a:r>
+                <a:rPr lang="en-US" dirty="0">
+                  <a:solidFill>
+                    <a:srgbClr val="FFFFFF"/>
+                  </a:solidFill>
+                  <a:latin typeface="Open Sans" pitchFamily="2" charset="0"/>
+                  <a:ea typeface="Open Sans" pitchFamily="2" charset="0"/>
+                  <a:cs typeface="Open Sans" pitchFamily="2" charset="0"/>
+                </a:rPr>
+                <a:t> (Montserrat) et </a:t>
+              </a:r>
+              <a:r>
+                <a:rPr lang="en-US" dirty="0" err="1">
+                  <a:solidFill>
+                    <a:srgbClr val="FFFFFF"/>
+                  </a:solidFill>
+                  <a:latin typeface="Open Sans" pitchFamily="2" charset="0"/>
+                  <a:ea typeface="Open Sans" pitchFamily="2" charset="0"/>
+                  <a:cs typeface="Open Sans" pitchFamily="2" charset="0"/>
+                </a:rPr>
+                <a:t>sa</a:t>
+              </a:r>
+              <a:r>
+                <a:rPr lang="en-US" dirty="0">
+                  <a:solidFill>
+                    <a:srgbClr val="FFFFFF"/>
+                  </a:solidFill>
+                  <a:latin typeface="Open Sans" pitchFamily="2" charset="0"/>
+                  <a:ea typeface="Open Sans" pitchFamily="2" charset="0"/>
+                  <a:cs typeface="Open Sans" pitchFamily="2" charset="0"/>
                 </a:rPr>
                 <a:t> </a:t>
               </a:r>
               <a:r>
-                <a:rPr lang="en-US" sz="1800" u="none" dirty="0" err="1">
-                  <a:solidFill>
-                    <a:srgbClr val="FFFFFF"/>
-                  </a:solidFill>
-                  <a:latin typeface="Open Sauce Light"/>
-                </a:rPr>
-                <a:t>sont</a:t>
-              </a:r>
-              <a:r>
-                <a:rPr lang="en-US" sz="1800" u="none" dirty="0">
-                  <a:solidFill>
-                    <a:srgbClr val="FFFFFF"/>
-                  </a:solidFill>
-                  <a:latin typeface="Open Sauce Light"/>
+                <a:rPr lang="en-US" dirty="0" err="1">
+                  <a:solidFill>
+                    <a:srgbClr val="FFFFFF"/>
+                  </a:solidFill>
+                  <a:latin typeface="Open Sans" pitchFamily="2" charset="0"/>
+                  <a:ea typeface="Open Sans" pitchFamily="2" charset="0"/>
+                  <a:cs typeface="Open Sans" pitchFamily="2" charset="0"/>
+                </a:rPr>
+                <a:t>compatibilité</a:t>
+              </a:r>
+              <a:r>
+                <a:rPr lang="en-US" dirty="0">
+                  <a:solidFill>
+                    <a:srgbClr val="FFFFFF"/>
+                  </a:solidFill>
+                  <a:latin typeface="Open Sans" pitchFamily="2" charset="0"/>
+                  <a:ea typeface="Open Sans" pitchFamily="2" charset="0"/>
+                  <a:cs typeface="Open Sans" pitchFamily="2" charset="0"/>
+                </a:rPr>
+                <a:t> avec </a:t>
+              </a:r>
+              <a:r>
+                <a:rPr lang="en-US" dirty="0" err="1">
+                  <a:solidFill>
+                    <a:srgbClr val="FFFFFF"/>
+                  </a:solidFill>
+                  <a:latin typeface="Open Sans" pitchFamily="2" charset="0"/>
+                  <a:ea typeface="Open Sans" pitchFamily="2" charset="0"/>
+                  <a:cs typeface="Open Sans" pitchFamily="2" charset="0"/>
+                </a:rPr>
+                <a:t>mon</a:t>
+              </a:r>
+              <a:r>
+                <a:rPr lang="en-US" dirty="0">
+                  <a:solidFill>
+                    <a:srgbClr val="FFFFFF"/>
+                  </a:solidFill>
+                  <a:latin typeface="Open Sans" pitchFamily="2" charset="0"/>
+                  <a:ea typeface="Open Sans" pitchFamily="2" charset="0"/>
+                  <a:cs typeface="Open Sans" pitchFamily="2" charset="0"/>
                 </a:rPr>
                 <a:t> </a:t>
               </a:r>
               <a:r>
-                <a:rPr lang="en-US" sz="1800" u="none" dirty="0" err="1">
-                  <a:solidFill>
-                    <a:srgbClr val="FFFFFF"/>
-                  </a:solidFill>
-                  <a:latin typeface="Open Sauce Light"/>
-                </a:rPr>
-                <a:t>faites</a:t>
-              </a:r>
-              <a:r>
-                <a:rPr lang="en-US" sz="1800" u="none" dirty="0">
-                  <a:solidFill>
-                    <a:srgbClr val="FFFFFF"/>
-                  </a:solidFill>
-                  <a:latin typeface="Open Sauce Light"/>
-                </a:rPr>
-                <a:t> en public.</a:t>
-              </a:r>
+                <a:rPr lang="en-US" dirty="0" err="1">
+                  <a:solidFill>
+                    <a:srgbClr val="FFFFFF"/>
+                  </a:solidFill>
+                  <a:latin typeface="Open Sans" pitchFamily="2" charset="0"/>
+                  <a:ea typeface="Open Sans" pitchFamily="2" charset="0"/>
+                  <a:cs typeface="Open Sans" pitchFamily="2" charset="0"/>
+                </a:rPr>
+                <a:t>projet</a:t>
+              </a:r>
+              <a:r>
+                <a:rPr lang="en-US" dirty="0">
+                  <a:solidFill>
+                    <a:srgbClr val="FFFFFF"/>
+                  </a:solidFill>
+                  <a:latin typeface="Open Sans" pitchFamily="2" charset="0"/>
+                  <a:ea typeface="Open Sans" pitchFamily="2" charset="0"/>
+                  <a:cs typeface="Open Sans" pitchFamily="2" charset="0"/>
+                </a:rPr>
+                <a:t>.</a:t>
+              </a:r>
+              <a:endParaRPr lang="en-US" sz="1800" u="none" dirty="0">
+                <a:solidFill>
+                  <a:srgbClr val="FFFFFF"/>
+                </a:solidFill>
+                <a:latin typeface="Open Sans" pitchFamily="2" charset="0"/>
+                <a:ea typeface="Open Sans" pitchFamily="2" charset="0"/>
+                <a:cs typeface="Open Sans" pitchFamily="2" charset="0"/>
+              </a:endParaRPr>
             </a:p>
           </p:txBody>
         </p:sp>
@@ -12568,10 +13485,10 @@
         </p:nvGrpSpPr>
         <p:grpSpPr>
           <a:xfrm>
-            <a:off x="6125795" y="6105533"/>
-            <a:ext cx="6696418" cy="3152767"/>
-            <a:chOff x="0" y="0"/>
-            <a:chExt cx="8928558" cy="4203690"/>
+            <a:off x="6125795" y="6141252"/>
+            <a:ext cx="6696418" cy="3091244"/>
+            <a:chOff x="0" y="47625"/>
+            <a:chExt cx="8928558" cy="4121660"/>
           </a:xfrm>
         </p:grpSpPr>
         <p:sp>
@@ -12582,8 +13499,8 @@
           </p:nvSpPr>
           <p:spPr>
             <a:xfrm>
-              <a:off x="3126973" y="47625"/>
-              <a:ext cx="1088119" cy="517102"/>
+              <a:off x="3126974" y="47625"/>
+              <a:ext cx="1088119" cy="485432"/>
             </a:xfrm>
             <a:prstGeom prst="rect">
               <a:avLst/>
@@ -12604,13 +13521,15 @@
                 </a:spcBef>
               </a:pPr>
               <a:r>
-                <a:rPr lang="en-US" sz="2800">
-                  <a:solidFill>
-                    <a:srgbClr val="FFFFFF"/>
-                  </a:solidFill>
-                  <a:latin typeface="Open Sauce SemiBold"/>
-                </a:rPr>
-                <a:t>CC</a:t>
+                <a:rPr lang="en-US" sz="2800" dirty="0">
+                  <a:solidFill>
+                    <a:srgbClr val="FFFFFF"/>
+                  </a:solidFill>
+                  <a:latin typeface="Open Sans" pitchFamily="2" charset="0"/>
+                  <a:ea typeface="Open Sans" pitchFamily="2" charset="0"/>
+                  <a:cs typeface="Open Sans" pitchFamily="2" charset="0"/>
+                </a:rPr>
+                <a:t>Cc</a:t>
               </a:r>
             </a:p>
           </p:txBody>
@@ -12623,8 +13542,8 @@
           </p:nvSpPr>
           <p:spPr>
             <a:xfrm>
-              <a:off x="3126973" y="775418"/>
-              <a:ext cx="1088119" cy="517102"/>
+              <a:off x="3126974" y="775419"/>
+              <a:ext cx="1088119" cy="482696"/>
             </a:xfrm>
             <a:prstGeom prst="rect">
               <a:avLst/>
@@ -12649,7 +13568,9 @@
                   <a:solidFill>
                     <a:srgbClr val="FFFFFF"/>
                   </a:solidFill>
-                  <a:latin typeface="Open Sauce SemiBold"/>
+                  <a:latin typeface="Open Sans" pitchFamily="2" charset="0"/>
+                  <a:ea typeface="Open Sans" pitchFamily="2" charset="0"/>
+                  <a:cs typeface="Open Sans" pitchFamily="2" charset="0"/>
                 </a:rPr>
                 <a:t>II</a:t>
               </a:r>
@@ -12664,8 +13585,8 @@
           </p:nvSpPr>
           <p:spPr>
             <a:xfrm>
-              <a:off x="3126973" y="1503210"/>
-              <a:ext cx="1088119" cy="517102"/>
+              <a:off x="3126974" y="1503209"/>
+              <a:ext cx="1088119" cy="482696"/>
             </a:xfrm>
             <a:prstGeom prst="rect">
               <a:avLst/>
@@ -12690,7 +13611,9 @@
                   <a:solidFill>
                     <a:srgbClr val="FFFFFF"/>
                   </a:solidFill>
-                  <a:latin typeface="Open Sauce SemiBold"/>
+                  <a:latin typeface="Open Sans" pitchFamily="2" charset="0"/>
+                  <a:ea typeface="Open Sans" pitchFamily="2" charset="0"/>
+                  <a:cs typeface="Open Sans" pitchFamily="2" charset="0"/>
                 </a:rPr>
                 <a:t>Oo</a:t>
               </a:r>
@@ -12705,8 +13628,8 @@
           </p:nvSpPr>
           <p:spPr>
             <a:xfrm>
-              <a:off x="3126973" y="2231003"/>
-              <a:ext cx="1088119" cy="517102"/>
+              <a:off x="3126974" y="2231003"/>
+              <a:ext cx="1088119" cy="482696"/>
             </a:xfrm>
             <a:prstGeom prst="rect">
               <a:avLst/>
@@ -12731,7 +13654,9 @@
                   <a:solidFill>
                     <a:srgbClr val="FFFFFF"/>
                   </a:solidFill>
-                  <a:latin typeface="Open Sauce SemiBold"/>
+                  <a:latin typeface="Open Sans" pitchFamily="2" charset="0"/>
+                  <a:ea typeface="Open Sans" pitchFamily="2" charset="0"/>
+                  <a:cs typeface="Open Sans" pitchFamily="2" charset="0"/>
                 </a:rPr>
                 <a:t>Uu</a:t>
               </a:r>
@@ -12747,7 +13672,7 @@
           <p:spPr>
             <a:xfrm>
               <a:off x="4690460" y="47625"/>
-              <a:ext cx="1111125" cy="517102"/>
+              <a:ext cx="1111125" cy="482696"/>
             </a:xfrm>
             <a:prstGeom prst="rect">
               <a:avLst/>
@@ -12772,7 +13697,9 @@
                   <a:solidFill>
                     <a:srgbClr val="FFFFFF"/>
                   </a:solidFill>
-                  <a:latin typeface="Open Sauce SemiBold"/>
+                  <a:latin typeface="Open Sans" pitchFamily="2" charset="0"/>
+                  <a:ea typeface="Open Sans" pitchFamily="2" charset="0"/>
+                  <a:cs typeface="Open Sans" pitchFamily="2" charset="0"/>
                 </a:rPr>
                 <a:t>Dd</a:t>
               </a:r>
@@ -12787,8 +13714,8 @@
           </p:nvSpPr>
           <p:spPr>
             <a:xfrm>
-              <a:off x="4690460" y="775418"/>
-              <a:ext cx="1111125" cy="517102"/>
+              <a:off x="4690460" y="775419"/>
+              <a:ext cx="1111125" cy="482696"/>
             </a:xfrm>
             <a:prstGeom prst="rect">
               <a:avLst/>
@@ -12813,7 +13740,9 @@
                   <a:solidFill>
                     <a:srgbClr val="FFFFFF"/>
                   </a:solidFill>
-                  <a:latin typeface="Open Sauce SemiBold"/>
+                  <a:latin typeface="Open Sans" pitchFamily="2" charset="0"/>
+                  <a:ea typeface="Open Sans" pitchFamily="2" charset="0"/>
+                  <a:cs typeface="Open Sans" pitchFamily="2" charset="0"/>
                 </a:rPr>
                 <a:t>jj</a:t>
               </a:r>
@@ -12828,8 +13757,8 @@
           </p:nvSpPr>
           <p:spPr>
             <a:xfrm>
-              <a:off x="4690460" y="1503210"/>
-              <a:ext cx="1111125" cy="517102"/>
+              <a:off x="4690460" y="1503209"/>
+              <a:ext cx="1111125" cy="482696"/>
             </a:xfrm>
             <a:prstGeom prst="rect">
               <a:avLst/>
@@ -12854,7 +13783,9 @@
                   <a:solidFill>
                     <a:srgbClr val="FFFFFF"/>
                   </a:solidFill>
-                  <a:latin typeface="Open Sauce SemiBold"/>
+                  <a:latin typeface="Open Sans" pitchFamily="2" charset="0"/>
+                  <a:ea typeface="Open Sans" pitchFamily="2" charset="0"/>
+                  <a:cs typeface="Open Sans" pitchFamily="2" charset="0"/>
                 </a:rPr>
                 <a:t>Pp</a:t>
               </a:r>
@@ -12870,7 +13801,7 @@
           <p:spPr>
             <a:xfrm>
               <a:off x="4690460" y="2231003"/>
-              <a:ext cx="1111125" cy="517102"/>
+              <a:ext cx="1111125" cy="482696"/>
             </a:xfrm>
             <a:prstGeom prst="rect">
               <a:avLst/>
@@ -12895,7 +13826,9 @@
                   <a:solidFill>
                     <a:srgbClr val="FFFFFF"/>
                   </a:solidFill>
-                  <a:latin typeface="Open Sauce SemiBold"/>
+                  <a:latin typeface="Open Sans" pitchFamily="2" charset="0"/>
+                  <a:ea typeface="Open Sans" pitchFamily="2" charset="0"/>
+                  <a:cs typeface="Open Sans" pitchFamily="2" charset="0"/>
                 </a:rPr>
                 <a:t>Vv</a:t>
               </a:r>
@@ -12911,7 +13844,7 @@
           <p:spPr>
             <a:xfrm>
               <a:off x="6276952" y="47625"/>
-              <a:ext cx="1088119" cy="517102"/>
+              <a:ext cx="1088119" cy="482696"/>
             </a:xfrm>
             <a:prstGeom prst="rect">
               <a:avLst/>
@@ -12936,7 +13869,9 @@
                   <a:solidFill>
                     <a:srgbClr val="FFFFFF"/>
                   </a:solidFill>
-                  <a:latin typeface="Open Sauce SemiBold"/>
+                  <a:latin typeface="Open Sans" pitchFamily="2" charset="0"/>
+                  <a:ea typeface="Open Sans" pitchFamily="2" charset="0"/>
+                  <a:cs typeface="Open Sans" pitchFamily="2" charset="0"/>
                 </a:rPr>
                 <a:t>Ee</a:t>
               </a:r>
@@ -12951,8 +13886,8 @@
           </p:nvSpPr>
           <p:spPr>
             <a:xfrm>
-              <a:off x="6276952" y="775418"/>
-              <a:ext cx="1088119" cy="517102"/>
+              <a:off x="6276952" y="775419"/>
+              <a:ext cx="1088119" cy="482696"/>
             </a:xfrm>
             <a:prstGeom prst="rect">
               <a:avLst/>
@@ -12977,7 +13912,9 @@
                   <a:solidFill>
                     <a:srgbClr val="FFFFFF"/>
                   </a:solidFill>
-                  <a:latin typeface="Open Sauce SemiBold"/>
+                  <a:latin typeface="Open Sans" pitchFamily="2" charset="0"/>
+                  <a:ea typeface="Open Sans" pitchFamily="2" charset="0"/>
+                  <a:cs typeface="Open Sans" pitchFamily="2" charset="0"/>
                 </a:rPr>
                 <a:t>Kk</a:t>
               </a:r>
@@ -12992,8 +13929,8 @@
           </p:nvSpPr>
           <p:spPr>
             <a:xfrm>
-              <a:off x="6276952" y="1503210"/>
-              <a:ext cx="1088119" cy="517102"/>
+              <a:off x="6276952" y="1503209"/>
+              <a:ext cx="1088119" cy="482696"/>
             </a:xfrm>
             <a:prstGeom prst="rect">
               <a:avLst/>
@@ -13018,7 +13955,9 @@
                   <a:solidFill>
                     <a:srgbClr val="FFFFFF"/>
                   </a:solidFill>
-                  <a:latin typeface="Open Sauce SemiBold"/>
+                  <a:latin typeface="Open Sans" pitchFamily="2" charset="0"/>
+                  <a:ea typeface="Open Sans" pitchFamily="2" charset="0"/>
+                  <a:cs typeface="Open Sans" pitchFamily="2" charset="0"/>
                 </a:rPr>
                 <a:t>Qq</a:t>
               </a:r>
@@ -13034,7 +13973,7 @@
           <p:spPr>
             <a:xfrm>
               <a:off x="6276952" y="2231003"/>
-              <a:ext cx="1088119" cy="517102"/>
+              <a:ext cx="1088119" cy="482696"/>
             </a:xfrm>
             <a:prstGeom prst="rect">
               <a:avLst/>
@@ -13059,7 +13998,9 @@
                   <a:solidFill>
                     <a:srgbClr val="FFFFFF"/>
                   </a:solidFill>
-                  <a:latin typeface="Open Sauce SemiBold"/>
+                  <a:latin typeface="Open Sans" pitchFamily="2" charset="0"/>
+                  <a:ea typeface="Open Sans" pitchFamily="2" charset="0"/>
+                  <a:cs typeface="Open Sans" pitchFamily="2" charset="0"/>
                 </a:rPr>
                 <a:t>Ww</a:t>
               </a:r>
@@ -13075,7 +14016,7 @@
           <p:spPr>
             <a:xfrm>
               <a:off x="7840439" y="47625"/>
-              <a:ext cx="1088119" cy="517102"/>
+              <a:ext cx="1088119" cy="482696"/>
             </a:xfrm>
             <a:prstGeom prst="rect">
               <a:avLst/>
@@ -13096,11 +14037,13 @@
                 </a:spcBef>
               </a:pPr>
               <a:r>
-                <a:rPr lang="en-US" sz="2800">
-                  <a:solidFill>
-                    <a:srgbClr val="FFFFFF"/>
-                  </a:solidFill>
-                  <a:latin typeface="Open Sauce SemiBold"/>
+                <a:rPr lang="en-US" sz="2800" dirty="0">
+                  <a:solidFill>
+                    <a:srgbClr val="FFFFFF"/>
+                  </a:solidFill>
+                  <a:latin typeface="Open Sans" pitchFamily="2" charset="0"/>
+                  <a:ea typeface="Open Sans" pitchFamily="2" charset="0"/>
+                  <a:cs typeface="Open Sans" pitchFamily="2" charset="0"/>
                 </a:rPr>
                 <a:t>Ff</a:t>
               </a:r>
@@ -13115,8 +14058,8 @@
           </p:nvSpPr>
           <p:spPr>
             <a:xfrm>
-              <a:off x="7840439" y="775418"/>
-              <a:ext cx="1088119" cy="517102"/>
+              <a:off x="7840439" y="775419"/>
+              <a:ext cx="1088119" cy="482696"/>
             </a:xfrm>
             <a:prstGeom prst="rect">
               <a:avLst/>
@@ -13141,7 +14084,9 @@
                   <a:solidFill>
                     <a:srgbClr val="FFFFFF"/>
                   </a:solidFill>
-                  <a:latin typeface="Open Sauce SemiBold"/>
+                  <a:latin typeface="Open Sans" pitchFamily="2" charset="0"/>
+                  <a:ea typeface="Open Sans" pitchFamily="2" charset="0"/>
+                  <a:cs typeface="Open Sans" pitchFamily="2" charset="0"/>
                 </a:rPr>
                 <a:t>Ll</a:t>
               </a:r>
@@ -13156,8 +14101,8 @@
           </p:nvSpPr>
           <p:spPr>
             <a:xfrm>
-              <a:off x="7840439" y="1503210"/>
-              <a:ext cx="1088119" cy="517102"/>
+              <a:off x="7840439" y="1503209"/>
+              <a:ext cx="1088119" cy="482696"/>
             </a:xfrm>
             <a:prstGeom prst="rect">
               <a:avLst/>
@@ -13182,7 +14127,9 @@
                   <a:solidFill>
                     <a:srgbClr val="FFFFFF"/>
                   </a:solidFill>
-                  <a:latin typeface="Open Sauce SemiBold"/>
+                  <a:latin typeface="Open Sans" pitchFamily="2" charset="0"/>
+                  <a:ea typeface="Open Sans" pitchFamily="2" charset="0"/>
+                  <a:cs typeface="Open Sans" pitchFamily="2" charset="0"/>
                 </a:rPr>
                 <a:t>Rr</a:t>
               </a:r>
@@ -13198,7 +14145,7 @@
           <p:spPr>
             <a:xfrm>
               <a:off x="7840439" y="2231003"/>
-              <a:ext cx="1088119" cy="517102"/>
+              <a:ext cx="1088119" cy="482696"/>
             </a:xfrm>
             <a:prstGeom prst="rect">
               <a:avLst/>
@@ -13223,7 +14170,9 @@
                   <a:solidFill>
                     <a:srgbClr val="FFFFFF"/>
                   </a:solidFill>
-                  <a:latin typeface="Open Sauce SemiBold"/>
+                  <a:latin typeface="Open Sans" pitchFamily="2" charset="0"/>
+                  <a:ea typeface="Open Sans" pitchFamily="2" charset="0"/>
+                  <a:cs typeface="Open Sans" pitchFamily="2" charset="0"/>
                 </a:rPr>
                 <a:t>XX</a:t>
               </a:r>
@@ -13239,7 +14188,7 @@
           <p:spPr>
             <a:xfrm>
               <a:off x="0" y="47625"/>
-              <a:ext cx="1088119" cy="517102"/>
+              <a:ext cx="1088119" cy="482696"/>
             </a:xfrm>
             <a:prstGeom prst="rect">
               <a:avLst/>
@@ -13264,7 +14213,9 @@
                   <a:solidFill>
                     <a:srgbClr val="FFFFFF"/>
                   </a:solidFill>
-                  <a:latin typeface="Open Sauce SemiBold"/>
+                  <a:latin typeface="Open Sans" pitchFamily="2" charset="0"/>
+                  <a:ea typeface="Open Sans" pitchFamily="2" charset="0"/>
+                  <a:cs typeface="Open Sans" pitchFamily="2" charset="0"/>
                 </a:rPr>
                 <a:t>Aa</a:t>
               </a:r>
@@ -13279,8 +14230,8 @@
           </p:nvSpPr>
           <p:spPr>
             <a:xfrm>
-              <a:off x="0" y="775418"/>
-              <a:ext cx="1088119" cy="517102"/>
+              <a:off x="0" y="775419"/>
+              <a:ext cx="1088119" cy="482696"/>
             </a:xfrm>
             <a:prstGeom prst="rect">
               <a:avLst/>
@@ -13305,7 +14256,9 @@
                   <a:solidFill>
                     <a:srgbClr val="FFFFFF"/>
                   </a:solidFill>
-                  <a:latin typeface="Open Sauce SemiBold"/>
+                  <a:latin typeface="Open Sans" pitchFamily="2" charset="0"/>
+                  <a:ea typeface="Open Sans" pitchFamily="2" charset="0"/>
+                  <a:cs typeface="Open Sans" pitchFamily="2" charset="0"/>
                 </a:rPr>
                 <a:t>Gg</a:t>
               </a:r>
@@ -13320,8 +14273,8 @@
           </p:nvSpPr>
           <p:spPr>
             <a:xfrm>
-              <a:off x="0" y="1503210"/>
-              <a:ext cx="1088119" cy="517102"/>
+              <a:off x="0" y="1503209"/>
+              <a:ext cx="1088119" cy="482696"/>
             </a:xfrm>
             <a:prstGeom prst="rect">
               <a:avLst/>
@@ -13346,7 +14299,9 @@
                   <a:solidFill>
                     <a:srgbClr val="FFFFFF"/>
                   </a:solidFill>
-                  <a:latin typeface="Open Sauce SemiBold"/>
+                  <a:latin typeface="Open Sans" pitchFamily="2" charset="0"/>
+                  <a:ea typeface="Open Sans" pitchFamily="2" charset="0"/>
+                  <a:cs typeface="Open Sans" pitchFamily="2" charset="0"/>
                 </a:rPr>
                 <a:t>MM</a:t>
               </a:r>
@@ -13362,7 +14317,7 @@
           <p:spPr>
             <a:xfrm>
               <a:off x="0" y="2231003"/>
-              <a:ext cx="1088119" cy="517102"/>
+              <a:ext cx="1088119" cy="482696"/>
             </a:xfrm>
             <a:prstGeom prst="rect">
               <a:avLst/>
@@ -13387,7 +14342,9 @@
                   <a:solidFill>
                     <a:srgbClr val="FFFFFF"/>
                   </a:solidFill>
-                  <a:latin typeface="Open Sauce SemiBold"/>
+                  <a:latin typeface="Open Sans" pitchFamily="2" charset="0"/>
+                  <a:ea typeface="Open Sans" pitchFamily="2" charset="0"/>
+                  <a:cs typeface="Open Sans" pitchFamily="2" charset="0"/>
                 </a:rPr>
                 <a:t>ss</a:t>
               </a:r>
@@ -13403,7 +14360,7 @@
           <p:spPr>
             <a:xfrm>
               <a:off x="0" y="2958795"/>
-              <a:ext cx="1088119" cy="517102"/>
+              <a:ext cx="1088119" cy="482696"/>
             </a:xfrm>
             <a:prstGeom prst="rect">
               <a:avLst/>
@@ -13428,7 +14385,9 @@
                   <a:solidFill>
                     <a:srgbClr val="FFFFFF"/>
                   </a:solidFill>
-                  <a:latin typeface="Open Sauce SemiBold"/>
+                  <a:latin typeface="Open Sans" pitchFamily="2" charset="0"/>
+                  <a:ea typeface="Open Sans" pitchFamily="2" charset="0"/>
+                  <a:cs typeface="Open Sans" pitchFamily="2" charset="0"/>
                 </a:rPr>
                 <a:t>AA</a:t>
               </a:r>
@@ -13444,7 +14403,7 @@
           <p:spPr>
             <a:xfrm>
               <a:off x="1563487" y="47625"/>
-              <a:ext cx="1088119" cy="517102"/>
+              <a:ext cx="1088119" cy="482696"/>
             </a:xfrm>
             <a:prstGeom prst="rect">
               <a:avLst/>
@@ -13469,7 +14428,9 @@
                   <a:solidFill>
                     <a:srgbClr val="FFFFFF"/>
                   </a:solidFill>
-                  <a:latin typeface="Open Sauce SemiBold"/>
+                  <a:latin typeface="Open Sans" pitchFamily="2" charset="0"/>
+                  <a:ea typeface="Open Sans" pitchFamily="2" charset="0"/>
+                  <a:cs typeface="Open Sans" pitchFamily="2" charset="0"/>
                 </a:rPr>
                 <a:t>Bb</a:t>
               </a:r>
@@ -13484,8 +14445,8 @@
           </p:nvSpPr>
           <p:spPr>
             <a:xfrm>
-              <a:off x="1563487" y="775418"/>
-              <a:ext cx="1088119" cy="517102"/>
+              <a:off x="1563487" y="775419"/>
+              <a:ext cx="1088119" cy="482696"/>
             </a:xfrm>
             <a:prstGeom prst="rect">
               <a:avLst/>
@@ -13510,7 +14471,9 @@
                   <a:solidFill>
                     <a:srgbClr val="FFFFFF"/>
                   </a:solidFill>
-                  <a:latin typeface="Open Sauce SemiBold"/>
+                  <a:latin typeface="Open Sans" pitchFamily="2" charset="0"/>
+                  <a:ea typeface="Open Sans" pitchFamily="2" charset="0"/>
+                  <a:cs typeface="Open Sans" pitchFamily="2" charset="0"/>
                 </a:rPr>
                 <a:t>Hh</a:t>
               </a:r>
@@ -13525,8 +14488,8 @@
           </p:nvSpPr>
           <p:spPr>
             <a:xfrm>
-              <a:off x="1563487" y="1503210"/>
-              <a:ext cx="1088119" cy="517102"/>
+              <a:off x="1563487" y="1503209"/>
+              <a:ext cx="1088119" cy="482696"/>
             </a:xfrm>
             <a:prstGeom prst="rect">
               <a:avLst/>
@@ -13551,7 +14514,9 @@
                   <a:solidFill>
                     <a:srgbClr val="FFFFFF"/>
                   </a:solidFill>
-                  <a:latin typeface="Open Sauce SemiBold"/>
+                  <a:latin typeface="Open Sans" pitchFamily="2" charset="0"/>
+                  <a:ea typeface="Open Sans" pitchFamily="2" charset="0"/>
+                  <a:cs typeface="Open Sans" pitchFamily="2" charset="0"/>
                 </a:rPr>
                 <a:t>Nn</a:t>
               </a:r>
@@ -13567,7 +14532,7 @@
           <p:spPr>
             <a:xfrm>
               <a:off x="1563487" y="2231003"/>
-              <a:ext cx="1088119" cy="517102"/>
+              <a:ext cx="1088119" cy="482696"/>
             </a:xfrm>
             <a:prstGeom prst="rect">
               <a:avLst/>
@@ -13592,7 +14557,9 @@
                   <a:solidFill>
                     <a:srgbClr val="FFFFFF"/>
                   </a:solidFill>
-                  <a:latin typeface="Open Sauce SemiBold"/>
+                  <a:latin typeface="Open Sans" pitchFamily="2" charset="0"/>
+                  <a:ea typeface="Open Sans" pitchFamily="2" charset="0"/>
+                  <a:cs typeface="Open Sans" pitchFamily="2" charset="0"/>
                 </a:rPr>
                 <a:t>Tt</a:t>
               </a:r>
@@ -13608,7 +14575,7 @@
           <p:spPr>
             <a:xfrm>
               <a:off x="1563487" y="2958795"/>
-              <a:ext cx="1088119" cy="517102"/>
+              <a:ext cx="1088119" cy="482696"/>
             </a:xfrm>
             <a:prstGeom prst="rect">
               <a:avLst/>
@@ -13633,7 +14600,9 @@
                   <a:solidFill>
                     <a:srgbClr val="FFFFFF"/>
                   </a:solidFill>
-                  <a:latin typeface="Open Sauce SemiBold"/>
+                  <a:latin typeface="Open Sans" pitchFamily="2" charset="0"/>
+                  <a:ea typeface="Open Sans" pitchFamily="2" charset="0"/>
+                  <a:cs typeface="Open Sans" pitchFamily="2" charset="0"/>
                 </a:rPr>
                 <a:t>Zz</a:t>
               </a:r>
@@ -13649,7 +14618,7 @@
           <p:spPr>
             <a:xfrm>
               <a:off x="3128638" y="2958795"/>
-              <a:ext cx="1088119" cy="517102"/>
+              <a:ext cx="1088119" cy="482696"/>
             </a:xfrm>
             <a:prstGeom prst="rect">
               <a:avLst/>
@@ -13674,7 +14643,9 @@
                   <a:solidFill>
                     <a:srgbClr val="FFFFFF"/>
                   </a:solidFill>
-                  <a:latin typeface="Open Sauce SemiBold"/>
+                  <a:latin typeface="Open Sans" pitchFamily="2" charset="0"/>
+                  <a:ea typeface="Open Sans" pitchFamily="2" charset="0"/>
+                  <a:cs typeface="Open Sans" pitchFamily="2" charset="0"/>
                 </a:rPr>
                 <a:t>00</a:t>
               </a:r>
@@ -13690,7 +14661,7 @@
           <p:spPr>
             <a:xfrm>
               <a:off x="4690460" y="2958795"/>
-              <a:ext cx="1111125" cy="517102"/>
+              <a:ext cx="1111125" cy="482696"/>
             </a:xfrm>
             <a:prstGeom prst="rect">
               <a:avLst/>
@@ -13715,7 +14686,9 @@
                   <a:solidFill>
                     <a:srgbClr val="FFFFFF"/>
                   </a:solidFill>
-                  <a:latin typeface="Open Sauce SemiBold"/>
+                  <a:latin typeface="Open Sans" pitchFamily="2" charset="0"/>
+                  <a:ea typeface="Open Sans" pitchFamily="2" charset="0"/>
+                  <a:cs typeface="Open Sans" pitchFamily="2" charset="0"/>
                 </a:rPr>
                 <a:t>01</a:t>
               </a:r>
@@ -13731,7 +14704,7 @@
           <p:spPr>
             <a:xfrm>
               <a:off x="6276952" y="2958795"/>
-              <a:ext cx="1088119" cy="517102"/>
+              <a:ext cx="1088119" cy="482696"/>
             </a:xfrm>
             <a:prstGeom prst="rect">
               <a:avLst/>
@@ -13752,11 +14725,13 @@
                 </a:spcBef>
               </a:pPr>
               <a:r>
-                <a:rPr lang="en-US" sz="2800">
-                  <a:solidFill>
-                    <a:srgbClr val="FFFFFF"/>
-                  </a:solidFill>
-                  <a:latin typeface="Open Sauce SemiBold"/>
+                <a:rPr lang="en-US" sz="2800" dirty="0">
+                  <a:solidFill>
+                    <a:srgbClr val="FFFFFF"/>
+                  </a:solidFill>
+                  <a:latin typeface="Open Sans" pitchFamily="2" charset="0"/>
+                  <a:ea typeface="Open Sans" pitchFamily="2" charset="0"/>
+                  <a:cs typeface="Open Sans" pitchFamily="2" charset="0"/>
                 </a:rPr>
                 <a:t>02</a:t>
               </a:r>
@@ -13771,8 +14746,8 @@
           </p:nvSpPr>
           <p:spPr>
             <a:xfrm>
-              <a:off x="7840439" y="2949270"/>
-              <a:ext cx="1088119" cy="313267"/>
+              <a:off x="7840438" y="3038750"/>
+              <a:ext cx="1088119" cy="357192"/>
             </a:xfrm>
             <a:prstGeom prst="rect">
               <a:avLst/>
@@ -13793,13 +14768,15 @@
                 </a:spcBef>
               </a:pPr>
               <a:r>
-                <a:rPr lang="en-US" sz="1750">
-                  <a:solidFill>
-                    <a:srgbClr val="FFFFFF"/>
-                  </a:solidFill>
-                  <a:latin typeface="Open Sauce SemiBold"/>
-                </a:rPr>
-                <a:t>15 h 00</a:t>
+                <a:rPr lang="en-US" sz="2800" dirty="0">
+                  <a:solidFill>
+                    <a:srgbClr val="FFFFFF"/>
+                  </a:solidFill>
+                  <a:latin typeface="Open Sans" pitchFamily="2" charset="0"/>
+                  <a:ea typeface="Open Sans" pitchFamily="2" charset="0"/>
+                  <a:cs typeface="Open Sans" pitchFamily="2" charset="0"/>
+                </a:rPr>
+                <a:t>03</a:t>
               </a:r>
             </a:p>
           </p:txBody>
@@ -13812,8 +14789,8 @@
           </p:nvSpPr>
           <p:spPr>
             <a:xfrm>
-              <a:off x="0" y="3686588"/>
-              <a:ext cx="1088119" cy="517102"/>
+              <a:off x="0" y="3686589"/>
+              <a:ext cx="1088119" cy="482696"/>
             </a:xfrm>
             <a:prstGeom prst="rect">
               <a:avLst/>
@@ -13838,7 +14815,9 @@
                   <a:solidFill>
                     <a:srgbClr val="FFFFFF"/>
                   </a:solidFill>
-                  <a:latin typeface="Open Sauce SemiBold"/>
+                  <a:latin typeface="Open Sans" pitchFamily="2" charset="0"/>
+                  <a:ea typeface="Open Sans" pitchFamily="2" charset="0"/>
+                  <a:cs typeface="Open Sans" pitchFamily="2" charset="0"/>
                 </a:rPr>
                 <a:t>04</a:t>
               </a:r>
@@ -13853,8 +14832,8 @@
           </p:nvSpPr>
           <p:spPr>
             <a:xfrm>
-              <a:off x="1563487" y="3686588"/>
-              <a:ext cx="1088119" cy="517102"/>
+              <a:off x="1563487" y="3686589"/>
+              <a:ext cx="1088119" cy="482696"/>
             </a:xfrm>
             <a:prstGeom prst="rect">
               <a:avLst/>
@@ -13879,7 +14858,9 @@
                   <a:solidFill>
                     <a:srgbClr val="FFFFFF"/>
                   </a:solidFill>
-                  <a:latin typeface="Open Sauce SemiBold"/>
+                  <a:latin typeface="Open Sans" pitchFamily="2" charset="0"/>
+                  <a:ea typeface="Open Sans" pitchFamily="2" charset="0"/>
+                  <a:cs typeface="Open Sans" pitchFamily="2" charset="0"/>
                 </a:rPr>
                 <a:t>05</a:t>
               </a:r>
@@ -13894,8 +14875,8 @@
           </p:nvSpPr>
           <p:spPr>
             <a:xfrm>
-              <a:off x="3128638" y="3686588"/>
-              <a:ext cx="1088119" cy="517102"/>
+              <a:off x="3128638" y="3686589"/>
+              <a:ext cx="1088119" cy="482696"/>
             </a:xfrm>
             <a:prstGeom prst="rect">
               <a:avLst/>
@@ -13920,7 +14901,9 @@
                   <a:solidFill>
                     <a:srgbClr val="FFFFFF"/>
                   </a:solidFill>
-                  <a:latin typeface="Open Sauce SemiBold"/>
+                  <a:latin typeface="Open Sans" pitchFamily="2" charset="0"/>
+                  <a:ea typeface="Open Sans" pitchFamily="2" charset="0"/>
+                  <a:cs typeface="Open Sans" pitchFamily="2" charset="0"/>
                 </a:rPr>
                 <a:t>6</a:t>
               </a:r>
@@ -13935,8 +14918,8 @@
           </p:nvSpPr>
           <p:spPr>
             <a:xfrm>
-              <a:off x="4690460" y="3686588"/>
-              <a:ext cx="1111125" cy="517102"/>
+              <a:off x="4690460" y="3686589"/>
+              <a:ext cx="1111125" cy="482696"/>
             </a:xfrm>
             <a:prstGeom prst="rect">
               <a:avLst/>
@@ -13961,7 +14944,9 @@
                   <a:solidFill>
                     <a:srgbClr val="FFFFFF"/>
                   </a:solidFill>
-                  <a:latin typeface="Open Sauce SemiBold"/>
+                  <a:latin typeface="Open Sans" pitchFamily="2" charset="0"/>
+                  <a:ea typeface="Open Sans" pitchFamily="2" charset="0"/>
+                  <a:cs typeface="Open Sans" pitchFamily="2" charset="0"/>
                 </a:rPr>
                 <a:t>15</a:t>
               </a:r>
@@ -13976,8 +14961,8 @@
           </p:nvSpPr>
           <p:spPr>
             <a:xfrm>
-              <a:off x="6276952" y="3686588"/>
-              <a:ext cx="1088119" cy="517102"/>
+              <a:off x="6276952" y="3686589"/>
+              <a:ext cx="1088119" cy="482696"/>
             </a:xfrm>
             <a:prstGeom prst="rect">
               <a:avLst/>
@@ -14002,7 +14987,9 @@
                   <a:solidFill>
                     <a:srgbClr val="FFFFFF"/>
                   </a:solidFill>
-                  <a:latin typeface="Open Sauce SemiBold"/>
+                  <a:latin typeface="Open Sans" pitchFamily="2" charset="0"/>
+                  <a:ea typeface="Open Sans" pitchFamily="2" charset="0"/>
+                  <a:cs typeface="Open Sans" pitchFamily="2" charset="0"/>
                 </a:rPr>
                 <a:t>08</a:t>
               </a:r>
@@ -14017,8 +15004,8 @@
           </p:nvSpPr>
           <p:spPr>
             <a:xfrm>
-              <a:off x="7840439" y="3686588"/>
-              <a:ext cx="1088119" cy="517102"/>
+              <a:off x="7840439" y="3686589"/>
+              <a:ext cx="1088119" cy="482696"/>
             </a:xfrm>
             <a:prstGeom prst="rect">
               <a:avLst/>
@@ -14043,7 +15030,9 @@
                   <a:solidFill>
                     <a:srgbClr val="FFFFFF"/>
                   </a:solidFill>
-                  <a:latin typeface="Open Sauce SemiBold"/>
+                  <a:latin typeface="Open Sans" pitchFamily="2" charset="0"/>
+                  <a:ea typeface="Open Sans" pitchFamily="2" charset="0"/>
+                  <a:cs typeface="Open Sans" pitchFamily="2" charset="0"/>
                 </a:rPr>
                 <a:t>09</a:t>
               </a:r>
@@ -14059,10 +15048,10 @@
         </p:nvGrpSpPr>
         <p:grpSpPr>
           <a:xfrm>
-            <a:off x="1028700" y="5987962"/>
-            <a:ext cx="4224301" cy="3220808"/>
-            <a:chOff x="0" y="0"/>
-            <a:chExt cx="5632402" cy="4294411"/>
+            <a:off x="1028700" y="6245137"/>
+            <a:ext cx="4224301" cy="2963633"/>
+            <a:chOff x="0" y="342900"/>
+            <a:chExt cx="5632402" cy="3951511"/>
           </a:xfrm>
         </p:grpSpPr>
         <p:sp>
@@ -14074,7 +15063,7 @@
           <p:spPr>
             <a:xfrm>
               <a:off x="0" y="342900"/>
-              <a:ext cx="5632402" cy="3309469"/>
+              <a:ext cx="5632402" cy="3102902"/>
             </a:xfrm>
             <a:prstGeom prst="rect">
               <a:avLst/>
@@ -14095,11 +15084,13 @@
                 </a:spcBef>
               </a:pPr>
               <a:r>
-                <a:rPr lang="en-US" sz="18000" u="none">
-                  <a:solidFill>
-                    <a:srgbClr val="FFFFFF"/>
-                  </a:solidFill>
-                  <a:latin typeface="Open Sauce SemiBold"/>
+                <a:rPr lang="en-US" sz="18000" u="none" dirty="0">
+                  <a:solidFill>
+                    <a:srgbClr val="FFFFFF"/>
+                  </a:solidFill>
+                  <a:latin typeface="Open Sans" pitchFamily="2" charset="0"/>
+                  <a:ea typeface="Open Sans" pitchFamily="2" charset="0"/>
+                  <a:cs typeface="Open Sans" pitchFamily="2" charset="0"/>
                 </a:rPr>
                 <a:t>Aa</a:t>
               </a:r>
@@ -14136,11 +15127,13 @@
                 </a:spcBef>
               </a:pPr>
               <a:r>
-                <a:rPr lang="en-US" sz="1800" spc="270">
-                  <a:solidFill>
-                    <a:srgbClr val="FFFFFF"/>
-                  </a:solidFill>
-                  <a:latin typeface="Open Sauce Light"/>
+                <a:rPr lang="en-US" sz="1800" spc="270" dirty="0">
+                  <a:solidFill>
+                    <a:srgbClr val="FFFFFF"/>
+                  </a:solidFill>
+                  <a:latin typeface="Open Sans" pitchFamily="2" charset="0"/>
+                  <a:ea typeface="Open Sans" pitchFamily="2" charset="0"/>
+                  <a:cs typeface="Open Sans" pitchFamily="2" charset="0"/>
                 </a:rPr>
                 <a:t>OPEN SANS</a:t>
               </a:r>
@@ -14157,7 +15150,7 @@
         <p:spPr>
           <a:xfrm>
             <a:off x="14201274" y="8892540"/>
-            <a:ext cx="3058026" cy="365760"/>
+            <a:ext cx="3058026" cy="349711"/>
           </a:xfrm>
           <a:prstGeom prst="rect">
             <a:avLst/>
@@ -14175,13 +15168,24 @@
               </a:lnSpc>
             </a:pPr>
             <a:r>
-              <a:rPr lang="en-US" sz="2100">
+              <a:rPr lang="en-US" sz="2100" dirty="0">
+                <a:solidFill>
+                  <a:srgbClr val="FFFFFF"/>
+                </a:solidFill>
+                <a:latin typeface="Open Sans SemiBold" pitchFamily="2" charset="0"/>
+                <a:ea typeface="Open Sans SemiBold" pitchFamily="2" charset="0"/>
+                <a:cs typeface="Open Sans SemiBold" pitchFamily="2" charset="0"/>
+              </a:rPr>
+              <a:t>PORTFOLIO</a:t>
+            </a:r>
+            <a:r>
+              <a:rPr lang="en-US" sz="2100" dirty="0">
                 <a:solidFill>
                   <a:srgbClr val="FFFFFF"/>
                 </a:solidFill>
                 <a:latin typeface="Open Sauce Bold"/>
               </a:rPr>
-              <a:t>PORTFOLIO_</a:t>
+              <a:t>_</a:t>
             </a:r>
           </a:p>
         </p:txBody>
@@ -14231,13 +15235,6 @@
   <p:clrMapOvr>
     <a:masterClrMapping/>
   </p:clrMapOvr>
-  <p:timing>
-    <p:tnLst>
-      <p:par>
-        <p:cTn id="1" dur="indefinite" restart="never" nodeType="tmRoot"/>
-      </p:par>
-    </p:tnLst>
-  </p:timing>
 </p:sld>
 </file>
 
@@ -14274,10 +15271,10 @@
         </p:nvGrpSpPr>
         <p:grpSpPr>
           <a:xfrm>
-            <a:off x="925013" y="1028700"/>
-            <a:ext cx="11915611" cy="3081099"/>
-            <a:chOff x="0" y="0"/>
-            <a:chExt cx="15887482" cy="4108132"/>
+            <a:off x="925013" y="1078706"/>
+            <a:ext cx="11915611" cy="3053692"/>
+            <a:chOff x="0" y="66675"/>
+            <a:chExt cx="15887482" cy="4071589"/>
           </a:xfrm>
         </p:grpSpPr>
         <p:sp>
@@ -14314,7 +15311,7 @@
                   <a:solidFill>
                     <a:srgbClr val="FFFFFF"/>
                   </a:solidFill>
-                  <a:latin typeface="Open Sauce Light"/>
+                  <a:latin typeface="Montserrat" panose="00000500000000000000" pitchFamily="50" charset="0"/>
                 </a:rPr>
                 <a:t>POUR LES SOUS-TITRES ET LES PARAGRAPHES</a:t>
               </a:r>
@@ -14348,14 +15345,29 @@
                 </a:lnSpc>
               </a:pPr>
               <a:r>
-                <a:rPr lang="en-US" sz="8000" u="none">
-                  <a:solidFill>
-                    <a:srgbClr val="FFFFFF"/>
-                  </a:solidFill>
-                  <a:latin typeface="Open Sauce SemiBold"/>
-                </a:rPr>
-                <a:t>Police Secondaire</a:t>
-              </a:r>
+                <a:rPr lang="en-US" sz="8000" u="none" dirty="0">
+                  <a:solidFill>
+                    <a:srgbClr val="FFFFFF"/>
+                  </a:solidFill>
+                  <a:latin typeface="Montserrat" panose="00000500000000000000" pitchFamily="50" charset="0"/>
+                </a:rPr>
+                <a:t>Police </a:t>
+              </a:r>
+              <a:r>
+                <a:rPr lang="en-US" sz="8000" u="none" dirty="0" err="1">
+                  <a:solidFill>
+                    <a:srgbClr val="FFFFFF"/>
+                  </a:solidFill>
+                  <a:latin typeface="Montserrat" panose="00000500000000000000" pitchFamily="50" charset="0"/>
+                </a:rPr>
+                <a:t>Secondaire</a:t>
+              </a:r>
+              <a:endParaRPr lang="en-US" sz="8000" u="none" dirty="0">
+                <a:solidFill>
+                  <a:srgbClr val="FFFFFF"/>
+                </a:solidFill>
+                <a:latin typeface="Montserrat" panose="00000500000000000000" pitchFamily="50" charset="0"/>
+              </a:endParaRPr>
             </a:p>
           </p:txBody>
         </p:sp>
@@ -14368,7 +15380,7 @@
           <p:spPr>
             <a:xfrm>
               <a:off x="0" y="3198177"/>
-              <a:ext cx="15862934" cy="909955"/>
+              <a:ext cx="15862934" cy="940087"/>
             </a:xfrm>
             <a:prstGeom prst="rect">
               <a:avLst/>
@@ -14389,13 +15401,13 @@
                 </a:spcBef>
               </a:pPr>
               <a:r>
-                <a:rPr lang="en-US" sz="1800" u="none">
-                  <a:solidFill>
-                    <a:srgbClr val="FFFFFF"/>
-                  </a:solidFill>
-                  <a:latin typeface="Open Sauce Light"/>
-                </a:rPr>
-                <a:t>Les présentations sont des outils de communication pouvant être utilisés comme des démonstrations, des conférences, des discours, des rapports et bien plus encore. La plupart du temps, elles sont faites en public.</a:t>
+                <a:rPr lang="fr-FR" sz="1800" u="none" dirty="0">
+                  <a:solidFill>
+                    <a:srgbClr val="FFFFFF"/>
+                  </a:solidFill>
+                  <a:latin typeface="Montserrat" panose="00000500000000000000" pitchFamily="50" charset="0"/>
+                </a:rPr>
+                <a:t>J’ai choisis cette police pour sa lisibilité, sa compatibilité avec ma police primaire (Open Sans) et sa compatibilité avec mon projet.</a:t>
               </a:r>
             </a:p>
           </p:txBody>
@@ -14462,10 +15474,10 @@
         </p:nvGrpSpPr>
         <p:grpSpPr>
           <a:xfrm>
-            <a:off x="6125795" y="6105533"/>
-            <a:ext cx="6696418" cy="3152767"/>
-            <a:chOff x="0" y="0"/>
-            <a:chExt cx="8928558" cy="4203690"/>
+            <a:off x="6125795" y="6141252"/>
+            <a:ext cx="6696418" cy="3088295"/>
+            <a:chOff x="0" y="47625"/>
+            <a:chExt cx="8928558" cy="4117728"/>
           </a:xfrm>
         </p:grpSpPr>
         <p:sp>
@@ -14476,8 +15488,8 @@
           </p:nvSpPr>
           <p:spPr>
             <a:xfrm>
-              <a:off x="3126973" y="47625"/>
-              <a:ext cx="1088119" cy="517102"/>
+              <a:off x="3126974" y="47625"/>
+              <a:ext cx="1088119" cy="478764"/>
             </a:xfrm>
             <a:prstGeom prst="rect">
               <a:avLst/>
@@ -14502,7 +15514,7 @@
                   <a:solidFill>
                     <a:srgbClr val="FFFFFF"/>
                   </a:solidFill>
-                  <a:latin typeface="Open Sauce Light"/>
+                  <a:latin typeface="Montserrat" panose="00000500000000000000" pitchFamily="50" charset="0"/>
                 </a:rPr>
                 <a:t>CC</a:t>
               </a:r>
@@ -14517,8 +15529,8 @@
           </p:nvSpPr>
           <p:spPr>
             <a:xfrm>
-              <a:off x="3126973" y="775418"/>
-              <a:ext cx="1088119" cy="517102"/>
+              <a:off x="3126974" y="775419"/>
+              <a:ext cx="1088119" cy="478764"/>
             </a:xfrm>
             <a:prstGeom prst="rect">
               <a:avLst/>
@@ -14543,7 +15555,7 @@
                   <a:solidFill>
                     <a:srgbClr val="FFFFFF"/>
                   </a:solidFill>
-                  <a:latin typeface="Open Sauce Light"/>
+                  <a:latin typeface="Montserrat" panose="00000500000000000000" pitchFamily="50" charset="0"/>
                 </a:rPr>
                 <a:t>II</a:t>
               </a:r>
@@ -14558,8 +15570,8 @@
           </p:nvSpPr>
           <p:spPr>
             <a:xfrm>
-              <a:off x="3126973" y="1503210"/>
-              <a:ext cx="1088119" cy="517102"/>
+              <a:off x="3126974" y="1503209"/>
+              <a:ext cx="1088119" cy="478764"/>
             </a:xfrm>
             <a:prstGeom prst="rect">
               <a:avLst/>
@@ -14584,7 +15596,7 @@
                   <a:solidFill>
                     <a:srgbClr val="FFFFFF"/>
                   </a:solidFill>
-                  <a:latin typeface="Open Sauce Light"/>
+                  <a:latin typeface="Montserrat" panose="00000500000000000000" pitchFamily="50" charset="0"/>
                 </a:rPr>
                 <a:t>Oo</a:t>
               </a:r>
@@ -14599,8 +15611,8 @@
           </p:nvSpPr>
           <p:spPr>
             <a:xfrm>
-              <a:off x="3126973" y="2231003"/>
-              <a:ext cx="1088119" cy="517102"/>
+              <a:off x="3126974" y="2231003"/>
+              <a:ext cx="1088119" cy="478764"/>
             </a:xfrm>
             <a:prstGeom prst="rect">
               <a:avLst/>
@@ -14625,7 +15637,7 @@
                   <a:solidFill>
                     <a:srgbClr val="FFFFFF"/>
                   </a:solidFill>
-                  <a:latin typeface="Open Sauce Light"/>
+                  <a:latin typeface="Montserrat" panose="00000500000000000000" pitchFamily="50" charset="0"/>
                 </a:rPr>
                 <a:t>Uu</a:t>
               </a:r>
@@ -14641,7 +15653,7 @@
           <p:spPr>
             <a:xfrm>
               <a:off x="4690460" y="47625"/>
-              <a:ext cx="1111125" cy="517102"/>
+              <a:ext cx="1111125" cy="478764"/>
             </a:xfrm>
             <a:prstGeom prst="rect">
               <a:avLst/>
@@ -14666,7 +15678,7 @@
                   <a:solidFill>
                     <a:srgbClr val="FFFFFF"/>
                   </a:solidFill>
-                  <a:latin typeface="Open Sauce Light"/>
+                  <a:latin typeface="Montserrat" panose="00000500000000000000" pitchFamily="50" charset="0"/>
                 </a:rPr>
                 <a:t>Dd</a:t>
               </a:r>
@@ -14681,8 +15693,8 @@
           </p:nvSpPr>
           <p:spPr>
             <a:xfrm>
-              <a:off x="4690460" y="775418"/>
-              <a:ext cx="1111125" cy="517102"/>
+              <a:off x="4690460" y="775419"/>
+              <a:ext cx="1111125" cy="478764"/>
             </a:xfrm>
             <a:prstGeom prst="rect">
               <a:avLst/>
@@ -14707,7 +15719,7 @@
                   <a:solidFill>
                     <a:srgbClr val="FFFFFF"/>
                   </a:solidFill>
-                  <a:latin typeface="Open Sauce Light"/>
+                  <a:latin typeface="Montserrat" panose="00000500000000000000" pitchFamily="50" charset="0"/>
                 </a:rPr>
                 <a:t>jj</a:t>
               </a:r>
@@ -14722,8 +15734,8 @@
           </p:nvSpPr>
           <p:spPr>
             <a:xfrm>
-              <a:off x="4690460" y="1503210"/>
-              <a:ext cx="1111125" cy="517102"/>
+              <a:off x="4690460" y="1503209"/>
+              <a:ext cx="1111125" cy="478764"/>
             </a:xfrm>
             <a:prstGeom prst="rect">
               <a:avLst/>
@@ -14748,7 +15760,7 @@
                   <a:solidFill>
                     <a:srgbClr val="FFFFFF"/>
                   </a:solidFill>
-                  <a:latin typeface="Open Sauce Light"/>
+                  <a:latin typeface="Montserrat" panose="00000500000000000000" pitchFamily="50" charset="0"/>
                 </a:rPr>
                 <a:t>Pp</a:t>
               </a:r>
@@ -14764,7 +15776,7 @@
           <p:spPr>
             <a:xfrm>
               <a:off x="4690460" y="2231003"/>
-              <a:ext cx="1111125" cy="517102"/>
+              <a:ext cx="1111125" cy="478764"/>
             </a:xfrm>
             <a:prstGeom prst="rect">
               <a:avLst/>
@@ -14789,7 +15801,7 @@
                   <a:solidFill>
                     <a:srgbClr val="FFFFFF"/>
                   </a:solidFill>
-                  <a:latin typeface="Open Sauce Light"/>
+                  <a:latin typeface="Montserrat" panose="00000500000000000000" pitchFamily="50" charset="0"/>
                 </a:rPr>
                 <a:t>Vv</a:t>
               </a:r>
@@ -14805,7 +15817,7 @@
           <p:spPr>
             <a:xfrm>
               <a:off x="6276952" y="47625"/>
-              <a:ext cx="1088119" cy="517102"/>
+              <a:ext cx="1088119" cy="478764"/>
             </a:xfrm>
             <a:prstGeom prst="rect">
               <a:avLst/>
@@ -14830,7 +15842,7 @@
                   <a:solidFill>
                     <a:srgbClr val="FFFFFF"/>
                   </a:solidFill>
-                  <a:latin typeface="Open Sauce Light"/>
+                  <a:latin typeface="Montserrat" panose="00000500000000000000" pitchFamily="50" charset="0"/>
                 </a:rPr>
                 <a:t>Ee</a:t>
               </a:r>
@@ -14845,8 +15857,8 @@
           </p:nvSpPr>
           <p:spPr>
             <a:xfrm>
-              <a:off x="6276952" y="775418"/>
-              <a:ext cx="1088119" cy="517102"/>
+              <a:off x="6276952" y="775419"/>
+              <a:ext cx="1088119" cy="478764"/>
             </a:xfrm>
             <a:prstGeom prst="rect">
               <a:avLst/>
@@ -14871,7 +15883,7 @@
                   <a:solidFill>
                     <a:srgbClr val="FFFFFF"/>
                   </a:solidFill>
-                  <a:latin typeface="Open Sauce Light"/>
+                  <a:latin typeface="Montserrat" panose="00000500000000000000" pitchFamily="50" charset="0"/>
                 </a:rPr>
                 <a:t>Kk</a:t>
               </a:r>
@@ -14886,8 +15898,8 @@
           </p:nvSpPr>
           <p:spPr>
             <a:xfrm>
-              <a:off x="6276952" y="1503210"/>
-              <a:ext cx="1088119" cy="517102"/>
+              <a:off x="6276952" y="1503209"/>
+              <a:ext cx="1088119" cy="478764"/>
             </a:xfrm>
             <a:prstGeom prst="rect">
               <a:avLst/>
@@ -14912,7 +15924,7 @@
                   <a:solidFill>
                     <a:srgbClr val="FFFFFF"/>
                   </a:solidFill>
-                  <a:latin typeface="Open Sauce Light"/>
+                  <a:latin typeface="Montserrat" panose="00000500000000000000" pitchFamily="50" charset="0"/>
                 </a:rPr>
                 <a:t>Qq</a:t>
               </a:r>
@@ -14928,7 +15940,7 @@
           <p:spPr>
             <a:xfrm>
               <a:off x="6276952" y="2231003"/>
-              <a:ext cx="1088119" cy="517102"/>
+              <a:ext cx="1088119" cy="478764"/>
             </a:xfrm>
             <a:prstGeom prst="rect">
               <a:avLst/>
@@ -14953,7 +15965,7 @@
                   <a:solidFill>
                     <a:srgbClr val="FFFFFF"/>
                   </a:solidFill>
-                  <a:latin typeface="Open Sauce Light"/>
+                  <a:latin typeface="Montserrat" panose="00000500000000000000" pitchFamily="50" charset="0"/>
                 </a:rPr>
                 <a:t>Ww</a:t>
               </a:r>
@@ -14969,7 +15981,7 @@
           <p:spPr>
             <a:xfrm>
               <a:off x="7840439" y="47625"/>
-              <a:ext cx="1088119" cy="517102"/>
+              <a:ext cx="1088119" cy="478764"/>
             </a:xfrm>
             <a:prstGeom prst="rect">
               <a:avLst/>
@@ -14994,7 +16006,7 @@
                   <a:solidFill>
                     <a:srgbClr val="FFFFFF"/>
                   </a:solidFill>
-                  <a:latin typeface="Open Sauce Light"/>
+                  <a:latin typeface="Montserrat" panose="00000500000000000000" pitchFamily="50" charset="0"/>
                 </a:rPr>
                 <a:t>Ff</a:t>
               </a:r>
@@ -15009,8 +16021,8 @@
           </p:nvSpPr>
           <p:spPr>
             <a:xfrm>
-              <a:off x="7840439" y="775418"/>
-              <a:ext cx="1088119" cy="517102"/>
+              <a:off x="7840439" y="775419"/>
+              <a:ext cx="1088119" cy="478764"/>
             </a:xfrm>
             <a:prstGeom prst="rect">
               <a:avLst/>
@@ -15035,7 +16047,7 @@
                   <a:solidFill>
                     <a:srgbClr val="FFFFFF"/>
                   </a:solidFill>
-                  <a:latin typeface="Open Sauce Light"/>
+                  <a:latin typeface="Montserrat" panose="00000500000000000000" pitchFamily="50" charset="0"/>
                 </a:rPr>
                 <a:t>Ll</a:t>
               </a:r>
@@ -15050,8 +16062,8 @@
           </p:nvSpPr>
           <p:spPr>
             <a:xfrm>
-              <a:off x="7840439" y="1503210"/>
-              <a:ext cx="1088119" cy="517102"/>
+              <a:off x="7840439" y="1503209"/>
+              <a:ext cx="1088119" cy="478764"/>
             </a:xfrm>
             <a:prstGeom prst="rect">
               <a:avLst/>
@@ -15076,7 +16088,7 @@
                   <a:solidFill>
                     <a:srgbClr val="FFFFFF"/>
                   </a:solidFill>
-                  <a:latin typeface="Open Sauce Light"/>
+                  <a:latin typeface="Montserrat" panose="00000500000000000000" pitchFamily="50" charset="0"/>
                 </a:rPr>
                 <a:t>Rr</a:t>
               </a:r>
@@ -15092,7 +16104,7 @@
           <p:spPr>
             <a:xfrm>
               <a:off x="7840439" y="2231003"/>
-              <a:ext cx="1088119" cy="517102"/>
+              <a:ext cx="1088119" cy="478764"/>
             </a:xfrm>
             <a:prstGeom prst="rect">
               <a:avLst/>
@@ -15117,7 +16129,7 @@
                   <a:solidFill>
                     <a:srgbClr val="FFFFFF"/>
                   </a:solidFill>
-                  <a:latin typeface="Open Sauce Light"/>
+                  <a:latin typeface="Montserrat" panose="00000500000000000000" pitchFamily="50" charset="0"/>
                 </a:rPr>
                 <a:t>XX</a:t>
               </a:r>
@@ -15133,7 +16145,7 @@
           <p:spPr>
             <a:xfrm>
               <a:off x="0" y="47625"/>
-              <a:ext cx="1088119" cy="517102"/>
+              <a:ext cx="1088119" cy="478764"/>
             </a:xfrm>
             <a:prstGeom prst="rect">
               <a:avLst/>
@@ -15158,7 +16170,7 @@
                   <a:solidFill>
                     <a:srgbClr val="FFFFFF"/>
                   </a:solidFill>
-                  <a:latin typeface="Open Sauce Light"/>
+                  <a:latin typeface="Montserrat" panose="00000500000000000000" pitchFamily="50" charset="0"/>
                 </a:rPr>
                 <a:t>Aa</a:t>
               </a:r>
@@ -15173,8 +16185,8 @@
           </p:nvSpPr>
           <p:spPr>
             <a:xfrm>
-              <a:off x="0" y="775418"/>
-              <a:ext cx="1088119" cy="517102"/>
+              <a:off x="0" y="775419"/>
+              <a:ext cx="1088119" cy="478764"/>
             </a:xfrm>
             <a:prstGeom prst="rect">
               <a:avLst/>
@@ -15199,7 +16211,7 @@
                   <a:solidFill>
                     <a:srgbClr val="FFFFFF"/>
                   </a:solidFill>
-                  <a:latin typeface="Open Sauce Light"/>
+                  <a:latin typeface="Montserrat" panose="00000500000000000000" pitchFamily="50" charset="0"/>
                 </a:rPr>
                 <a:t>Gg</a:t>
               </a:r>
@@ -15214,8 +16226,8 @@
           </p:nvSpPr>
           <p:spPr>
             <a:xfrm>
-              <a:off x="0" y="1503210"/>
-              <a:ext cx="1088119" cy="517102"/>
+              <a:off x="0" y="1503209"/>
+              <a:ext cx="1088119" cy="478764"/>
             </a:xfrm>
             <a:prstGeom prst="rect">
               <a:avLst/>
@@ -15240,7 +16252,7 @@
                   <a:solidFill>
                     <a:srgbClr val="FFFFFF"/>
                   </a:solidFill>
-                  <a:latin typeface="Open Sauce Light"/>
+                  <a:latin typeface="Montserrat" panose="00000500000000000000" pitchFamily="50" charset="0"/>
                 </a:rPr>
                 <a:t>MM</a:t>
               </a:r>
@@ -15256,7 +16268,7 @@
           <p:spPr>
             <a:xfrm>
               <a:off x="0" y="2231003"/>
-              <a:ext cx="1088119" cy="517102"/>
+              <a:ext cx="1088119" cy="478764"/>
             </a:xfrm>
             <a:prstGeom prst="rect">
               <a:avLst/>
@@ -15281,7 +16293,7 @@
                   <a:solidFill>
                     <a:srgbClr val="FFFFFF"/>
                   </a:solidFill>
-                  <a:latin typeface="Open Sauce Light"/>
+                  <a:latin typeface="Montserrat" panose="00000500000000000000" pitchFamily="50" charset="0"/>
                 </a:rPr>
                 <a:t>ss</a:t>
               </a:r>
@@ -15297,7 +16309,7 @@
           <p:spPr>
             <a:xfrm>
               <a:off x="0" y="2958795"/>
-              <a:ext cx="1088119" cy="517102"/>
+              <a:ext cx="1088119" cy="478764"/>
             </a:xfrm>
             <a:prstGeom prst="rect">
               <a:avLst/>
@@ -15322,7 +16334,7 @@
                   <a:solidFill>
                     <a:srgbClr val="FFFFFF"/>
                   </a:solidFill>
-                  <a:latin typeface="Open Sauce Light"/>
+                  <a:latin typeface="Montserrat" panose="00000500000000000000" pitchFamily="50" charset="0"/>
                 </a:rPr>
                 <a:t>AA</a:t>
               </a:r>
@@ -15338,7 +16350,7 @@
           <p:spPr>
             <a:xfrm>
               <a:off x="1563487" y="47625"/>
-              <a:ext cx="1088119" cy="517102"/>
+              <a:ext cx="1088119" cy="478764"/>
             </a:xfrm>
             <a:prstGeom prst="rect">
               <a:avLst/>
@@ -15359,11 +16371,11 @@
                 </a:spcBef>
               </a:pPr>
               <a:r>
-                <a:rPr lang="en-US" sz="2800">
-                  <a:solidFill>
-                    <a:srgbClr val="FFFFFF"/>
-                  </a:solidFill>
-                  <a:latin typeface="Open Sauce Light"/>
+                <a:rPr lang="en-US" sz="2800" dirty="0">
+                  <a:solidFill>
+                    <a:srgbClr val="FFFFFF"/>
+                  </a:solidFill>
+                  <a:latin typeface="Montserrat" panose="00000500000000000000" pitchFamily="50" charset="0"/>
                 </a:rPr>
                 <a:t>Bb</a:t>
               </a:r>
@@ -15378,8 +16390,8 @@
           </p:nvSpPr>
           <p:spPr>
             <a:xfrm>
-              <a:off x="1563487" y="775418"/>
-              <a:ext cx="1088119" cy="517102"/>
+              <a:off x="1563487" y="775419"/>
+              <a:ext cx="1088119" cy="478764"/>
             </a:xfrm>
             <a:prstGeom prst="rect">
               <a:avLst/>
@@ -15404,7 +16416,7 @@
                   <a:solidFill>
                     <a:srgbClr val="FFFFFF"/>
                   </a:solidFill>
-                  <a:latin typeface="Open Sauce Light"/>
+                  <a:latin typeface="Montserrat" panose="00000500000000000000" pitchFamily="50" charset="0"/>
                 </a:rPr>
                 <a:t>Hh</a:t>
               </a:r>
@@ -15419,8 +16431,8 @@
           </p:nvSpPr>
           <p:spPr>
             <a:xfrm>
-              <a:off x="1563487" y="1503210"/>
-              <a:ext cx="1088119" cy="517102"/>
+              <a:off x="1563487" y="1503209"/>
+              <a:ext cx="1088119" cy="478764"/>
             </a:xfrm>
             <a:prstGeom prst="rect">
               <a:avLst/>
@@ -15445,7 +16457,7 @@
                   <a:solidFill>
                     <a:srgbClr val="FFFFFF"/>
                   </a:solidFill>
-                  <a:latin typeface="Open Sauce Light"/>
+                  <a:latin typeface="Montserrat" panose="00000500000000000000" pitchFamily="50" charset="0"/>
                 </a:rPr>
                 <a:t>Nn</a:t>
               </a:r>
@@ -15461,7 +16473,7 @@
           <p:spPr>
             <a:xfrm>
               <a:off x="1563487" y="2231003"/>
-              <a:ext cx="1088119" cy="517102"/>
+              <a:ext cx="1088119" cy="478764"/>
             </a:xfrm>
             <a:prstGeom prst="rect">
               <a:avLst/>
@@ -15486,7 +16498,7 @@
                   <a:solidFill>
                     <a:srgbClr val="FFFFFF"/>
                   </a:solidFill>
-                  <a:latin typeface="Open Sauce Light"/>
+                  <a:latin typeface="Montserrat" panose="00000500000000000000" pitchFamily="50" charset="0"/>
                 </a:rPr>
                 <a:t>Tt</a:t>
               </a:r>
@@ -15502,7 +16514,7 @@
           <p:spPr>
             <a:xfrm>
               <a:off x="1563487" y="2958795"/>
-              <a:ext cx="1088119" cy="517102"/>
+              <a:ext cx="1088119" cy="478764"/>
             </a:xfrm>
             <a:prstGeom prst="rect">
               <a:avLst/>
@@ -15527,7 +16539,7 @@
                   <a:solidFill>
                     <a:srgbClr val="FFFFFF"/>
                   </a:solidFill>
-                  <a:latin typeface="Open Sauce Light"/>
+                  <a:latin typeface="Montserrat" panose="00000500000000000000" pitchFamily="50" charset="0"/>
                 </a:rPr>
                 <a:t>Zz</a:t>
               </a:r>
@@ -15543,7 +16555,7 @@
           <p:spPr>
             <a:xfrm>
               <a:off x="3128638" y="2958795"/>
-              <a:ext cx="1088119" cy="517102"/>
+              <a:ext cx="1088119" cy="478764"/>
             </a:xfrm>
             <a:prstGeom prst="rect">
               <a:avLst/>
@@ -15568,7 +16580,7 @@
                   <a:solidFill>
                     <a:srgbClr val="FFFFFF"/>
                   </a:solidFill>
-                  <a:latin typeface="Open Sauce Light"/>
+                  <a:latin typeface="Montserrat" panose="00000500000000000000" pitchFamily="50" charset="0"/>
                 </a:rPr>
                 <a:t>00</a:t>
               </a:r>
@@ -15584,7 +16596,7 @@
           <p:spPr>
             <a:xfrm>
               <a:off x="4690460" y="2958795"/>
-              <a:ext cx="1111125" cy="517102"/>
+              <a:ext cx="1111125" cy="478764"/>
             </a:xfrm>
             <a:prstGeom prst="rect">
               <a:avLst/>
@@ -15609,7 +16621,7 @@
                   <a:solidFill>
                     <a:srgbClr val="FFFFFF"/>
                   </a:solidFill>
-                  <a:latin typeface="Open Sauce Light"/>
+                  <a:latin typeface="Montserrat" panose="00000500000000000000" pitchFamily="50" charset="0"/>
                 </a:rPr>
                 <a:t>01</a:t>
               </a:r>
@@ -15625,7 +16637,7 @@
           <p:spPr>
             <a:xfrm>
               <a:off x="6276952" y="2958795"/>
-              <a:ext cx="1088119" cy="517102"/>
+              <a:ext cx="1088119" cy="478764"/>
             </a:xfrm>
             <a:prstGeom prst="rect">
               <a:avLst/>
@@ -15650,7 +16662,7 @@
                   <a:solidFill>
                     <a:srgbClr val="FFFFFF"/>
                   </a:solidFill>
-                  <a:latin typeface="Open Sauce Light"/>
+                  <a:latin typeface="Montserrat" panose="00000500000000000000" pitchFamily="50" charset="0"/>
                 </a:rPr>
                 <a:t>02</a:t>
               </a:r>
@@ -15666,7 +16678,7 @@
           <p:spPr>
             <a:xfrm>
               <a:off x="7840439" y="2958795"/>
-              <a:ext cx="1088119" cy="517102"/>
+              <a:ext cx="1088119" cy="478764"/>
             </a:xfrm>
             <a:prstGeom prst="rect">
               <a:avLst/>
@@ -15691,7 +16703,7 @@
                   <a:solidFill>
                     <a:srgbClr val="FFFFFF"/>
                   </a:solidFill>
-                  <a:latin typeface="Open Sauce Light"/>
+                  <a:latin typeface="Montserrat" panose="00000500000000000000" pitchFamily="50" charset="0"/>
                 </a:rPr>
                 <a:t>03</a:t>
               </a:r>
@@ -15706,8 +16718,8 @@
           </p:nvSpPr>
           <p:spPr>
             <a:xfrm>
-              <a:off x="0" y="3686588"/>
-              <a:ext cx="1088119" cy="517102"/>
+              <a:off x="0" y="3686589"/>
+              <a:ext cx="1088119" cy="478764"/>
             </a:xfrm>
             <a:prstGeom prst="rect">
               <a:avLst/>
@@ -15732,7 +16744,7 @@
                   <a:solidFill>
                     <a:srgbClr val="FFFFFF"/>
                   </a:solidFill>
-                  <a:latin typeface="Open Sauce Light"/>
+                  <a:latin typeface="Montserrat" panose="00000500000000000000" pitchFamily="50" charset="0"/>
                 </a:rPr>
                 <a:t>04</a:t>
               </a:r>
@@ -15747,8 +16759,8 @@
           </p:nvSpPr>
           <p:spPr>
             <a:xfrm>
-              <a:off x="1563487" y="3686588"/>
-              <a:ext cx="1088119" cy="517102"/>
+              <a:off x="1563487" y="3686589"/>
+              <a:ext cx="1088119" cy="478764"/>
             </a:xfrm>
             <a:prstGeom prst="rect">
               <a:avLst/>
@@ -15773,7 +16785,7 @@
                   <a:solidFill>
                     <a:srgbClr val="FFFFFF"/>
                   </a:solidFill>
-                  <a:latin typeface="Open Sauce Light"/>
+                  <a:latin typeface="Montserrat" panose="00000500000000000000" pitchFamily="50" charset="0"/>
                 </a:rPr>
                 <a:t>05</a:t>
               </a:r>
@@ -15788,8 +16800,8 @@
           </p:nvSpPr>
           <p:spPr>
             <a:xfrm>
-              <a:off x="3128638" y="3686588"/>
-              <a:ext cx="1088119" cy="517102"/>
+              <a:off x="3128638" y="3686589"/>
+              <a:ext cx="1088119" cy="478764"/>
             </a:xfrm>
             <a:prstGeom prst="rect">
               <a:avLst/>
@@ -15814,7 +16826,7 @@
                   <a:solidFill>
                     <a:srgbClr val="FFFFFF"/>
                   </a:solidFill>
-                  <a:latin typeface="Open Sauce Light"/>
+                  <a:latin typeface="Montserrat" panose="00000500000000000000" pitchFamily="50" charset="0"/>
                 </a:rPr>
                 <a:t>6</a:t>
               </a:r>
@@ -15829,8 +16841,8 @@
           </p:nvSpPr>
           <p:spPr>
             <a:xfrm>
-              <a:off x="4690460" y="3686588"/>
-              <a:ext cx="1111125" cy="517102"/>
+              <a:off x="4690460" y="3686589"/>
+              <a:ext cx="1111125" cy="478764"/>
             </a:xfrm>
             <a:prstGeom prst="rect">
               <a:avLst/>
@@ -15855,7 +16867,7 @@
                   <a:solidFill>
                     <a:srgbClr val="FFFFFF"/>
                   </a:solidFill>
-                  <a:latin typeface="Open Sauce Light"/>
+                  <a:latin typeface="Montserrat" panose="00000500000000000000" pitchFamily="50" charset="0"/>
                 </a:rPr>
                 <a:t>15</a:t>
               </a:r>
@@ -15870,8 +16882,8 @@
           </p:nvSpPr>
           <p:spPr>
             <a:xfrm>
-              <a:off x="6276952" y="3686588"/>
-              <a:ext cx="1088119" cy="517102"/>
+              <a:off x="6276952" y="3686589"/>
+              <a:ext cx="1088119" cy="478764"/>
             </a:xfrm>
             <a:prstGeom prst="rect">
               <a:avLst/>
@@ -15896,7 +16908,7 @@
                   <a:solidFill>
                     <a:srgbClr val="FFFFFF"/>
                   </a:solidFill>
-                  <a:latin typeface="Open Sauce Light"/>
+                  <a:latin typeface="Montserrat" panose="00000500000000000000" pitchFamily="50" charset="0"/>
                 </a:rPr>
                 <a:t>08</a:t>
               </a:r>
@@ -15911,8 +16923,8 @@
           </p:nvSpPr>
           <p:spPr>
             <a:xfrm>
-              <a:off x="7840439" y="3686588"/>
-              <a:ext cx="1088119" cy="517102"/>
+              <a:off x="7840439" y="3686589"/>
+              <a:ext cx="1088119" cy="478764"/>
             </a:xfrm>
             <a:prstGeom prst="rect">
               <a:avLst/>
@@ -15937,7 +16949,7 @@
                   <a:solidFill>
                     <a:srgbClr val="FFFFFF"/>
                   </a:solidFill>
-                  <a:latin typeface="Open Sauce Light"/>
+                  <a:latin typeface="Montserrat" panose="00000500000000000000" pitchFamily="50" charset="0"/>
                 </a:rPr>
                 <a:t>09</a:t>
               </a:r>
@@ -15953,10 +16965,10 @@
         </p:nvGrpSpPr>
         <p:grpSpPr>
           <a:xfrm>
-            <a:off x="1028700" y="5987962"/>
-            <a:ext cx="4224301" cy="3220808"/>
-            <a:chOff x="0" y="0"/>
-            <a:chExt cx="5632402" cy="4294411"/>
+            <a:off x="1028700" y="6245137"/>
+            <a:ext cx="4224301" cy="2963633"/>
+            <a:chOff x="0" y="342900"/>
+            <a:chExt cx="5632402" cy="3951511"/>
           </a:xfrm>
         </p:grpSpPr>
         <p:sp>
@@ -15968,7 +16980,7 @@
           <p:spPr>
             <a:xfrm>
               <a:off x="0" y="342900"/>
-              <a:ext cx="5632402" cy="3309469"/>
+              <a:ext cx="5632402" cy="3077766"/>
             </a:xfrm>
             <a:prstGeom prst="rect">
               <a:avLst/>
@@ -15989,11 +17001,11 @@
                 </a:spcBef>
               </a:pPr>
               <a:r>
-                <a:rPr lang="en-US" sz="18000" u="none">
-                  <a:solidFill>
-                    <a:srgbClr val="FFFFFF"/>
-                  </a:solidFill>
-                  <a:latin typeface="Open Sauce Light"/>
+                <a:rPr lang="en-US" sz="18000" u="none" dirty="0">
+                  <a:solidFill>
+                    <a:srgbClr val="FFFFFF"/>
+                  </a:solidFill>
+                  <a:latin typeface="Montserrat" panose="00000500000000000000" pitchFamily="50" charset="0"/>
                 </a:rPr>
                 <a:t>Aa</a:t>
               </a:r>
@@ -16030,11 +17042,11 @@
                 </a:spcBef>
               </a:pPr>
               <a:r>
-                <a:rPr lang="en-US" sz="1800" spc="270">
-                  <a:solidFill>
-                    <a:srgbClr val="FFFFFF"/>
-                  </a:solidFill>
-                  <a:latin typeface="Open Sauce Light"/>
+                <a:rPr lang="en-US" sz="1800" spc="270" dirty="0">
+                  <a:solidFill>
+                    <a:srgbClr val="FFFFFF"/>
+                  </a:solidFill>
+                  <a:latin typeface="Montserrat" panose="00000500000000000000" pitchFamily="50" charset="0"/>
                 </a:rPr>
                 <a:t>MONTSERRAT</a:t>
               </a:r>
@@ -16091,7 +17103,7 @@
         <p:spPr>
           <a:xfrm>
             <a:off x="14201274" y="8892540"/>
-            <a:ext cx="3058026" cy="365760"/>
+            <a:ext cx="3058026" cy="349711"/>
           </a:xfrm>
           <a:prstGeom prst="rect">
             <a:avLst/>
@@ -16109,13 +17121,24 @@
               </a:lnSpc>
             </a:pPr>
             <a:r>
-              <a:rPr lang="en-US" sz="2100">
+              <a:rPr lang="en-US" sz="2100" dirty="0">
+                <a:solidFill>
+                  <a:srgbClr val="FFFFFF"/>
+                </a:solidFill>
+                <a:latin typeface="Open Sans SemiBold" pitchFamily="2" charset="0"/>
+                <a:ea typeface="Open Sans SemiBold" pitchFamily="2" charset="0"/>
+                <a:cs typeface="Open Sans SemiBold" pitchFamily="2" charset="0"/>
+              </a:rPr>
+              <a:t>PORTFOLIO</a:t>
+            </a:r>
+            <a:r>
+              <a:rPr lang="en-US" sz="2100" dirty="0">
                 <a:solidFill>
                   <a:srgbClr val="FFFFFF"/>
                 </a:solidFill>
                 <a:latin typeface="Open Sauce Bold"/>
               </a:rPr>
-              <a:t>PORTFOLIO_</a:t>
+              <a:t>_</a:t>
             </a:r>
           </a:p>
         </p:txBody>
@@ -16125,13 +17148,6 @@
   <p:clrMapOvr>
     <a:masterClrMapping/>
   </p:clrMapOvr>
-  <p:timing>
-    <p:tnLst>
-      <p:par>
-        <p:cTn id="1" dur="indefinite" restart="never" nodeType="tmRoot"/>
-      </p:par>
-    </p:tnLst>
-  </p:timing>
 </p:sld>
 </file>
 
